--- a/prac05/tutorSlides/PLT5.pptx
+++ b/prac05/tutorSlides/PLT5.pptx
@@ -151,7 +151,7 @@
 <file path=ppt/revisionInfo.xml><?xml version="1.0" encoding="utf-8"?>
 <p1510:revInfo xmlns:a="http://schemas.openxmlformats.org/drawingml/2006/main" xmlns:r="http://schemas.openxmlformats.org/officeDocument/2006/relationships" xmlns:p1510="http://schemas.microsoft.com/office/powerpoint/2015/10/main">
   <p1510:revLst>
-    <p1510:client id="{3F9B33BD-9B9B-41A6-9D37-CD312523D173}" v="59" dt="2024-08-26T01:41:38.047"/>
+    <p1510:client id="{3F9B33BD-9B9B-41A6-9D37-CD312523D173}" v="62" dt="2024-08-28T04:23:13.347"/>
   </p1510:revLst>
 </p1510:revInfo>
 </file>
@@ -161,7 +161,7 @@
   <pc:docChgLst>
     <pc:chgData name="David XU" userId="c13a2f49-460d-45ce-888c-77bd41a008e8" providerId="ADAL" clId="{3F9B33BD-9B9B-41A6-9D37-CD312523D173}"/>
     <pc:docChg chg="undo redo custSel addSld delSld modSld sldOrd modMainMaster">
-      <pc:chgData name="David XU" userId="c13a2f49-460d-45ce-888c-77bd41a008e8" providerId="ADAL" clId="{3F9B33BD-9B9B-41A6-9D37-CD312523D173}" dt="2024-08-26T02:25:10.815" v="626" actId="20577"/>
+      <pc:chgData name="David XU" userId="c13a2f49-460d-45ce-888c-77bd41a008e8" providerId="ADAL" clId="{3F9B33BD-9B9B-41A6-9D37-CD312523D173}" dt="2024-08-28T04:49:13.525" v="670" actId="108"/>
       <pc:docMkLst>
         <pc:docMk/>
       </pc:docMkLst>
@@ -204,7 +204,7 @@
         </pc:spChg>
       </pc:sldChg>
       <pc:sldChg chg="modSp add mod modNotesTx">
-        <pc:chgData name="David XU" userId="c13a2f49-460d-45ce-888c-77bd41a008e8" providerId="ADAL" clId="{3F9B33BD-9B9B-41A6-9D37-CD312523D173}" dt="2024-08-24T11:03:54.744" v="236" actId="255"/>
+        <pc:chgData name="David XU" userId="c13a2f49-460d-45ce-888c-77bd41a008e8" providerId="ADAL" clId="{3F9B33BD-9B9B-41A6-9D37-CD312523D173}" dt="2024-08-28T04:18:49.400" v="662" actId="108"/>
         <pc:sldMkLst>
           <pc:docMk/>
           <pc:sldMk cId="3102856049" sldId="258"/>
@@ -219,7 +219,7 @@
         </pc:spChg>
       </pc:sldChg>
       <pc:sldChg chg="modSp add mod modNotesTx">
-        <pc:chgData name="David XU" userId="c13a2f49-460d-45ce-888c-77bd41a008e8" providerId="ADAL" clId="{3F9B33BD-9B9B-41A6-9D37-CD312523D173}" dt="2024-08-25T15:16:03.085" v="448" actId="20577"/>
+        <pc:chgData name="David XU" userId="c13a2f49-460d-45ce-888c-77bd41a008e8" providerId="ADAL" clId="{3F9B33BD-9B9B-41A6-9D37-CD312523D173}" dt="2024-08-28T04:18:55.649" v="663" actId="108"/>
         <pc:sldMkLst>
           <pc:docMk/>
           <pc:sldMk cId="1146288320" sldId="259"/>
@@ -241,7 +241,7 @@
         </pc:sldMkLst>
       </pc:sldChg>
       <pc:sldChg chg="addSp modSp add mod setBg modNotesTx">
-        <pc:chgData name="David XU" userId="c13a2f49-460d-45ce-888c-77bd41a008e8" providerId="ADAL" clId="{3F9B33BD-9B9B-41A6-9D37-CD312523D173}" dt="2024-08-25T15:15:33.394" v="447" actId="26606"/>
+        <pc:chgData name="David XU" userId="c13a2f49-460d-45ce-888c-77bd41a008e8" providerId="ADAL" clId="{3F9B33BD-9B9B-41A6-9D37-CD312523D173}" dt="2024-08-28T04:18:59.743" v="664" actId="108"/>
         <pc:sldMkLst>
           <pc:docMk/>
           <pc:sldMk cId="3871825467" sldId="260"/>
@@ -296,7 +296,7 @@
         </pc:picChg>
       </pc:sldChg>
       <pc:sldChg chg="delSp modSp add mod modNotesTx">
-        <pc:chgData name="David XU" userId="c13a2f49-460d-45ce-888c-77bd41a008e8" providerId="ADAL" clId="{3F9B33BD-9B9B-41A6-9D37-CD312523D173}" dt="2024-08-24T11:13:11.315" v="256" actId="20577"/>
+        <pc:chgData name="David XU" userId="c13a2f49-460d-45ce-888c-77bd41a008e8" providerId="ADAL" clId="{3F9B33BD-9B9B-41A6-9D37-CD312523D173}" dt="2024-08-28T04:19:05.353" v="665" actId="108"/>
         <pc:sldMkLst>
           <pc:docMk/>
           <pc:sldMk cId="2009752683" sldId="261"/>
@@ -327,7 +327,7 @@
         </pc:picChg>
       </pc:sldChg>
       <pc:sldChg chg="modSp add mod modNotesTx">
-        <pc:chgData name="David XU" userId="c13a2f49-460d-45ce-888c-77bd41a008e8" providerId="ADAL" clId="{3F9B33BD-9B9B-41A6-9D37-CD312523D173}" dt="2024-08-24T11:15:33.423" v="274" actId="5793"/>
+        <pc:chgData name="David XU" userId="c13a2f49-460d-45ce-888c-77bd41a008e8" providerId="ADAL" clId="{3F9B33BD-9B9B-41A6-9D37-CD312523D173}" dt="2024-08-28T04:19:10.427" v="666" actId="108"/>
         <pc:sldMkLst>
           <pc:docMk/>
           <pc:sldMk cId="621505167" sldId="262"/>
@@ -342,7 +342,7 @@
         </pc:spChg>
       </pc:sldChg>
       <pc:sldChg chg="addSp delSp modSp add mod setBg addAnim modNotesTx">
-        <pc:chgData name="David XU" userId="c13a2f49-460d-45ce-888c-77bd41a008e8" providerId="ADAL" clId="{3F9B33BD-9B9B-41A6-9D37-CD312523D173}" dt="2024-08-24T15:23:00.462" v="351" actId="962"/>
+        <pc:chgData name="David XU" userId="c13a2f49-460d-45ce-888c-77bd41a008e8" providerId="ADAL" clId="{3F9B33BD-9B9B-41A6-9D37-CD312523D173}" dt="2024-08-28T04:19:14.646" v="667" actId="108"/>
         <pc:sldMkLst>
           <pc:docMk/>
           <pc:sldMk cId="781331252" sldId="263"/>
@@ -421,7 +421,7 @@
         </pc:picChg>
       </pc:sldChg>
       <pc:sldChg chg="delSp modSp add mod modNotesTx">
-        <pc:chgData name="David XU" userId="c13a2f49-460d-45ce-888c-77bd41a008e8" providerId="ADAL" clId="{3F9B33BD-9B9B-41A6-9D37-CD312523D173}" dt="2024-08-24T11:23:37.234" v="296" actId="20577"/>
+        <pc:chgData name="David XU" userId="c13a2f49-460d-45ce-888c-77bd41a008e8" providerId="ADAL" clId="{3F9B33BD-9B9B-41A6-9D37-CD312523D173}" dt="2024-08-28T04:18:37.793" v="661" actId="108"/>
         <pc:sldMkLst>
           <pc:docMk/>
           <pc:sldMk cId="948684552" sldId="264"/>
@@ -444,7 +444,7 @@
         </pc:picChg>
       </pc:sldChg>
       <pc:sldChg chg="modSp add mod modNotesTx">
-        <pc:chgData name="David XU" userId="c13a2f49-460d-45ce-888c-77bd41a008e8" providerId="ADAL" clId="{3F9B33BD-9B9B-41A6-9D37-CD312523D173}" dt="2024-08-25T14:37:45.552" v="353" actId="1036"/>
+        <pc:chgData name="David XU" userId="c13a2f49-460d-45ce-888c-77bd41a008e8" providerId="ADAL" clId="{3F9B33BD-9B9B-41A6-9D37-CD312523D173}" dt="2024-08-28T04:18:31.994" v="660" actId="108"/>
         <pc:sldMkLst>
           <pc:docMk/>
           <pc:sldMk cId="1510699208" sldId="265"/>
@@ -459,7 +459,7 @@
         </pc:spChg>
       </pc:sldChg>
       <pc:sldChg chg="addSp modSp add mod setBg setClrOvrMap modNotesTx">
-        <pc:chgData name="David XU" userId="c13a2f49-460d-45ce-888c-77bd41a008e8" providerId="ADAL" clId="{3F9B33BD-9B9B-41A6-9D37-CD312523D173}" dt="2024-08-25T15:15:16.724" v="446" actId="27614"/>
+        <pc:chgData name="David XU" userId="c13a2f49-460d-45ce-888c-77bd41a008e8" providerId="ADAL" clId="{3F9B33BD-9B9B-41A6-9D37-CD312523D173}" dt="2024-08-28T04:18:27.666" v="659" actId="108"/>
         <pc:sldMkLst>
           <pc:docMk/>
           <pc:sldMk cId="2822338536" sldId="266"/>
@@ -522,7 +522,7 @@
         </pc:picChg>
       </pc:sldChg>
       <pc:sldChg chg="delSp modSp add mod modNotesTx">
-        <pc:chgData name="David XU" userId="c13a2f49-460d-45ce-888c-77bd41a008e8" providerId="ADAL" clId="{3F9B33BD-9B9B-41A6-9D37-CD312523D173}" dt="2024-08-24T11:31:41.459" v="332" actId="5793"/>
+        <pc:chgData name="David XU" userId="c13a2f49-460d-45ce-888c-77bd41a008e8" providerId="ADAL" clId="{3F9B33BD-9B9B-41A6-9D37-CD312523D173}" dt="2024-08-28T04:18:18.187" v="658" actId="108"/>
         <pc:sldMkLst>
           <pc:docMk/>
           <pc:sldMk cId="1104315926" sldId="267"/>
@@ -545,7 +545,7 @@
         </pc:picChg>
       </pc:sldChg>
       <pc:sldChg chg="addSp delSp modSp add mod setBg setClrOvrMap modNotesTx">
-        <pc:chgData name="David XU" userId="c13a2f49-460d-45ce-888c-77bd41a008e8" providerId="ADAL" clId="{3F9B33BD-9B9B-41A6-9D37-CD312523D173}" dt="2024-08-25T15:13:02.146" v="444" actId="26606"/>
+        <pc:chgData name="David XU" userId="c13a2f49-460d-45ce-888c-77bd41a008e8" providerId="ADAL" clId="{3F9B33BD-9B9B-41A6-9D37-CD312523D173}" dt="2024-08-28T04:18:07.157" v="657" actId="20577"/>
         <pc:sldMkLst>
           <pc:docMk/>
           <pc:sldMk cId="15044017" sldId="268"/>
@@ -616,7 +616,7 @@
         </pc:picChg>
       </pc:sldChg>
       <pc:sldChg chg="addSp delSp modSp add mod setBg setClrOvrMap modNotesTx">
-        <pc:chgData name="David XU" userId="c13a2f49-460d-45ce-888c-77bd41a008e8" providerId="ADAL" clId="{3F9B33BD-9B9B-41A6-9D37-CD312523D173}" dt="2024-08-25T15:16:37.773" v="449" actId="20577"/>
+        <pc:chgData name="David XU" userId="c13a2f49-460d-45ce-888c-77bd41a008e8" providerId="ADAL" clId="{3F9B33BD-9B9B-41A6-9D37-CD312523D173}" dt="2024-08-28T04:19:45.341" v="668" actId="108"/>
         <pc:sldMkLst>
           <pc:docMk/>
           <pc:sldMk cId="1763377420" sldId="269"/>
@@ -1144,7 +1144,7 @@
         </pc:sldMkLst>
       </pc:sldChg>
       <pc:sldChg chg="addSp delSp modSp add mod setBg setClrOvrMap modNotesTx">
-        <pc:chgData name="David XU" userId="c13a2f49-460d-45ce-888c-77bd41a008e8" providerId="ADAL" clId="{3F9B33BD-9B9B-41A6-9D37-CD312523D173}" dt="2024-08-26T01:44:36.108" v="594"/>
+        <pc:chgData name="David XU" userId="c13a2f49-460d-45ce-888c-77bd41a008e8" providerId="ADAL" clId="{3F9B33BD-9B9B-41A6-9D37-CD312523D173}" dt="2024-08-28T04:49:02.200" v="669" actId="108"/>
         <pc:sldMkLst>
           <pc:docMk/>
           <pc:sldMk cId="2520250969" sldId="277"/>
@@ -1398,8 +1398,8 @@
           </ac:cxnSpMkLst>
         </pc:cxnChg>
       </pc:sldChg>
-      <pc:sldChg chg="addSp delSp modSp add mod setBg setClrOvrMap delDesignElem">
-        <pc:chgData name="David XU" userId="c13a2f49-460d-45ce-888c-77bd41a008e8" providerId="ADAL" clId="{3F9B33BD-9B9B-41A6-9D37-CD312523D173}" dt="2024-08-26T01:42:09.452" v="586" actId="14100"/>
+      <pc:sldChg chg="addSp delSp modSp add mod setBg setClrOvrMap delDesignElem modNotesTx">
+        <pc:chgData name="David XU" userId="c13a2f49-460d-45ce-888c-77bd41a008e8" providerId="ADAL" clId="{3F9B33BD-9B9B-41A6-9D37-CD312523D173}" dt="2024-08-28T04:49:13.525" v="670" actId="108"/>
         <pc:sldMkLst>
           <pc:docMk/>
           <pc:sldMk cId="2979853124" sldId="278"/>
@@ -1706,7 +1706,7 @@
           <a:p>
             <a:fld id="{4E7BC790-44AB-456F-9122-2E461A256EC8}" type="datetimeFigureOut">
               <a:rPr lang="en-AU" smtClean="0"/>
-              <a:t>26/08/2024</a:t>
+              <a:t>28/08/2024</a:t>
             </a:fld>
             <a:endParaRPr lang="en-AU"/>
           </a:p>
@@ -2018,221 +2018,6 @@
           <a:bodyPr/>
           <a:lstStyle/>
           <a:p>
-            <a:pPr algn="l"/>
-            <a:r>
-              <a:rPr lang="en-US" b="0" i="0" dirty="0">
-                <a:effectLst/>
-                <a:latin typeface="__fkGroteskNeue_598ab8"/>
-              </a:rPr>
-              <a:t>Functional programming languages (FPLs) differ significantly from imperative and object-oriented languages in several key aspects: </a:t>
-            </a:r>
-            <a:r>
-              <a:rPr lang="en-US" b="0" i="0" dirty="0">
-                <a:effectLst/>
-                <a:latin typeface="var(--font-fk-grotesk)"/>
-              </a:rPr>
-              <a:t>Core Concepts</a:t>
-            </a:r>
-          </a:p>
-          <a:p>
-            <a:pPr algn="l"/>
-            <a:r>
-              <a:rPr lang="en-US" b="0" i="0" dirty="0">
-                <a:effectLst/>
-                <a:latin typeface="__fkGroteskNeue_598ab8"/>
-              </a:rPr>
-              <a:t>Immutability: FPLs like Haskell and F# emphasize immutable data structures, contrasting with the mutable state common in imperative languages like C++ and </a:t>
-            </a:r>
-            <a:r>
-              <a:rPr lang="en-US" b="0" i="0" dirty="0" err="1">
-                <a:effectLst/>
-                <a:latin typeface="__fkGroteskNeue_598ab8"/>
-              </a:rPr>
-              <a:t>Java.First</a:t>
-            </a:r>
-            <a:r>
-              <a:rPr lang="en-US" b="0" i="0" dirty="0">
-                <a:effectLst/>
-                <a:latin typeface="__fkGroteskNeue_598ab8"/>
-              </a:rPr>
-              <a:t>-class functions: In FPLs such as Scheme and ML, functions are treated as first-class citizens. While some modern imperative languages like JavaScript and Python support this to an extent, it's a fundamental concept in </a:t>
-            </a:r>
-            <a:r>
-              <a:rPr lang="en-US" b="0" i="0" dirty="0" err="1">
-                <a:effectLst/>
-                <a:latin typeface="__fkGroteskNeue_598ab8"/>
-              </a:rPr>
-              <a:t>FPLs.Declarative</a:t>
-            </a:r>
-            <a:r>
-              <a:rPr lang="en-US" b="0" i="0" dirty="0">
-                <a:effectLst/>
-                <a:latin typeface="__fkGroteskNeue_598ab8"/>
-              </a:rPr>
-              <a:t> style: FPLs focus on describing what should be computed, rather than how to compute it step-by-step as in imperative languages like C or </a:t>
-            </a:r>
-            <a:r>
-              <a:rPr lang="en-US" b="0" i="0" dirty="0" err="1">
-                <a:effectLst/>
-                <a:latin typeface="__fkGroteskNeue_598ab8"/>
-              </a:rPr>
-              <a:t>BASIC.</a:t>
-            </a:r>
-            <a:r>
-              <a:rPr lang="en-US" b="0" i="0" dirty="0" err="1">
-                <a:effectLst/>
-                <a:latin typeface="var(--font-fk-grotesk)"/>
-              </a:rPr>
-              <a:t>Language</a:t>
-            </a:r>
-            <a:r>
-              <a:rPr lang="en-US" b="0" i="0" dirty="0">
-                <a:effectLst/>
-                <a:latin typeface="var(--font-fk-grotesk)"/>
-              </a:rPr>
-              <a:t> Features</a:t>
-            </a:r>
-          </a:p>
-          <a:p>
-            <a:pPr algn="l"/>
-            <a:r>
-              <a:rPr lang="en-US" b="0" i="0" dirty="0">
-                <a:effectLst/>
-                <a:latin typeface="__fkGroteskNeue_598ab8"/>
-              </a:rPr>
-              <a:t>Pure functions: FPLs encourage the use of pure functions without side effects. This differs from methods in object-oriented languages like Java or C# that often modify object </a:t>
-            </a:r>
-            <a:r>
-              <a:rPr lang="en-US" b="0" i="0" dirty="0" err="1">
-                <a:effectLst/>
-                <a:latin typeface="__fkGroteskNeue_598ab8"/>
-              </a:rPr>
-              <a:t>state.Recursion</a:t>
-            </a:r>
-            <a:r>
-              <a:rPr lang="en-US" b="0" i="0" dirty="0">
-                <a:effectLst/>
-                <a:latin typeface="__fkGroteskNeue_598ab8"/>
-              </a:rPr>
-              <a:t>: Recursion is heavily used in FPLs like Scheme for control flow, as opposed to loops which are more common in imperative languages like Fortran or </a:t>
-            </a:r>
-            <a:r>
-              <a:rPr lang="en-US" b="0" i="0" dirty="0" err="1">
-                <a:effectLst/>
-                <a:latin typeface="__fkGroteskNeue_598ab8"/>
-              </a:rPr>
-              <a:t>COBOL.Pattern</a:t>
-            </a:r>
-            <a:r>
-              <a:rPr lang="en-US" b="0" i="0" dirty="0">
-                <a:effectLst/>
-                <a:latin typeface="__fkGroteskNeue_598ab8"/>
-              </a:rPr>
-              <a:t> matching: Many FPLs provide powerful pattern matching capabilities. For example, ML and F# offer sophisticated pattern matching, which is less common in languages like C++ or </a:t>
-            </a:r>
-            <a:r>
-              <a:rPr lang="en-US" b="0" i="0" dirty="0" err="1">
-                <a:effectLst/>
-                <a:latin typeface="__fkGroteskNeue_598ab8"/>
-              </a:rPr>
-              <a:t>Java.Lazy</a:t>
-            </a:r>
-            <a:r>
-              <a:rPr lang="en-US" b="0" i="0" dirty="0">
-                <a:effectLst/>
-                <a:latin typeface="__fkGroteskNeue_598ab8"/>
-              </a:rPr>
-              <a:t> evaluation: Some FPLs like Haskell use lazy evaluation, where expressions are only evaluated when needed. This contrasts with the eager evaluation typical in imperative </a:t>
-            </a:r>
-            <a:r>
-              <a:rPr lang="en-US" b="0" i="0" dirty="0" err="1">
-                <a:effectLst/>
-                <a:latin typeface="__fkGroteskNeue_598ab8"/>
-              </a:rPr>
-              <a:t>languages.</a:t>
-            </a:r>
-            <a:r>
-              <a:rPr lang="en-US" b="0" i="0" dirty="0" err="1">
-                <a:effectLst/>
-                <a:latin typeface="var(--font-fk-grotesk)"/>
-              </a:rPr>
-              <a:t>Data</a:t>
-            </a:r>
-            <a:r>
-              <a:rPr lang="en-US" b="0" i="0" dirty="0">
-                <a:effectLst/>
-                <a:latin typeface="var(--font-fk-grotesk)"/>
-              </a:rPr>
-              <a:t> Structures</a:t>
-            </a:r>
-          </a:p>
-          <a:p>
-            <a:pPr algn="l"/>
-            <a:r>
-              <a:rPr lang="en-US" b="0" i="0" dirty="0">
-                <a:effectLst/>
-                <a:latin typeface="__fkGroteskNeue_598ab8"/>
-              </a:rPr>
-              <a:t>Lists and tuples: FPLs often have built-in support for immutable lists and tuples. For instance, F# provides native support for these data </a:t>
-            </a:r>
-            <a:r>
-              <a:rPr lang="en-US" b="0" i="0" dirty="0" err="1">
-                <a:effectLst/>
-                <a:latin typeface="__fkGroteskNeue_598ab8"/>
-              </a:rPr>
-              <a:t>structures.Algebraic</a:t>
-            </a:r>
-            <a:r>
-              <a:rPr lang="en-US" b="0" i="0" dirty="0">
-                <a:effectLst/>
-                <a:latin typeface="__fkGroteskNeue_598ab8"/>
-              </a:rPr>
-              <a:t> data types: Many FPLs support algebraic data types for creating complex data structures, which differs from the class-based approach in object-oriented languages like Java or </a:t>
-            </a:r>
-            <a:r>
-              <a:rPr lang="en-US" b="0" i="0" dirty="0" err="1">
-                <a:effectLst/>
-                <a:latin typeface="__fkGroteskNeue_598ab8"/>
-              </a:rPr>
-              <a:t>C#.</a:t>
-            </a:r>
-            <a:r>
-              <a:rPr lang="en-US" b="0" i="0" dirty="0" err="1">
-                <a:effectLst/>
-                <a:latin typeface="var(--font-fk-grotesk)"/>
-              </a:rPr>
-              <a:t>Paradigm</a:t>
-            </a:r>
-            <a:r>
-              <a:rPr lang="en-US" b="0" i="0" dirty="0">
-                <a:effectLst/>
-                <a:latin typeface="var(--font-fk-grotesk)"/>
-              </a:rPr>
-              <a:t> Shift</a:t>
-            </a:r>
-          </a:p>
-          <a:p>
-            <a:r>
-              <a:rPr lang="en-US" b="0" i="0" dirty="0">
-                <a:effectLst/>
-                <a:latin typeface="__fkGroteskNeue_598ab8"/>
-              </a:rPr>
-              <a:t>Learning FPLs often requires a significant mental shift for programmers accustomed to imperative or object-oriented languages. The focus on immutability, higher-order functions, and declarative problem-solving in languages like Haskell or F# can be challenging but also leads to new ways of approaching programming </a:t>
-            </a:r>
-            <a:r>
-              <a:rPr lang="en-US" b="0" i="0" dirty="0" err="1">
-                <a:effectLst/>
-                <a:latin typeface="__fkGroteskNeue_598ab8"/>
-              </a:rPr>
-              <a:t>problems.While</a:t>
-            </a:r>
-            <a:r>
-              <a:rPr lang="en-US" b="0" i="0" dirty="0">
-                <a:effectLst/>
-                <a:latin typeface="__fkGroteskNeue_598ab8"/>
-              </a:rPr>
-              <a:t> some modern multi-paradigm languages like C# and Java have incorporated functional programming concepts, pure functional languages like Haskell or F# provide a more complete and focused functional programming experience.</a:t>
-            </a:r>
             <a:endParaRPr lang="en-AU" dirty="0"/>
           </a:p>
         </p:txBody>
@@ -2254,7 +2039,7 @@
           <a:p>
             <a:fld id="{00408CB8-53A8-44F3-9451-039450E51793}" type="slidenum">
               <a:rPr lang="en-AU" smtClean="0"/>
-              <a:t>3</a:t>
+              <a:t>1</a:t>
             </a:fld>
             <a:endParaRPr lang="en-AU"/>
           </a:p>
@@ -2263,7 +2048,7 @@
     </p:spTree>
     <p:extLst>
       <p:ext uri="{BB962C8B-B14F-4D97-AF65-F5344CB8AC3E}">
-        <p14:creationId xmlns:p14="http://schemas.microsoft.com/office/powerpoint/2010/main" val="2563340109"/>
+        <p14:creationId xmlns:p14="http://schemas.microsoft.com/office/powerpoint/2010/main" val="206304891"/>
       </p:ext>
     </p:extLst>
   </p:cSld>
@@ -2317,173 +2102,64 @@
           <a:bodyPr/>
           <a:lstStyle/>
           <a:p>
-            <a:pPr algn="l">
+            <a:pPr marL="0" algn="l" defTabSz="914400" rtl="0" eaLnBrk="1" latinLnBrk="0" hangingPunct="1">
               <a:buFont typeface="+mj-lt"/>
               <a:buNone/>
             </a:pPr>
             <a:r>
-              <a:rPr lang="en-US" b="0" i="0" dirty="0">
+              <a:rPr lang="en-US" sz="1200" b="0" i="1" kern="1200" dirty="0">
+                <a:solidFill>
+                  <a:schemeClr val="tx1"/>
+                </a:solidFill>
                 <a:effectLst/>
                 <a:latin typeface="__fkGroteskNeue_598ab8"/>
+                <a:ea typeface="+mn-ea"/>
+                <a:cs typeface="+mn-cs"/>
               </a:rPr>
-              <a:t>Lambda functions are an important concept in functional programming languages like Scheme. Here are the key points about lambda functions, along with a Scheme </a:t>
-            </a:r>
-            <a:r>
-              <a:rPr lang="en-US" b="0" i="0" dirty="0" err="1">
+              <a:t>This factorial implementation can be optimized into an iterative loop, using constant stack space regardless of input </a:t>
+            </a:r>
+            <a:r>
+              <a:rPr lang="en-US" sz="1200" b="0" i="1" kern="1200" dirty="0" err="1">
+                <a:solidFill>
+                  <a:schemeClr val="tx1"/>
+                </a:solidFill>
                 <a:effectLst/>
                 <a:latin typeface="__fkGroteskNeue_598ab8"/>
+                <a:ea typeface="+mn-ea"/>
+                <a:cs typeface="+mn-cs"/>
               </a:rPr>
-              <a:t>example:Definition</a:t>
-            </a:r>
-            <a:r>
-              <a:rPr lang="en-US" b="0" i="0" dirty="0">
+              <a:t>size.Limitations</a:t>
+            </a:r>
+            <a:r>
+              <a:rPr lang="en-US" sz="1200" b="0" i="1" kern="1200" dirty="0">
+                <a:solidFill>
+                  <a:schemeClr val="tx1"/>
+                </a:solidFill>
                 <a:effectLst/>
                 <a:latin typeface="__fkGroteskNeue_598ab8"/>
+                <a:ea typeface="+mn-ea"/>
+                <a:cs typeface="+mn-cs"/>
               </a:rPr>
-              <a:t>: Lambda functions are anonymous functions that can be created on-the-fly without being bound to an identifier.</a:t>
-            </a:r>
-          </a:p>
-          <a:p>
-            <a:pPr algn="l">
+              <a:t>: Not all recursive functions can be optimized this way - only those where the recursive call is in tail position.</a:t>
+            </a:r>
+          </a:p>
+          <a:p>
+            <a:pPr marL="0" algn="l" defTabSz="914400" rtl="0" eaLnBrk="1" latinLnBrk="0" hangingPunct="1">
               <a:buFont typeface="+mj-lt"/>
-              <a:buAutoNum type="arabicPeriod"/>
+              <a:buNone/>
             </a:pPr>
             <a:r>
-              <a:rPr lang="en-US" b="0" i="0" dirty="0">
+              <a:rPr lang="en-US" sz="1200" b="0" i="1" kern="1200" dirty="0">
+                <a:solidFill>
+                  <a:schemeClr val="tx1"/>
+                </a:solidFill>
                 <a:effectLst/>
                 <a:latin typeface="__fkGroteskNeue_598ab8"/>
+                <a:ea typeface="+mn-ea"/>
+                <a:cs typeface="+mn-cs"/>
               </a:rPr>
-              <a:t>First-class citizens: In Scheme, lambda functions are treated as first-class values, meaning they can </a:t>
-            </a:r>
-            <a:r>
-              <a:rPr lang="en-US" b="0" i="0" dirty="0" err="1">
-                <a:effectLst/>
-                <a:latin typeface="__fkGroteskNeue_598ab8"/>
-              </a:rPr>
-              <a:t>be:Assigned</a:t>
-            </a:r>
-            <a:r>
-              <a:rPr lang="en-US" b="0" i="0" dirty="0">
-                <a:effectLst/>
-                <a:latin typeface="__fkGroteskNeue_598ab8"/>
-              </a:rPr>
-              <a:t> to variables</a:t>
-            </a:r>
-          </a:p>
-          <a:p>
-            <a:pPr algn="l">
-              <a:buFont typeface="+mj-lt"/>
-              <a:buAutoNum type="arabicPeriod"/>
-            </a:pPr>
-            <a:r>
-              <a:rPr lang="en-US" b="0" i="0" dirty="0">
-                <a:effectLst/>
-                <a:latin typeface="__fkGroteskNeue_598ab8"/>
-              </a:rPr>
-              <a:t>Passed as arguments to other functions</a:t>
-            </a:r>
-          </a:p>
-          <a:p>
-            <a:pPr algn="l">
-              <a:buFont typeface="+mj-lt"/>
-              <a:buAutoNum type="arabicPeriod"/>
-            </a:pPr>
-            <a:r>
-              <a:rPr lang="en-US" b="0" i="0" dirty="0">
-                <a:effectLst/>
-                <a:latin typeface="__fkGroteskNeue_598ab8"/>
-              </a:rPr>
-              <a:t>Returned as results from functions</a:t>
-            </a:r>
-          </a:p>
-          <a:p>
-            <a:pPr algn="l">
-              <a:buFont typeface="+mj-lt"/>
-              <a:buAutoNum type="arabicPeriod"/>
-            </a:pPr>
-            <a:r>
-              <a:rPr lang="en-US" b="0" i="0" dirty="0">
-                <a:effectLst/>
-                <a:latin typeface="__fkGroteskNeue_598ab8"/>
-              </a:rPr>
-              <a:t>Syntax: In Scheme, lambda functions are created using the lambda keyword followed by a parameter list and function body.</a:t>
-            </a:r>
-          </a:p>
-          <a:p>
-            <a:pPr algn="l">
-              <a:buFont typeface="+mj-lt"/>
-              <a:buAutoNum type="arabicPeriod"/>
-            </a:pPr>
-            <a:r>
-              <a:rPr lang="en-US" b="0" i="0" dirty="0">
-                <a:effectLst/>
-                <a:latin typeface="__fkGroteskNeue_598ab8"/>
-              </a:rPr>
-              <a:t>Use cases: Lambda functions are particularly useful </a:t>
-            </a:r>
-            <a:r>
-              <a:rPr lang="en-US" b="0" i="0" dirty="0" err="1">
-                <a:effectLst/>
-                <a:latin typeface="__fkGroteskNeue_598ab8"/>
-              </a:rPr>
-              <a:t>for:Creating</a:t>
-            </a:r>
-            <a:r>
-              <a:rPr lang="en-US" b="0" i="0" dirty="0">
-                <a:effectLst/>
-                <a:latin typeface="__fkGroteskNeue_598ab8"/>
-              </a:rPr>
-              <a:t> small, one-off functions</a:t>
-            </a:r>
-          </a:p>
-          <a:p>
-            <a:pPr algn="l">
-              <a:buFont typeface="+mj-lt"/>
-              <a:buAutoNum type="arabicPeriod"/>
-            </a:pPr>
-            <a:r>
-              <a:rPr lang="en-US" b="0" i="0" dirty="0">
-                <a:effectLst/>
-                <a:latin typeface="__fkGroteskNeue_598ab8"/>
-              </a:rPr>
-              <a:t>Passing functions as arguments to higher-order functions</a:t>
-            </a:r>
-          </a:p>
-          <a:p>
-            <a:pPr algn="l">
-              <a:buFont typeface="+mj-lt"/>
-              <a:buAutoNum type="arabicPeriod"/>
-            </a:pPr>
-            <a:r>
-              <a:rPr lang="en-US" b="0" i="0" dirty="0">
-                <a:effectLst/>
-                <a:latin typeface="__fkGroteskNeue_598ab8"/>
-              </a:rPr>
-              <a:t>Implementing closures</a:t>
-            </a:r>
-          </a:p>
-          <a:p>
-            <a:pPr algn="l">
-              <a:buFont typeface="+mj-lt"/>
-              <a:buAutoNum type="arabicPeriod"/>
-            </a:pPr>
-            <a:r>
-              <a:rPr lang="en-US" b="0" i="0" dirty="0">
-                <a:effectLst/>
-                <a:latin typeface="__fkGroteskNeue_598ab8"/>
-              </a:rPr>
-              <a:t>Flexibility: They allow for more flexible and concise code, especially when used with higher-order functions.</a:t>
-            </a:r>
-          </a:p>
-          <a:p>
-            <a:pPr algn="l">
-              <a:buFont typeface="+mj-lt"/>
-              <a:buNone/>
-            </a:pPr>
-            <a:endParaRPr lang="en-US" b="0" i="0" dirty="0">
-              <a:effectLst/>
-              <a:latin typeface="__fkGroteskNeue_598ab8"/>
-            </a:endParaRPr>
+              <a:t>Tail recursion optimization allows functional languages to efficiently implement algorithms that would typically use loops in imperative languages, while maintaining a recursive and often more intuitive structure.</a:t>
+            </a:r>
           </a:p>
         </p:txBody>
       </p:sp>
@@ -2504,7 +2180,7 @@
           <a:p>
             <a:fld id="{00408CB8-53A8-44F3-9451-039450E51793}" type="slidenum">
               <a:rPr lang="en-AU" smtClean="0"/>
-              <a:t>12</a:t>
+              <a:t>11</a:t>
             </a:fld>
             <a:endParaRPr lang="en-AU"/>
           </a:p>
@@ -2513,7 +2189,7 @@
     </p:spTree>
     <p:extLst>
       <p:ext uri="{BB962C8B-B14F-4D97-AF65-F5344CB8AC3E}">
-        <p14:creationId xmlns:p14="http://schemas.microsoft.com/office/powerpoint/2010/main" val="3252831701"/>
+        <p14:creationId xmlns:p14="http://schemas.microsoft.com/office/powerpoint/2010/main" val="759132133"/>
       </p:ext>
     </p:extLst>
   </p:cSld>
@@ -2567,66 +2243,236 @@
           <a:bodyPr/>
           <a:lstStyle/>
           <a:p>
+            <a:pPr marL="0" algn="l" defTabSz="914400" rtl="0" eaLnBrk="1" latinLnBrk="0" hangingPunct="1">
+              <a:buFont typeface="+mj-lt"/>
+              <a:buNone/>
+            </a:pPr>
+            <a:r>
+              <a:rPr lang="en-US" sz="1200" b="0" i="1" kern="1200" dirty="0">
+                <a:solidFill>
+                  <a:schemeClr val="tx1"/>
+                </a:solidFill>
+                <a:effectLst/>
+                <a:latin typeface="__fkGroteskNeue_598ab8"/>
+                <a:ea typeface="+mn-ea"/>
+                <a:cs typeface="+mn-cs"/>
+              </a:rPr>
+              <a:t>Lambda functions are an important concept in functional programming languages like Scheme. Here are the key points about lambda functions, along with a Scheme example:</a:t>
+            </a:r>
+          </a:p>
+          <a:p>
+            <a:pPr marL="0" algn="l" defTabSz="914400" rtl="0" eaLnBrk="1" latinLnBrk="0" hangingPunct="1">
+              <a:buFont typeface="+mj-lt"/>
+              <a:buNone/>
+            </a:pPr>
+            <a:r>
+              <a:rPr lang="en-US" sz="1200" b="0" i="1" kern="1200" dirty="0">
+                <a:solidFill>
+                  <a:schemeClr val="tx1"/>
+                </a:solidFill>
+                <a:effectLst/>
+                <a:latin typeface="__fkGroteskNeue_598ab8"/>
+                <a:ea typeface="+mn-ea"/>
+                <a:cs typeface="+mn-cs"/>
+              </a:rPr>
+              <a:t>Definition: Lambda functions are anonymous functions that can be created on-the-fly without being bound to an identifier.</a:t>
+            </a:r>
+          </a:p>
+          <a:p>
+            <a:pPr marL="0" algn="l" defTabSz="914400" rtl="0" eaLnBrk="1" latinLnBrk="0" hangingPunct="1">
+              <a:buFont typeface="+mj-lt"/>
+              <a:buNone/>
+            </a:pPr>
+            <a:r>
+              <a:rPr lang="en-US" sz="1200" b="0" i="1" kern="1200" dirty="0">
+                <a:solidFill>
+                  <a:schemeClr val="tx1"/>
+                </a:solidFill>
+                <a:effectLst/>
+                <a:latin typeface="__fkGroteskNeue_598ab8"/>
+                <a:ea typeface="+mn-ea"/>
+                <a:cs typeface="+mn-cs"/>
+              </a:rPr>
+              <a:t>First-class citizens: In Scheme, lambda functions are treated as first-class values, meaning they can </a:t>
+            </a:r>
+            <a:r>
+              <a:rPr lang="en-US" sz="1200" b="0" i="1" kern="1200" dirty="0" err="1">
+                <a:solidFill>
+                  <a:schemeClr val="tx1"/>
+                </a:solidFill>
+                <a:effectLst/>
+                <a:latin typeface="__fkGroteskNeue_598ab8"/>
+                <a:ea typeface="+mn-ea"/>
+                <a:cs typeface="+mn-cs"/>
+              </a:rPr>
+              <a:t>be:Assigned</a:t>
+            </a:r>
+            <a:r>
+              <a:rPr lang="en-US" sz="1200" b="0" i="1" kern="1200" dirty="0">
+                <a:solidFill>
+                  <a:schemeClr val="tx1"/>
+                </a:solidFill>
+                <a:effectLst/>
+                <a:latin typeface="__fkGroteskNeue_598ab8"/>
+                <a:ea typeface="+mn-ea"/>
+                <a:cs typeface="+mn-cs"/>
+              </a:rPr>
+              <a:t> to variables</a:t>
+            </a:r>
+          </a:p>
+          <a:p>
+            <a:pPr marL="0" algn="l" defTabSz="914400" rtl="0" eaLnBrk="1" latinLnBrk="0" hangingPunct="1">
+              <a:buFont typeface="+mj-lt"/>
+              <a:buNone/>
+            </a:pPr>
+            <a:r>
+              <a:rPr lang="en-US" sz="1200" b="0" i="1" kern="1200" dirty="0">
+                <a:solidFill>
+                  <a:schemeClr val="tx1"/>
+                </a:solidFill>
+                <a:effectLst/>
+                <a:latin typeface="__fkGroteskNeue_598ab8"/>
+                <a:ea typeface="+mn-ea"/>
+                <a:cs typeface="+mn-cs"/>
+              </a:rPr>
+              <a:t>Passed as arguments to other functions</a:t>
+            </a:r>
+          </a:p>
+          <a:p>
+            <a:pPr marL="0" algn="l" defTabSz="914400" rtl="0" eaLnBrk="1" latinLnBrk="0" hangingPunct="1">
+              <a:buFont typeface="+mj-lt"/>
+              <a:buNone/>
+            </a:pPr>
+            <a:r>
+              <a:rPr lang="en-US" sz="1200" b="0" i="1" kern="1200" dirty="0">
+                <a:solidFill>
+                  <a:schemeClr val="tx1"/>
+                </a:solidFill>
+                <a:effectLst/>
+                <a:latin typeface="__fkGroteskNeue_598ab8"/>
+                <a:ea typeface="+mn-ea"/>
+                <a:cs typeface="+mn-cs"/>
+              </a:rPr>
+              <a:t>Returned as results from functions</a:t>
+            </a:r>
+          </a:p>
+          <a:p>
+            <a:pPr marL="0" algn="l" defTabSz="914400" rtl="0" eaLnBrk="1" latinLnBrk="0" hangingPunct="1">
+              <a:buFont typeface="+mj-lt"/>
+              <a:buNone/>
+            </a:pPr>
+            <a:r>
+              <a:rPr lang="en-US" sz="1200" b="0" i="1" kern="1200" dirty="0">
+                <a:solidFill>
+                  <a:schemeClr val="tx1"/>
+                </a:solidFill>
+                <a:effectLst/>
+                <a:latin typeface="__fkGroteskNeue_598ab8"/>
+                <a:ea typeface="+mn-ea"/>
+                <a:cs typeface="+mn-cs"/>
+              </a:rPr>
+              <a:t>Syntax: In Scheme, lambda functions are created using the lambda keyword followed by a parameter list and function body.</a:t>
+            </a:r>
+          </a:p>
+          <a:p>
+            <a:pPr marL="0" algn="l" defTabSz="914400" rtl="0" eaLnBrk="1" latinLnBrk="0" hangingPunct="1">
+              <a:buFont typeface="+mj-lt"/>
+              <a:buNone/>
+            </a:pPr>
+            <a:r>
+              <a:rPr lang="en-US" sz="1200" b="0" i="1" kern="1200" dirty="0">
+                <a:solidFill>
+                  <a:schemeClr val="tx1"/>
+                </a:solidFill>
+                <a:effectLst/>
+                <a:latin typeface="__fkGroteskNeue_598ab8"/>
+                <a:ea typeface="+mn-ea"/>
+                <a:cs typeface="+mn-cs"/>
+              </a:rPr>
+              <a:t>Use cases: Lambda functions are particularly useful for: </a:t>
+            </a:r>
+          </a:p>
+          <a:p>
+            <a:pPr marL="0" algn="l" defTabSz="914400" rtl="0" eaLnBrk="1" latinLnBrk="0" hangingPunct="1">
+              <a:buFont typeface="+mj-lt"/>
+              <a:buNone/>
+            </a:pPr>
+            <a:r>
+              <a:rPr lang="en-US" sz="1200" b="0" i="1" kern="1200" dirty="0">
+                <a:solidFill>
+                  <a:schemeClr val="tx1"/>
+                </a:solidFill>
+                <a:effectLst/>
+                <a:latin typeface="__fkGroteskNeue_598ab8"/>
+                <a:ea typeface="+mn-ea"/>
+                <a:cs typeface="+mn-cs"/>
+              </a:rPr>
+              <a:t>Creating small, one-off functions</a:t>
+            </a:r>
+          </a:p>
+          <a:p>
+            <a:pPr marL="0" algn="l" defTabSz="914400" rtl="0" eaLnBrk="1" latinLnBrk="0" hangingPunct="1">
+              <a:buFont typeface="+mj-lt"/>
+              <a:buNone/>
+            </a:pPr>
+            <a:r>
+              <a:rPr lang="en-US" sz="1200" b="0" i="1" kern="1200" dirty="0">
+                <a:solidFill>
+                  <a:schemeClr val="tx1"/>
+                </a:solidFill>
+                <a:effectLst/>
+                <a:latin typeface="__fkGroteskNeue_598ab8"/>
+                <a:ea typeface="+mn-ea"/>
+                <a:cs typeface="+mn-cs"/>
+              </a:rPr>
+              <a:t>Passing functions as arguments to higher-order functions</a:t>
+            </a:r>
+          </a:p>
+          <a:p>
+            <a:pPr marL="0" algn="l" defTabSz="914400" rtl="0" eaLnBrk="1" latinLnBrk="0" hangingPunct="1">
+              <a:buFont typeface="+mj-lt"/>
+              <a:buNone/>
+            </a:pPr>
+            <a:r>
+              <a:rPr lang="en-US" sz="1200" b="0" i="1" kern="1200" dirty="0">
+                <a:solidFill>
+                  <a:schemeClr val="tx1"/>
+                </a:solidFill>
+                <a:effectLst/>
+                <a:latin typeface="__fkGroteskNeue_598ab8"/>
+                <a:ea typeface="+mn-ea"/>
+                <a:cs typeface="+mn-cs"/>
+              </a:rPr>
+              <a:t>Implementing closures</a:t>
+            </a:r>
+          </a:p>
+          <a:p>
+            <a:pPr marL="0" algn="l" defTabSz="914400" rtl="0" eaLnBrk="1" latinLnBrk="0" hangingPunct="1">
+              <a:buFont typeface="+mj-lt"/>
+              <a:buNone/>
+            </a:pPr>
+            <a:r>
+              <a:rPr lang="en-US" sz="1200" b="0" i="1" kern="1200" dirty="0">
+                <a:solidFill>
+                  <a:schemeClr val="tx1"/>
+                </a:solidFill>
+                <a:effectLst/>
+                <a:latin typeface="__fkGroteskNeue_598ab8"/>
+                <a:ea typeface="+mn-ea"/>
+                <a:cs typeface="+mn-cs"/>
+              </a:rPr>
+              <a:t>Flexibility: They allow for more flexible and concise code, especially when used with higher-order functions.</a:t>
+            </a:r>
+          </a:p>
+          <a:p>
             <a:pPr algn="l">
               <a:buFont typeface="+mj-lt"/>
               <a:buNone/>
             </a:pPr>
-            <a:r>
-              <a:rPr lang="en-US" b="0" i="0" dirty="0">
-                <a:effectLst/>
-                <a:latin typeface="__fkGroteskNeue_598ab8"/>
-              </a:rPr>
-              <a:t>This example </a:t>
-            </a:r>
-            <a:r>
-              <a:rPr lang="en-US" b="0" i="0" dirty="0" err="1">
-                <a:effectLst/>
-                <a:latin typeface="__fkGroteskNeue_598ab8"/>
-              </a:rPr>
-              <a:t>demonstrates:Using</a:t>
-            </a:r>
-            <a:r>
-              <a:rPr lang="en-US" b="0" i="0" dirty="0">
-                <a:effectLst/>
-                <a:latin typeface="__fkGroteskNeue_598ab8"/>
-              </a:rPr>
-              <a:t> a lambda function as an argument to a higher-order function (apply-twice)</a:t>
-            </a:r>
-          </a:p>
-          <a:p>
-            <a:pPr algn="l">
-              <a:buFont typeface="+mj-lt"/>
-              <a:buAutoNum type="arabicPeriod"/>
-            </a:pPr>
-            <a:r>
-              <a:rPr lang="en-US" b="0" i="0" dirty="0">
-                <a:effectLst/>
-                <a:latin typeface="__fkGroteskNeue_598ab8"/>
-              </a:rPr>
-              <a:t>Using lambda with the map function to square a list of numbers</a:t>
-            </a:r>
-          </a:p>
-          <a:p>
-            <a:pPr algn="l">
-              <a:buFont typeface="+mj-lt"/>
-              <a:buAutoNum type="arabicPeriod"/>
-            </a:pPr>
-            <a:r>
-              <a:rPr lang="en-US" b="0" i="0" dirty="0">
-                <a:effectLst/>
-                <a:latin typeface="__fkGroteskNeue_598ab8"/>
-              </a:rPr>
-              <a:t>Creating a closure with lambda to make a function that adds a specific number</a:t>
-            </a:r>
-          </a:p>
-          <a:p>
-            <a:r>
-              <a:rPr lang="en-US" b="0" i="0" dirty="0">
-                <a:effectLst/>
-                <a:latin typeface="__fkGroteskNeue_598ab8"/>
-              </a:rPr>
-              <a:t>Lambda functions in Scheme provide a powerful and flexible way to work with functions as first-class values, enabling concise and expressive functional programming patterns.</a:t>
-            </a:r>
+            <a:endParaRPr lang="en-US" b="0" i="0" dirty="0">
+              <a:effectLst/>
+              <a:latin typeface="__fkGroteskNeue_598ab8"/>
+            </a:endParaRPr>
           </a:p>
         </p:txBody>
       </p:sp>
@@ -2647,7 +2493,7 @@
           <a:p>
             <a:fld id="{00408CB8-53A8-44F3-9451-039450E51793}" type="slidenum">
               <a:rPr lang="en-AU" smtClean="0"/>
-              <a:t>13</a:t>
+              <a:t>12</a:t>
             </a:fld>
             <a:endParaRPr lang="en-AU"/>
           </a:p>
@@ -2656,7 +2502,7 @@
     </p:spTree>
     <p:extLst>
       <p:ext uri="{BB962C8B-B14F-4D97-AF65-F5344CB8AC3E}">
-        <p14:creationId xmlns:p14="http://schemas.microsoft.com/office/powerpoint/2010/main" val="2358184953"/>
+        <p14:creationId xmlns:p14="http://schemas.microsoft.com/office/powerpoint/2010/main" val="3252831701"/>
       </p:ext>
     </p:extLst>
   </p:cSld>
@@ -2710,135 +2556,76 @@
           <a:bodyPr/>
           <a:lstStyle/>
           <a:p>
-            <a:pPr algn="l">
+            <a:pPr marL="0" algn="l" defTabSz="914400" rtl="0" eaLnBrk="1" latinLnBrk="0" hangingPunct="1">
               <a:buFont typeface="+mj-lt"/>
               <a:buNone/>
             </a:pPr>
             <a:r>
-              <a:rPr lang="en-US" b="0" i="1" dirty="0">
+              <a:rPr lang="en-US" sz="1200" b="0" i="1" kern="1200" dirty="0">
+                <a:solidFill>
+                  <a:schemeClr val="tx1"/>
+                </a:solidFill>
                 <a:effectLst/>
                 <a:latin typeface="__fkGroteskNeue_598ab8"/>
+                <a:ea typeface="+mn-ea"/>
+                <a:cs typeface="+mn-cs"/>
               </a:rPr>
-              <a:t>A closure is an important concept in functional programming languages. Here are the key points about closures:</a:t>
-            </a:r>
-          </a:p>
-          <a:p>
-            <a:pPr algn="l">
+              <a:t>This example demonstrates: Using a lambda function as an argument to a higher-order function (apply-twice)</a:t>
+            </a:r>
+          </a:p>
+          <a:p>
+            <a:pPr marL="0" algn="l" defTabSz="914400" rtl="0" eaLnBrk="1" latinLnBrk="0" hangingPunct="1">
               <a:buFont typeface="+mj-lt"/>
               <a:buNone/>
             </a:pPr>
             <a:r>
-              <a:rPr lang="en-US" b="0" i="1" dirty="0">
+              <a:rPr lang="en-US" sz="1200" b="0" i="1" kern="1200" dirty="0">
+                <a:solidFill>
+                  <a:schemeClr val="tx1"/>
+                </a:solidFill>
                 <a:effectLst/>
                 <a:latin typeface="__fkGroteskNeue_598ab8"/>
+                <a:ea typeface="+mn-ea"/>
+                <a:cs typeface="+mn-cs"/>
               </a:rPr>
-              <a:t>Definition: A closure is a function together with its referencing environment.</a:t>
-            </a:r>
-          </a:p>
-          <a:p>
-            <a:pPr algn="l">
+              <a:t>Using lambda with the map function to square a list of numbers</a:t>
+            </a:r>
+          </a:p>
+          <a:p>
+            <a:pPr marL="0" algn="l" defTabSz="914400" rtl="0" eaLnBrk="1" latinLnBrk="0" hangingPunct="1">
               <a:buFont typeface="+mj-lt"/>
               <a:buNone/>
             </a:pPr>
             <a:r>
-              <a:rPr lang="en-US" b="0" i="1" dirty="0">
+              <a:rPr lang="en-US" sz="1200" b="0" i="1" kern="1200" dirty="0">
+                <a:solidFill>
+                  <a:schemeClr val="tx1"/>
+                </a:solidFill>
                 <a:effectLst/>
                 <a:latin typeface="__fkGroteskNeue_598ab8"/>
+                <a:ea typeface="+mn-ea"/>
+                <a:cs typeface="+mn-cs"/>
               </a:rPr>
-              <a:t>Referencing environment: This includes all the variables that were in scope when the closure was created.</a:t>
-            </a:r>
-          </a:p>
-          <a:p>
-            <a:pPr algn="l">
+              <a:t>Creating a closure with lambda to make a function that adds a specific number</a:t>
+            </a:r>
+          </a:p>
+          <a:p>
+            <a:pPr marL="0" algn="l" defTabSz="914400" rtl="0" eaLnBrk="1" latinLnBrk="0" hangingPunct="1">
               <a:buFont typeface="+mj-lt"/>
               <a:buNone/>
             </a:pPr>
             <a:r>
-              <a:rPr lang="en-US" b="0" i="1" dirty="0">
+              <a:rPr lang="en-US" sz="1200" b="0" i="1" kern="1200" dirty="0">
+                <a:solidFill>
+                  <a:schemeClr val="tx1"/>
+                </a:solidFill>
                 <a:effectLst/>
                 <a:latin typeface="__fkGroteskNeue_598ab8"/>
+                <a:ea typeface="+mn-ea"/>
+                <a:cs typeface="+mn-cs"/>
               </a:rPr>
-              <a:t>Function as a first-class object: Closures treat functions as first-class objects, allowing them to be assigned to variables, passed as arguments, and returned from other functions.</a:t>
-            </a:r>
-          </a:p>
-          <a:p>
-            <a:pPr algn="l">
-              <a:buFont typeface="+mj-lt"/>
-              <a:buNone/>
-            </a:pPr>
-            <a:r>
-              <a:rPr lang="en-US" b="0" i="1" dirty="0">
-                <a:effectLst/>
-                <a:latin typeface="__fkGroteskNeue_598ab8"/>
-              </a:rPr>
-              <a:t>Lexical scoping: Closures rely on lexical scoping, where the scope of a variable is determined by its position in the source code.</a:t>
-            </a:r>
-          </a:p>
-          <a:p>
-            <a:pPr algn="l">
-              <a:buFont typeface="+mj-lt"/>
-              <a:buNone/>
-            </a:pPr>
-            <a:r>
-              <a:rPr lang="en-US" b="0" i="1" dirty="0">
-                <a:effectLst/>
-                <a:latin typeface="__fkGroteskNeue_598ab8"/>
-              </a:rPr>
-              <a:t>State preservation: Closures can "capture" and preserve the state of variables from their enclosing scope, even after that scope has finished executing.</a:t>
-            </a:r>
-          </a:p>
-          <a:p>
-            <a:pPr algn="l">
-              <a:buFont typeface="+mj-lt"/>
-              <a:buNone/>
-            </a:pPr>
-            <a:endParaRPr lang="en-US" b="0" i="1" dirty="0">
-              <a:effectLst/>
-              <a:latin typeface="__fkGroteskNeue_598ab8"/>
-            </a:endParaRPr>
-          </a:p>
-          <a:p>
-            <a:pPr algn="l">
-              <a:buFont typeface="+mj-lt"/>
-              <a:buNone/>
-            </a:pPr>
-            <a:r>
-              <a:rPr lang="en-US" b="0" i="1" dirty="0">
-                <a:effectLst/>
-                <a:latin typeface="__fkGroteskNeue_598ab8"/>
-              </a:rPr>
-              <a:t>The make-adder function returns a lambda expression with x instead of 5. When we call (make-adder 5), it returns (lambda (y) (+ 5 y)), which is then bound to add5. So when we call (add5 3), it behaves exactly like ((lambda (y) (+ 5 y)) 3).</a:t>
-            </a:r>
-          </a:p>
-          <a:p>
-            <a:pPr algn="l">
-              <a:buFont typeface="+mj-lt"/>
-              <a:buNone/>
-            </a:pPr>
-            <a:endParaRPr lang="en-US" b="0" i="1" dirty="0">
-              <a:effectLst/>
-              <a:latin typeface="__fkGroteskNeue_598ab8"/>
-            </a:endParaRPr>
-          </a:p>
-          <a:p>
-            <a:pPr algn="l">
-              <a:buFont typeface="+mj-lt"/>
-              <a:buNone/>
-            </a:pPr>
-            <a:endParaRPr lang="en-US" b="0" i="1" dirty="0">
-              <a:effectLst/>
-              <a:latin typeface="__fkGroteskNeue_598ab8"/>
-            </a:endParaRPr>
-          </a:p>
-          <a:p>
-            <a:pPr algn="l">
-              <a:buFont typeface="+mj-lt"/>
-              <a:buNone/>
-            </a:pPr>
-            <a:endParaRPr lang="en-US" b="0" i="1" dirty="0">
-              <a:effectLst/>
-              <a:latin typeface="__fkGroteskNeue_598ab8"/>
-            </a:endParaRPr>
+              <a:t>Lambda functions in Scheme provide a powerful and flexible way to work with functions as first-class values, enabling concise and expressive functional programming patterns.</a:t>
+            </a:r>
           </a:p>
         </p:txBody>
       </p:sp>
@@ -2859,7 +2646,7 @@
           <a:p>
             <a:fld id="{00408CB8-53A8-44F3-9451-039450E51793}" type="slidenum">
               <a:rPr lang="en-AU" smtClean="0"/>
-              <a:t>14</a:t>
+              <a:t>13</a:t>
             </a:fld>
             <a:endParaRPr lang="en-AU"/>
           </a:p>
@@ -2868,7 +2655,7 @@
     </p:spTree>
     <p:extLst>
       <p:ext uri="{BB962C8B-B14F-4D97-AF65-F5344CB8AC3E}">
-        <p14:creationId xmlns:p14="http://schemas.microsoft.com/office/powerpoint/2010/main" val="2863266337"/>
+        <p14:creationId xmlns:p14="http://schemas.microsoft.com/office/powerpoint/2010/main" val="2358184953"/>
       </p:ext>
     </p:extLst>
   </p:cSld>
@@ -2931,7 +2718,7 @@
                 <a:effectLst/>
                 <a:latin typeface="__fkGroteskNeue_598ab8"/>
               </a:rPr>
-              <a:t>Paradigm:</a:t>
+              <a:t>A closure is an important concept in functional programming languages. Here are the key points about closures:</a:t>
             </a:r>
           </a:p>
           <a:p>
@@ -2944,7 +2731,7 @@
                 <a:effectLst/>
                 <a:latin typeface="__fkGroteskNeue_598ab8"/>
               </a:rPr>
-              <a:t>Scheme is a functional programming language, emphasizing immutability and recursion.</a:t>
+              <a:t>Definition: A closure is a function together with its referencing environment.</a:t>
             </a:r>
           </a:p>
           <a:p>
@@ -2957,7 +2744,7 @@
                 <a:effectLst/>
                 <a:latin typeface="__fkGroteskNeue_598ab8"/>
               </a:rPr>
-              <a:t>Elixir is also functional, but incorporates some imperative features and is built for concurrency.</a:t>
+              <a:t>Referencing environment: This includes all the variables that were in scope when the closure was created.</a:t>
             </a:r>
           </a:p>
           <a:p>
@@ -2970,7 +2757,7 @@
                 <a:effectLst/>
                 <a:latin typeface="__fkGroteskNeue_598ab8"/>
               </a:rPr>
-              <a:t>Syntax:</a:t>
+              <a:t>Function as a first-class object: Closures treat functions as first-class objects, allowing them to be assigned to variables, passed as arguments, and returned from other functions.</a:t>
             </a:r>
           </a:p>
           <a:p>
@@ -2983,7 +2770,7 @@
                 <a:effectLst/>
                 <a:latin typeface="__fkGroteskNeue_598ab8"/>
               </a:rPr>
-              <a:t>Scheme uses a minimalist syntax with heavy use of parentheses (Lisp-like).</a:t>
+              <a:t>Lexical scoping: Closures rely on lexical scoping, where the scope of a variable is determined by its position in the source code.</a:t>
             </a:r>
           </a:p>
           <a:p>
@@ -2996,8 +2783,18 @@
                 <a:effectLst/>
                 <a:latin typeface="__fkGroteskNeue_598ab8"/>
               </a:rPr>
-              <a:t>Elixir has a more Ruby-like syntax, which is generally considered more readable.</a:t>
-            </a:r>
+              <a:t>State preservation: Closures can "capture" and preserve the state of variables from their enclosing scope, even after that scope has finished executing.</a:t>
+            </a:r>
+          </a:p>
+          <a:p>
+            <a:pPr algn="l">
+              <a:buFont typeface="+mj-lt"/>
+              <a:buNone/>
+            </a:pPr>
+            <a:endParaRPr lang="en-US" b="0" i="1" dirty="0">
+              <a:effectLst/>
+              <a:latin typeface="__fkGroteskNeue_598ab8"/>
+            </a:endParaRPr>
           </a:p>
           <a:p>
             <a:pPr algn="l">
@@ -3009,7 +2806,7 @@
                 <a:effectLst/>
                 <a:latin typeface="__fkGroteskNeue_598ab8"/>
               </a:rPr>
-              <a:t>Type System:</a:t>
+              <a:t>The make-adder function returns a lambda expression with x instead of 5. When we call (make-adder 5), it returns (lambda (y) (+ 5 y)), which is then bound to add5. So when we call (add5 3), it behaves exactly like ((lambda (y) (+ 5 y)) 3).</a:t>
             </a:r>
           </a:p>
           <a:p>
@@ -3017,234 +2814,35 @@
               <a:buFont typeface="+mj-lt"/>
               <a:buNone/>
             </a:pPr>
-            <a:r>
-              <a:rPr lang="en-US" b="0" i="1" dirty="0">
-                <a:effectLst/>
-                <a:latin typeface="__fkGroteskNeue_598ab8"/>
-              </a:rPr>
-              <a:t>Scheme is dynamically typed.</a:t>
-            </a:r>
+            <a:endParaRPr lang="en-US" b="0" i="1" dirty="0">
+              <a:effectLst/>
+              <a:latin typeface="__fkGroteskNeue_598ab8"/>
+            </a:endParaRPr>
           </a:p>
           <a:p>
             <a:pPr algn="l">
               <a:buFont typeface="+mj-lt"/>
               <a:buNone/>
             </a:pPr>
-            <a:r>
-              <a:rPr lang="en-US" b="0" i="1" dirty="0">
-                <a:effectLst/>
-                <a:latin typeface="__fkGroteskNeue_598ab8"/>
-              </a:rPr>
-              <a:t>Elixir is also dynamically typed, but offers more robust pattern matching.</a:t>
-            </a:r>
+            <a:endParaRPr lang="en-US" b="0" i="1" dirty="0">
+              <a:effectLst/>
+              <a:latin typeface="__fkGroteskNeue_598ab8"/>
+            </a:endParaRPr>
           </a:p>
           <a:p>
             <a:pPr algn="l">
               <a:buFont typeface="+mj-lt"/>
               <a:buNone/>
             </a:pPr>
-            <a:r>
-              <a:rPr lang="en-US" b="0" i="1" dirty="0">
-                <a:effectLst/>
-                <a:latin typeface="__fkGroteskNeue_598ab8"/>
-              </a:rPr>
-              <a:t>Concurrency:</a:t>
-            </a:r>
-          </a:p>
-          <a:p>
-            <a:pPr algn="l">
-              <a:buFont typeface="+mj-lt"/>
-              <a:buNone/>
-            </a:pPr>
-            <a:r>
-              <a:rPr lang="en-US" b="0" i="1" dirty="0">
-                <a:effectLst/>
-                <a:latin typeface="__fkGroteskNeue_598ab8"/>
-              </a:rPr>
-              <a:t>Scheme doesn't have built-in concurrency features.</a:t>
-            </a:r>
-          </a:p>
-          <a:p>
-            <a:pPr algn="l">
-              <a:buFont typeface="+mj-lt"/>
-              <a:buNone/>
-            </a:pPr>
-            <a:r>
-              <a:rPr lang="en-US" b="0" i="1" dirty="0">
-                <a:effectLst/>
-                <a:latin typeface="__fkGroteskNeue_598ab8"/>
-              </a:rPr>
-              <a:t>Elixir is designed for concurrency, using the actor model via Erlang's BEAM VM.</a:t>
-            </a:r>
-          </a:p>
-          <a:p>
-            <a:pPr algn="l">
-              <a:buFont typeface="+mj-lt"/>
-              <a:buNone/>
-            </a:pPr>
-            <a:r>
-              <a:rPr lang="en-US" b="0" i="1" dirty="0">
-                <a:effectLst/>
-                <a:latin typeface="__fkGroteskNeue_598ab8"/>
-              </a:rPr>
-              <a:t>Immutability:</a:t>
-            </a:r>
-          </a:p>
-          <a:p>
-            <a:pPr algn="l">
-              <a:buFont typeface="+mj-lt"/>
-              <a:buNone/>
-            </a:pPr>
-            <a:r>
-              <a:rPr lang="en-US" b="0" i="1" dirty="0">
-                <a:effectLst/>
-                <a:latin typeface="__fkGroteskNeue_598ab8"/>
-              </a:rPr>
-              <a:t>In Scheme, data structures are typically immutable.</a:t>
-            </a:r>
-          </a:p>
-          <a:p>
-            <a:pPr algn="l">
-              <a:buFont typeface="+mj-lt"/>
-              <a:buNone/>
-            </a:pPr>
-            <a:r>
-              <a:rPr lang="en-US" b="0" i="1" dirty="0">
-                <a:effectLst/>
-                <a:latin typeface="__fkGroteskNeue_598ab8"/>
-              </a:rPr>
-              <a:t>Elixir enforces immutability for all data.</a:t>
-            </a:r>
-          </a:p>
-          <a:p>
-            <a:pPr algn="l">
-              <a:buFont typeface="+mj-lt"/>
-              <a:buNone/>
-            </a:pPr>
-            <a:r>
-              <a:rPr lang="en-US" b="0" i="1" dirty="0">
-                <a:effectLst/>
-                <a:latin typeface="__fkGroteskNeue_598ab8"/>
-              </a:rPr>
-              <a:t>Metaprogramming:</a:t>
-            </a:r>
-          </a:p>
-          <a:p>
-            <a:pPr algn="l">
-              <a:buFont typeface="+mj-lt"/>
-              <a:buNone/>
-            </a:pPr>
-            <a:r>
-              <a:rPr lang="en-US" b="0" i="1" dirty="0">
-                <a:effectLst/>
-                <a:latin typeface="__fkGroteskNeue_598ab8"/>
-              </a:rPr>
-              <a:t>Scheme offers powerful macros for metaprogramming.</a:t>
-            </a:r>
-          </a:p>
-          <a:p>
-            <a:pPr algn="l">
-              <a:buFont typeface="+mj-lt"/>
-              <a:buNone/>
-            </a:pPr>
-            <a:r>
-              <a:rPr lang="en-US" b="0" i="1" dirty="0">
-                <a:effectLst/>
-                <a:latin typeface="__fkGroteskNeue_598ab8"/>
-              </a:rPr>
-              <a:t>Elixir provides metaprogramming capabilities through macros, but they're generally considered easier to use than Scheme's.</a:t>
-            </a:r>
-          </a:p>
-          <a:p>
-            <a:pPr algn="l">
-              <a:buFont typeface="+mj-lt"/>
-              <a:buNone/>
-            </a:pPr>
-            <a:r>
-              <a:rPr lang="en-US" b="0" i="1" dirty="0">
-                <a:effectLst/>
-                <a:latin typeface="__fkGroteskNeue_598ab8"/>
-              </a:rPr>
-              <a:t>Ecosystem:</a:t>
-            </a:r>
-          </a:p>
-          <a:p>
-            <a:pPr algn="l">
-              <a:buFont typeface="+mj-lt"/>
-              <a:buNone/>
-            </a:pPr>
-            <a:r>
-              <a:rPr lang="en-US" b="0" i="1" dirty="0">
-                <a:effectLst/>
-                <a:latin typeface="__fkGroteskNeue_598ab8"/>
-              </a:rPr>
-              <a:t>Scheme has a long history and academic focus, with various implementations.</a:t>
-            </a:r>
-          </a:p>
-          <a:p>
-            <a:pPr algn="l">
-              <a:buFont typeface="+mj-lt"/>
-              <a:buNone/>
-            </a:pPr>
-            <a:r>
-              <a:rPr lang="en-US" b="0" i="1" dirty="0">
-                <a:effectLst/>
-                <a:latin typeface="__fkGroteskNeue_598ab8"/>
-              </a:rPr>
-              <a:t>Elixir has a growing ecosystem, particularly strong in web development and distributed systems.</a:t>
-            </a:r>
-          </a:p>
-          <a:p>
-            <a:pPr algn="l">
-              <a:buFont typeface="+mj-lt"/>
-              <a:buNone/>
-            </a:pPr>
-            <a:r>
-              <a:rPr lang="en-US" b="0" i="1" dirty="0">
-                <a:effectLst/>
-                <a:latin typeface="__fkGroteskNeue_598ab8"/>
-              </a:rPr>
-              <a:t>Use Cases:</a:t>
-            </a:r>
-          </a:p>
-          <a:p>
-            <a:pPr algn="l">
-              <a:buFont typeface="+mj-lt"/>
-              <a:buNone/>
-            </a:pPr>
-            <a:r>
-              <a:rPr lang="en-US" b="0" i="1" dirty="0">
-                <a:effectLst/>
-                <a:latin typeface="__fkGroteskNeue_598ab8"/>
-              </a:rPr>
-              <a:t>Scheme is often used in education and language research.</a:t>
-            </a:r>
-          </a:p>
-          <a:p>
-            <a:pPr algn="l">
-              <a:buFont typeface="+mj-lt"/>
-              <a:buNone/>
-            </a:pPr>
-            <a:r>
-              <a:rPr lang="en-US" b="0" i="1" dirty="0">
-                <a:effectLst/>
-                <a:latin typeface="__fkGroteskNeue_598ab8"/>
-              </a:rPr>
-              <a:t>Elixir is commonly used for building scalable and fault-tolerant applications, especially web services.</a:t>
-            </a:r>
-          </a:p>
-          <a:p>
-            <a:pPr algn="l">
-              <a:buFont typeface="+mj-lt"/>
-              <a:buNone/>
-            </a:pPr>
-            <a:r>
-              <a:rPr lang="en-US" b="0" i="1" dirty="0">
-                <a:effectLst/>
-                <a:latin typeface="__fkGroteskNeue_598ab8"/>
-              </a:rPr>
-              <a:t>Both languages emphasize functional programming concepts, but Elixir is more oriented towards practical, industry applications, especially those requiring concurrency and fault tolerance. Scheme, on the other hand, is valued for its simplicity and is often used in academic settings to teach programming concepts.</a:t>
-            </a:r>
+            <a:endParaRPr lang="en-US" sz="1200" b="0" i="1" kern="1200" dirty="0">
+              <a:solidFill>
+                <a:schemeClr val="tx1"/>
+              </a:solidFill>
+              <a:effectLst/>
+              <a:latin typeface="__fkGroteskNeue_598ab8"/>
+              <a:ea typeface="+mn-ea"/>
+              <a:cs typeface="+mn-cs"/>
+            </a:endParaRPr>
           </a:p>
         </p:txBody>
       </p:sp>
@@ -3265,7 +2863,7 @@
           <a:p>
             <a:fld id="{00408CB8-53A8-44F3-9451-039450E51793}" type="slidenum">
               <a:rPr lang="en-AU" smtClean="0"/>
-              <a:t>15</a:t>
+              <a:t>14</a:t>
             </a:fld>
             <a:endParaRPr lang="en-AU"/>
           </a:p>
@@ -3274,7 +2872,7 @@
     </p:spTree>
     <p:extLst>
       <p:ext uri="{BB962C8B-B14F-4D97-AF65-F5344CB8AC3E}">
-        <p14:creationId xmlns:p14="http://schemas.microsoft.com/office/powerpoint/2010/main" val="4157260087"/>
+        <p14:creationId xmlns:p14="http://schemas.microsoft.com/office/powerpoint/2010/main" val="2863266337"/>
       </p:ext>
     </p:extLst>
   </p:cSld>
@@ -3337,7 +2935,7 @@
                 <a:effectLst/>
                 <a:latin typeface="__fkGroteskNeue_598ab8"/>
               </a:rPr>
-              <a:t>orthogonality in programming languages refers to the property where "a relatively small set of primitive constructs can be combined in a relatively small number of ways to build the control and data structures of the language."</a:t>
+              <a:t>Paradigm:</a:t>
             </a:r>
           </a:p>
           <a:p>
@@ -3350,7 +2948,7 @@
                 <a:effectLst/>
                 <a:latin typeface="__fkGroteskNeue_598ab8"/>
               </a:rPr>
-              <a:t>This definition implies several key aspects of orthogonality:</a:t>
+              <a:t>Scheme is a functional programming language, emphasizing immutability and recursion.</a:t>
             </a:r>
           </a:p>
           <a:p>
@@ -3363,7 +2961,7 @@
                 <a:effectLst/>
                 <a:latin typeface="__fkGroteskNeue_598ab8"/>
               </a:rPr>
-              <a:t>Small set of primitives: The language has a limited number of basic building blocks or fundamental constructs.</a:t>
+              <a:t>Elixir is also functional, but incorporates some imperative features and is built for concurrency.</a:t>
             </a:r>
           </a:p>
           <a:p>
@@ -3376,7 +2974,7 @@
                 <a:effectLst/>
                 <a:latin typeface="__fkGroteskNeue_598ab8"/>
               </a:rPr>
-              <a:t>Combinatorial power: These basic constructs can be combined in various ways.</a:t>
+              <a:t>Syntax:</a:t>
             </a:r>
           </a:p>
           <a:p>
@@ -3389,7 +2987,7 @@
                 <a:effectLst/>
                 <a:latin typeface="__fkGroteskNeue_598ab8"/>
               </a:rPr>
-              <a:t>Expressiveness: Despite the limited number of primitives and combinations, the language can express a wide range of control and data structures.</a:t>
+              <a:t>Scheme uses a minimalist syntax with heavy use of parentheses (Lisp-like).</a:t>
             </a:r>
           </a:p>
           <a:p>
@@ -3402,28 +3000,8 @@
                 <a:effectLst/>
                 <a:latin typeface="__fkGroteskNeue_598ab8"/>
               </a:rPr>
-              <a:t>Consistency: The primitives work uniformly across different contexts in the language.</a:t>
-            </a:r>
-          </a:p>
-          <a:p>
-            <a:pPr algn="l">
-              <a:buFont typeface="+mj-lt"/>
-              <a:buNone/>
-            </a:pPr>
-            <a:endParaRPr lang="en-US" b="0" i="1" dirty="0">
-              <a:effectLst/>
-              <a:latin typeface="__fkGroteskNeue_598ab8"/>
-            </a:endParaRPr>
-          </a:p>
-          <a:p>
-            <a:pPr algn="l">
-              <a:buFont typeface="+mj-lt"/>
-              <a:buNone/>
-            </a:pPr>
-            <a:endParaRPr lang="en-US" b="0" i="1" dirty="0">
-              <a:effectLst/>
-              <a:latin typeface="__fkGroteskNeue_598ab8"/>
-            </a:endParaRPr>
+              <a:t>Elixir has a more Ruby-like syntax, which is generally considered more readable.</a:t>
+            </a:r>
           </a:p>
           <a:p>
             <a:pPr algn="l">
@@ -3435,7 +3013,7 @@
                 <a:effectLst/>
                 <a:latin typeface="__fkGroteskNeue_598ab8"/>
               </a:rPr>
-              <a:t>This example showcases Scheme's orthogonality in several ways:</a:t>
+              <a:t>Type System:</a:t>
             </a:r>
           </a:p>
           <a:p>
@@ -3448,7 +3026,7 @@
                 <a:effectLst/>
                 <a:latin typeface="__fkGroteskNeue_598ab8"/>
               </a:rPr>
-              <a:t>Functions as first-class objects: The square function is passed as an argument to apply-twice, demonstrating that functions can be treated like any other data type.</a:t>
+              <a:t>Scheme is dynamically typed.</a:t>
             </a:r>
           </a:p>
           <a:p>
@@ -3461,7 +3039,7 @@
                 <a:effectLst/>
                 <a:latin typeface="__fkGroteskNeue_598ab8"/>
               </a:rPr>
-              <a:t>Uniform syntax: The syntax for function definition (define) and function application is consistent, whether it's a user-defined function or a built-in operator like *.</a:t>
+              <a:t>Elixir is also dynamically typed, but offers more robust pattern matching.</a:t>
             </a:r>
           </a:p>
           <a:p>
@@ -3474,7 +3052,7 @@
                 <a:effectLst/>
                 <a:latin typeface="__fkGroteskNeue_598ab8"/>
               </a:rPr>
-              <a:t>Consistency of data types: Numbers, functions, and even complex expressions are all treated uniformly as expressions that can be evaluated.</a:t>
+              <a:t>Concurrency:</a:t>
             </a:r>
           </a:p>
           <a:p>
@@ -3487,7 +3065,7 @@
                 <a:effectLst/>
                 <a:latin typeface="__fkGroteskNeue_598ab8"/>
               </a:rPr>
-              <a:t>Composability: The apply-twice function can be used with any function that takes one argument and returns a value of the same type, not just square.</a:t>
+              <a:t>Scheme doesn't have built-in concurrency features.</a:t>
             </a:r>
           </a:p>
           <a:p>
@@ -3500,7 +3078,7 @@
                 <a:effectLst/>
                 <a:latin typeface="__fkGroteskNeue_598ab8"/>
               </a:rPr>
-              <a:t>This example illustrates how a small set of primitive constructs (function definition, function application, arithmetic operations) can be combined in flexible ways to create more complex behaviors, which is a key aspect of orthogonality in programming languages.</a:t>
+              <a:t>Elixir is designed for concurrency, using the actor model via Erlang's BEAM VM.</a:t>
             </a:r>
           </a:p>
           <a:p>
@@ -3508,40 +3086,169 @@
               <a:buFont typeface="+mj-lt"/>
               <a:buNone/>
             </a:pPr>
-            <a:endParaRPr lang="en-US" b="0" i="1" dirty="0">
-              <a:effectLst/>
-              <a:latin typeface="__fkGroteskNeue_598ab8"/>
-            </a:endParaRPr>
+            <a:r>
+              <a:rPr lang="en-US" b="0" i="1" dirty="0">
+                <a:effectLst/>
+                <a:latin typeface="__fkGroteskNeue_598ab8"/>
+              </a:rPr>
+              <a:t>Immutability:</a:t>
+            </a:r>
           </a:p>
           <a:p>
             <a:pPr algn="l">
               <a:buFont typeface="+mj-lt"/>
               <a:buNone/>
             </a:pPr>
-            <a:endParaRPr lang="en-US" b="0" i="1" dirty="0">
-              <a:effectLst/>
-              <a:latin typeface="__fkGroteskNeue_598ab8"/>
-            </a:endParaRPr>
+            <a:r>
+              <a:rPr lang="en-US" b="0" i="1" dirty="0">
+                <a:effectLst/>
+                <a:latin typeface="__fkGroteskNeue_598ab8"/>
+              </a:rPr>
+              <a:t>In Scheme, data structures are typically immutable.</a:t>
+            </a:r>
           </a:p>
           <a:p>
             <a:pPr algn="l">
               <a:buFont typeface="+mj-lt"/>
               <a:buNone/>
             </a:pPr>
-            <a:endParaRPr lang="en-US" b="0" i="1" dirty="0">
-              <a:effectLst/>
-              <a:latin typeface="__fkGroteskNeue_598ab8"/>
-            </a:endParaRPr>
+            <a:r>
+              <a:rPr lang="en-US" b="0" i="1" dirty="0">
+                <a:effectLst/>
+                <a:latin typeface="__fkGroteskNeue_598ab8"/>
+              </a:rPr>
+              <a:t>Elixir enforces immutability for all data.</a:t>
+            </a:r>
           </a:p>
           <a:p>
             <a:pPr algn="l">
               <a:buFont typeface="+mj-lt"/>
               <a:buNone/>
             </a:pPr>
-            <a:endParaRPr lang="en-US" b="0" i="1" dirty="0">
-              <a:effectLst/>
-              <a:latin typeface="__fkGroteskNeue_598ab8"/>
-            </a:endParaRPr>
+            <a:r>
+              <a:rPr lang="en-US" b="0" i="1" dirty="0">
+                <a:effectLst/>
+                <a:latin typeface="__fkGroteskNeue_598ab8"/>
+              </a:rPr>
+              <a:t>Metaprogramming:</a:t>
+            </a:r>
+          </a:p>
+          <a:p>
+            <a:pPr algn="l">
+              <a:buFont typeface="+mj-lt"/>
+              <a:buNone/>
+            </a:pPr>
+            <a:r>
+              <a:rPr lang="en-US" b="0" i="1" dirty="0">
+                <a:effectLst/>
+                <a:latin typeface="__fkGroteskNeue_598ab8"/>
+              </a:rPr>
+              <a:t>Scheme offers powerful macros for metaprogramming.</a:t>
+            </a:r>
+          </a:p>
+          <a:p>
+            <a:pPr algn="l">
+              <a:buFont typeface="+mj-lt"/>
+              <a:buNone/>
+            </a:pPr>
+            <a:r>
+              <a:rPr lang="en-US" b="0" i="1" dirty="0">
+                <a:effectLst/>
+                <a:latin typeface="__fkGroteskNeue_598ab8"/>
+              </a:rPr>
+              <a:t>Elixir provides metaprogramming capabilities through macros, but they're generally considered easier to use than Scheme's.</a:t>
+            </a:r>
+          </a:p>
+          <a:p>
+            <a:pPr algn="l">
+              <a:buFont typeface="+mj-lt"/>
+              <a:buNone/>
+            </a:pPr>
+            <a:r>
+              <a:rPr lang="en-US" b="0" i="1" dirty="0">
+                <a:effectLst/>
+                <a:latin typeface="__fkGroteskNeue_598ab8"/>
+              </a:rPr>
+              <a:t>Ecosystem:</a:t>
+            </a:r>
+          </a:p>
+          <a:p>
+            <a:pPr algn="l">
+              <a:buFont typeface="+mj-lt"/>
+              <a:buNone/>
+            </a:pPr>
+            <a:r>
+              <a:rPr lang="en-US" b="0" i="1" dirty="0">
+                <a:effectLst/>
+                <a:latin typeface="__fkGroteskNeue_598ab8"/>
+              </a:rPr>
+              <a:t>Scheme has a long history and academic focus, with various implementations.</a:t>
+            </a:r>
+          </a:p>
+          <a:p>
+            <a:pPr algn="l">
+              <a:buFont typeface="+mj-lt"/>
+              <a:buNone/>
+            </a:pPr>
+            <a:r>
+              <a:rPr lang="en-US" b="0" i="1" dirty="0">
+                <a:effectLst/>
+                <a:latin typeface="__fkGroteskNeue_598ab8"/>
+              </a:rPr>
+              <a:t>Elixir has a growing ecosystem, particularly strong in web development and distributed systems.</a:t>
+            </a:r>
+          </a:p>
+          <a:p>
+            <a:pPr algn="l">
+              <a:buFont typeface="+mj-lt"/>
+              <a:buNone/>
+            </a:pPr>
+            <a:r>
+              <a:rPr lang="en-US" b="0" i="1" dirty="0">
+                <a:effectLst/>
+                <a:latin typeface="__fkGroteskNeue_598ab8"/>
+              </a:rPr>
+              <a:t>Use Cases:</a:t>
+            </a:r>
+          </a:p>
+          <a:p>
+            <a:pPr algn="l">
+              <a:buFont typeface="+mj-lt"/>
+              <a:buNone/>
+            </a:pPr>
+            <a:r>
+              <a:rPr lang="en-US" b="0" i="1" dirty="0">
+                <a:effectLst/>
+                <a:latin typeface="__fkGroteskNeue_598ab8"/>
+              </a:rPr>
+              <a:t>Scheme is often used in education and language research.</a:t>
+            </a:r>
+          </a:p>
+          <a:p>
+            <a:pPr algn="l">
+              <a:buFont typeface="+mj-lt"/>
+              <a:buNone/>
+            </a:pPr>
+            <a:r>
+              <a:rPr lang="en-US" b="0" i="1" dirty="0">
+                <a:effectLst/>
+                <a:latin typeface="__fkGroteskNeue_598ab8"/>
+              </a:rPr>
+              <a:t>Elixir is commonly used for building scalable and fault-tolerant applications, especially web services.</a:t>
+            </a:r>
+          </a:p>
+          <a:p>
+            <a:pPr algn="l">
+              <a:buFont typeface="+mj-lt"/>
+              <a:buNone/>
+            </a:pPr>
+            <a:r>
+              <a:rPr lang="en-US" b="0" i="1" dirty="0">
+                <a:effectLst/>
+                <a:latin typeface="__fkGroteskNeue_598ab8"/>
+              </a:rPr>
+              <a:t>Both languages emphasize functional programming concepts, but Elixir is more oriented towards practical, industry applications, especially those requiring concurrency and fault tolerance. Scheme, on the other hand, is valued for its simplicity and is often used in academic settings to teach programming concepts.</a:t>
+            </a:r>
           </a:p>
         </p:txBody>
       </p:sp>
@@ -3562,7 +3269,7 @@
           <a:p>
             <a:fld id="{00408CB8-53A8-44F3-9451-039450E51793}" type="slidenum">
               <a:rPr lang="en-AU" smtClean="0"/>
-              <a:t>16</a:t>
+              <a:t>15</a:t>
             </a:fld>
             <a:endParaRPr lang="en-AU"/>
           </a:p>
@@ -3571,7 +3278,7 @@
     </p:spTree>
     <p:extLst>
       <p:ext uri="{BB962C8B-B14F-4D97-AF65-F5344CB8AC3E}">
-        <p14:creationId xmlns:p14="http://schemas.microsoft.com/office/powerpoint/2010/main" val="2518753974"/>
+        <p14:creationId xmlns:p14="http://schemas.microsoft.com/office/powerpoint/2010/main" val="4157260087"/>
       </p:ext>
     </p:extLst>
   </p:cSld>
@@ -3634,7 +3341,7 @@
                 <a:effectLst/>
                 <a:latin typeface="__fkGroteskNeue_598ab8"/>
               </a:rPr>
-              <a:t>Linked Structure:</a:t>
+              <a:t>orthogonality in programming languages refers to the property where "a relatively small set of primitive constructs can be combined in a relatively small number of ways to build the control and data structures of the language."</a:t>
             </a:r>
           </a:p>
           <a:p>
@@ -3647,7 +3354,7 @@
                 <a:effectLst/>
                 <a:latin typeface="__fkGroteskNeue_598ab8"/>
               </a:rPr>
-              <a:t>In both languages, lists are implemented as linked structures, specifically as singly-linked lists.</a:t>
+              <a:t>This definition implies several key aspects of orthogonality:</a:t>
             </a:r>
           </a:p>
           <a:p>
@@ -3660,7 +3367,7 @@
                 <a:effectLst/>
                 <a:latin typeface="__fkGroteskNeue_598ab8"/>
               </a:rPr>
-              <a:t>Cons Cells:</a:t>
+              <a:t>Small set of primitives: The language has a limited number of basic building blocks or fundamental constructs.</a:t>
             </a:r>
           </a:p>
           <a:p>
@@ -3673,7 +3380,7 @@
                 <a:effectLst/>
                 <a:latin typeface="__fkGroteskNeue_598ab8"/>
               </a:rPr>
-              <a:t>Lists are built from "cons cells" (short for "construct"). Each cons cell contains two parts: the first element (or "head") and a pointer to the rest of the list (or "tail").</a:t>
+              <a:t>Combinatorial power: These basic constructs can be combined in various ways.</a:t>
             </a:r>
           </a:p>
           <a:p>
@@ -3686,7 +3393,7 @@
                 <a:effectLst/>
                 <a:latin typeface="__fkGroteskNeue_598ab8"/>
               </a:rPr>
-              <a:t>Empty List:</a:t>
+              <a:t>Expressiveness: Despite the limited number of primitives and combinations, the language can express a wide range of control and data structures.</a:t>
             </a:r>
           </a:p>
           <a:p>
@@ -3699,33 +3406,7 @@
                 <a:effectLst/>
                 <a:latin typeface="__fkGroteskNeue_598ab8"/>
               </a:rPr>
-              <a:t>Both languages have a concept of an empty list, which serves as the terminator for all lists.</a:t>
-            </a:r>
-          </a:p>
-          <a:p>
-            <a:pPr algn="l">
-              <a:buFont typeface="+mj-lt"/>
-              <a:buNone/>
-            </a:pPr>
-            <a:r>
-              <a:rPr lang="en-US" b="0" i="1" dirty="0">
-                <a:effectLst/>
-                <a:latin typeface="__fkGroteskNeue_598ab8"/>
-              </a:rPr>
-              <a:t>Immutability:</a:t>
-            </a:r>
-          </a:p>
-          <a:p>
-            <a:pPr algn="l">
-              <a:buFont typeface="+mj-lt"/>
-              <a:buNone/>
-            </a:pPr>
-            <a:r>
-              <a:rPr lang="en-US" b="0" i="1" dirty="0">
-                <a:effectLst/>
-                <a:latin typeface="__fkGroteskNeue_598ab8"/>
-              </a:rPr>
-              <a:t>Lists in both languages are immutable. Operations that seem to modify a list actually create a new list.</a:t>
+              <a:t>Consistency: The primitives work uniformly across different contexts in the language.</a:t>
             </a:r>
           </a:p>
           <a:p>
@@ -3758,7 +3439,7 @@
                 <a:effectLst/>
                 <a:latin typeface="__fkGroteskNeue_598ab8"/>
               </a:rPr>
-              <a:t>Key similarities:</a:t>
+              <a:t>This example showcases Scheme's orthogonality in several ways:</a:t>
             </a:r>
           </a:p>
           <a:p>
@@ -3771,20 +3452,33 @@
                 <a:effectLst/>
                 <a:latin typeface="__fkGroteskNeue_598ab8"/>
               </a:rPr>
-              <a:t>Both use a head/tail structure.</a:t>
-            </a:r>
-          </a:p>
-          <a:p>
-            <a:pPr algn="l">
+              <a:t>Functions as first-class objects: The square function is passed as an argument to apply-twice, demonstrating that functions can be treated like any other data type.</a:t>
+            </a:r>
+          </a:p>
+          <a:p>
+            <a:pPr marL="0" marR="0" lvl="0" indent="0" algn="l" defTabSz="914400" rtl="0" eaLnBrk="1" fontAlgn="auto" latinLnBrk="0" hangingPunct="1">
+              <a:lnSpc>
+                <a:spcPct val="100000"/>
+              </a:lnSpc>
+              <a:spcBef>
+                <a:spcPts val="0"/>
+              </a:spcBef>
+              <a:spcAft>
+                <a:spcPts val="0"/>
+              </a:spcAft>
+              <a:buClrTx/>
+              <a:buSzTx/>
               <a:buFont typeface="+mj-lt"/>
               <a:buNone/>
+              <a:tabLst/>
+              <a:defRPr/>
             </a:pPr>
             <a:r>
               <a:rPr lang="en-US" b="0" i="1" dirty="0">
                 <a:effectLst/>
                 <a:latin typeface="__fkGroteskNeue_598ab8"/>
               </a:rPr>
-              <a:t>Both allow easy prepending of elements.</a:t>
+              <a:t>Uniform syntax: The syntax for function Consistency of data types: Numbers, functions, and even complex expressions are all treated uniformly as expressions that can be evaluated.</a:t>
             </a:r>
           </a:p>
           <a:p>
@@ -3797,7 +3491,7 @@
                 <a:effectLst/>
                 <a:latin typeface="__fkGroteskNeue_598ab8"/>
               </a:rPr>
-              <a:t>Both treat lists as immutable.</a:t>
+              <a:t>definition (define) and function application is consistent, whether it's a user-defined function or a built-in operator like *.</a:t>
             </a:r>
           </a:p>
           <a:p>
@@ -3810,7 +3504,7 @@
                 <a:effectLst/>
                 <a:latin typeface="__fkGroteskNeue_598ab8"/>
               </a:rPr>
-              <a:t>Key differences:</a:t>
+              <a:t>Composability: The apply-twice function can be used with any function that takes one argument and returns a value of the same type, not just square.</a:t>
             </a:r>
           </a:p>
           <a:p>
@@ -3823,7 +3517,7 @@
                 <a:effectLst/>
                 <a:latin typeface="__fkGroteskNeue_598ab8"/>
               </a:rPr>
-              <a:t>Syntax: Scheme uses parentheses, while Elixir uses square brackets.</a:t>
+              <a:t>This example illustrates how a small set of primitive constructs (function definition, function application, arithmetic operations) can be combined in flexible ways to create more complex behaviors, which is a key aspect of orthogonality in programming languages.</a:t>
             </a:r>
           </a:p>
           <a:p>
@@ -3831,81 +3525,40 @@
               <a:buFont typeface="+mj-lt"/>
               <a:buNone/>
             </a:pPr>
-            <a:r>
-              <a:rPr lang="en-US" b="0" i="1" dirty="0">
-                <a:effectLst/>
-                <a:latin typeface="__fkGroteskNeue_598ab8"/>
-              </a:rPr>
-              <a:t>Function names: Scheme uses car and </a:t>
-            </a:r>
-            <a:r>
-              <a:rPr lang="en-US" b="0" i="1" dirty="0" err="1">
-                <a:effectLst/>
-                <a:latin typeface="__fkGroteskNeue_598ab8"/>
-              </a:rPr>
-              <a:t>cdr</a:t>
-            </a:r>
-            <a:r>
-              <a:rPr lang="en-US" b="0" i="1" dirty="0">
-                <a:effectLst/>
-                <a:latin typeface="__fkGroteskNeue_598ab8"/>
-              </a:rPr>
-              <a:t>, while Elixir uses </a:t>
-            </a:r>
-            <a:r>
-              <a:rPr lang="en-US" b="0" i="1" dirty="0" err="1">
-                <a:effectLst/>
-                <a:latin typeface="__fkGroteskNeue_598ab8"/>
-              </a:rPr>
-              <a:t>hd</a:t>
-            </a:r>
-            <a:r>
-              <a:rPr lang="en-US" b="0" i="1" dirty="0">
-                <a:effectLst/>
-                <a:latin typeface="__fkGroteskNeue_598ab8"/>
-              </a:rPr>
-              <a:t> and </a:t>
-            </a:r>
-            <a:r>
-              <a:rPr lang="en-US" b="0" i="1" dirty="0" err="1">
-                <a:effectLst/>
-                <a:latin typeface="__fkGroteskNeue_598ab8"/>
-              </a:rPr>
-              <a:t>tl</a:t>
-            </a:r>
-            <a:r>
-              <a:rPr lang="en-US" b="0" i="1" dirty="0">
-                <a:effectLst/>
-                <a:latin typeface="__fkGroteskNeue_598ab8"/>
-              </a:rPr>
-              <a:t>.</a:t>
-            </a:r>
+            <a:endParaRPr lang="en-US" b="0" i="1" dirty="0">
+              <a:effectLst/>
+              <a:latin typeface="__fkGroteskNeue_598ab8"/>
+            </a:endParaRPr>
           </a:p>
           <a:p>
             <a:pPr algn="l">
               <a:buFont typeface="+mj-lt"/>
               <a:buNone/>
             </a:pPr>
-            <a:r>
-              <a:rPr lang="en-US" b="0" i="1" dirty="0">
-                <a:effectLst/>
-                <a:latin typeface="__fkGroteskNeue_598ab8"/>
-              </a:rPr>
-              <a:t>Cons operation: Scheme uses cons, while Elixir uses the | operator.</a:t>
-            </a:r>
+            <a:endParaRPr lang="en-US" b="0" i="1" dirty="0">
+              <a:effectLst/>
+              <a:latin typeface="__fkGroteskNeue_598ab8"/>
+            </a:endParaRPr>
           </a:p>
           <a:p>
             <a:pPr algn="l">
               <a:buFont typeface="+mj-lt"/>
               <a:buNone/>
             </a:pPr>
-            <a:r>
-              <a:rPr lang="en-US" b="0" i="1" dirty="0">
-                <a:effectLst/>
-                <a:latin typeface="__fkGroteskNeue_598ab8"/>
-              </a:rPr>
-              <a:t>In both languages, these list structures are optimized for operations that work from the front of the list, such as prepending elements or processing lists recursively. This design aligns well with functional programming patterns and recursion-based algorithms.</a:t>
-            </a:r>
+            <a:endParaRPr lang="en-US" b="0" i="1" dirty="0">
+              <a:effectLst/>
+              <a:latin typeface="__fkGroteskNeue_598ab8"/>
+            </a:endParaRPr>
+          </a:p>
+          <a:p>
+            <a:pPr algn="l">
+              <a:buFont typeface="+mj-lt"/>
+              <a:buNone/>
+            </a:pPr>
+            <a:endParaRPr lang="en-US" b="0" i="1" dirty="0">
+              <a:effectLst/>
+              <a:latin typeface="__fkGroteskNeue_598ab8"/>
+            </a:endParaRPr>
           </a:p>
         </p:txBody>
       </p:sp>
@@ -3926,7 +3579,7 @@
           <a:p>
             <a:fld id="{00408CB8-53A8-44F3-9451-039450E51793}" type="slidenum">
               <a:rPr lang="en-AU" smtClean="0"/>
-              <a:t>17</a:t>
+              <a:t>16</a:t>
             </a:fld>
             <a:endParaRPr lang="en-AU"/>
           </a:p>
@@ -3935,7 +3588,7 @@
     </p:spTree>
     <p:extLst>
       <p:ext uri="{BB962C8B-B14F-4D97-AF65-F5344CB8AC3E}">
-        <p14:creationId xmlns:p14="http://schemas.microsoft.com/office/powerpoint/2010/main" val="1302967455"/>
+        <p14:creationId xmlns:p14="http://schemas.microsoft.com/office/powerpoint/2010/main" val="2518753974"/>
       </p:ext>
     </p:extLst>
   </p:cSld>
@@ -3998,7 +3651,209 @@
                 <a:effectLst/>
                 <a:latin typeface="__fkGroteskNeue_598ab8"/>
               </a:rPr>
-              <a:t>In Scheme, the car and </a:t>
+              <a:t>Linked Structure:</a:t>
+            </a:r>
+          </a:p>
+          <a:p>
+            <a:pPr algn="l">
+              <a:buFont typeface="+mj-lt"/>
+              <a:buNone/>
+            </a:pPr>
+            <a:r>
+              <a:rPr lang="en-US" b="0" i="1" dirty="0">
+                <a:effectLst/>
+                <a:latin typeface="__fkGroteskNeue_598ab8"/>
+              </a:rPr>
+              <a:t>In both languages, lists are implemented as linked structures, specifically as singly-linked lists.</a:t>
+            </a:r>
+          </a:p>
+          <a:p>
+            <a:pPr algn="l">
+              <a:buFont typeface="+mj-lt"/>
+              <a:buNone/>
+            </a:pPr>
+            <a:r>
+              <a:rPr lang="en-US" b="0" i="1" dirty="0">
+                <a:effectLst/>
+                <a:latin typeface="__fkGroteskNeue_598ab8"/>
+              </a:rPr>
+              <a:t>Cons Cells:</a:t>
+            </a:r>
+          </a:p>
+          <a:p>
+            <a:pPr algn="l">
+              <a:buFont typeface="+mj-lt"/>
+              <a:buNone/>
+            </a:pPr>
+            <a:r>
+              <a:rPr lang="en-US" b="0" i="1" dirty="0">
+                <a:effectLst/>
+                <a:latin typeface="__fkGroteskNeue_598ab8"/>
+              </a:rPr>
+              <a:t>Lists are built from "cons cells" (short for "construct"). Each cons cell contains two parts: the first element (or "head") and a pointer to the rest of the list (or "tail").</a:t>
+            </a:r>
+          </a:p>
+          <a:p>
+            <a:pPr algn="l">
+              <a:buFont typeface="+mj-lt"/>
+              <a:buNone/>
+            </a:pPr>
+            <a:r>
+              <a:rPr lang="en-US" b="0" i="1" dirty="0">
+                <a:effectLst/>
+                <a:latin typeface="__fkGroteskNeue_598ab8"/>
+              </a:rPr>
+              <a:t>Empty List:</a:t>
+            </a:r>
+          </a:p>
+          <a:p>
+            <a:pPr algn="l">
+              <a:buFont typeface="+mj-lt"/>
+              <a:buNone/>
+            </a:pPr>
+            <a:r>
+              <a:rPr lang="en-US" b="0" i="1" dirty="0">
+                <a:effectLst/>
+                <a:latin typeface="__fkGroteskNeue_598ab8"/>
+              </a:rPr>
+              <a:t>Both languages have a concept of an empty list, which serves as the terminator for all lists.</a:t>
+            </a:r>
+          </a:p>
+          <a:p>
+            <a:pPr algn="l">
+              <a:buFont typeface="+mj-lt"/>
+              <a:buNone/>
+            </a:pPr>
+            <a:r>
+              <a:rPr lang="en-US" b="0" i="1" dirty="0">
+                <a:effectLst/>
+                <a:latin typeface="__fkGroteskNeue_598ab8"/>
+              </a:rPr>
+              <a:t>Immutability:</a:t>
+            </a:r>
+          </a:p>
+          <a:p>
+            <a:pPr algn="l">
+              <a:buFont typeface="+mj-lt"/>
+              <a:buNone/>
+            </a:pPr>
+            <a:r>
+              <a:rPr lang="en-US" b="0" i="1" dirty="0">
+                <a:effectLst/>
+                <a:latin typeface="__fkGroteskNeue_598ab8"/>
+              </a:rPr>
+              <a:t>Lists in both languages are immutable. Operations that seem to modify a list actually create a new list.</a:t>
+            </a:r>
+          </a:p>
+          <a:p>
+            <a:pPr algn="l">
+              <a:buFont typeface="+mj-lt"/>
+              <a:buNone/>
+            </a:pPr>
+            <a:endParaRPr lang="en-US" b="0" i="1" dirty="0">
+              <a:effectLst/>
+              <a:latin typeface="__fkGroteskNeue_598ab8"/>
+            </a:endParaRPr>
+          </a:p>
+          <a:p>
+            <a:pPr algn="l">
+              <a:buFont typeface="+mj-lt"/>
+              <a:buNone/>
+            </a:pPr>
+            <a:endParaRPr lang="en-US" b="0" i="1" dirty="0">
+              <a:effectLst/>
+              <a:latin typeface="__fkGroteskNeue_598ab8"/>
+            </a:endParaRPr>
+          </a:p>
+          <a:p>
+            <a:pPr algn="l">
+              <a:buFont typeface="+mj-lt"/>
+              <a:buNone/>
+            </a:pPr>
+            <a:r>
+              <a:rPr lang="en-US" b="0" i="1" dirty="0">
+                <a:effectLst/>
+                <a:latin typeface="__fkGroteskNeue_598ab8"/>
+              </a:rPr>
+              <a:t>Key similarities:</a:t>
+            </a:r>
+          </a:p>
+          <a:p>
+            <a:pPr algn="l">
+              <a:buFont typeface="+mj-lt"/>
+              <a:buNone/>
+            </a:pPr>
+            <a:r>
+              <a:rPr lang="en-US" b="0" i="1" dirty="0">
+                <a:effectLst/>
+                <a:latin typeface="__fkGroteskNeue_598ab8"/>
+              </a:rPr>
+              <a:t>Both use a head/tail structure.</a:t>
+            </a:r>
+          </a:p>
+          <a:p>
+            <a:pPr algn="l">
+              <a:buFont typeface="+mj-lt"/>
+              <a:buNone/>
+            </a:pPr>
+            <a:r>
+              <a:rPr lang="en-US" b="0" i="1" dirty="0">
+                <a:effectLst/>
+                <a:latin typeface="__fkGroteskNeue_598ab8"/>
+              </a:rPr>
+              <a:t>Both allow easy prepending of elements.</a:t>
+            </a:r>
+          </a:p>
+          <a:p>
+            <a:pPr algn="l">
+              <a:buFont typeface="+mj-lt"/>
+              <a:buNone/>
+            </a:pPr>
+            <a:r>
+              <a:rPr lang="en-US" b="0" i="1" dirty="0">
+                <a:effectLst/>
+                <a:latin typeface="__fkGroteskNeue_598ab8"/>
+              </a:rPr>
+              <a:t>Both treat lists as immutable.</a:t>
+            </a:r>
+          </a:p>
+          <a:p>
+            <a:pPr algn="l">
+              <a:buFont typeface="+mj-lt"/>
+              <a:buNone/>
+            </a:pPr>
+            <a:r>
+              <a:rPr lang="en-US" b="0" i="1" dirty="0">
+                <a:effectLst/>
+                <a:latin typeface="__fkGroteskNeue_598ab8"/>
+              </a:rPr>
+              <a:t>Key differences:</a:t>
+            </a:r>
+          </a:p>
+          <a:p>
+            <a:pPr algn="l">
+              <a:buFont typeface="+mj-lt"/>
+              <a:buNone/>
+            </a:pPr>
+            <a:r>
+              <a:rPr lang="en-US" b="0" i="1" dirty="0">
+                <a:effectLst/>
+                <a:latin typeface="__fkGroteskNeue_598ab8"/>
+              </a:rPr>
+              <a:t>Syntax: Scheme uses parentheses, while Elixir uses square brackets.</a:t>
+            </a:r>
+          </a:p>
+          <a:p>
+            <a:pPr algn="l">
+              <a:buFont typeface="+mj-lt"/>
+              <a:buNone/>
+            </a:pPr>
+            <a:r>
+              <a:rPr lang="en-US" b="0" i="1" dirty="0">
+                <a:effectLst/>
+                <a:latin typeface="__fkGroteskNeue_598ab8"/>
+              </a:rPr>
+              <a:t>Function names: Scheme uses car and </a:t>
             </a:r>
             <a:r>
               <a:rPr lang="en-US" b="0" i="1" dirty="0" err="1">
@@ -4012,33 +3867,35 @@
                 <a:effectLst/>
                 <a:latin typeface="__fkGroteskNeue_598ab8"/>
               </a:rPr>
-              <a:t> functions are fundamental operations used to access elements of lists. They are derived from the original implementation of lists in Lisp using "cons cells". Here's an explanation of each with examples:</a:t>
-            </a:r>
-          </a:p>
-          <a:p>
-            <a:pPr algn="l">
-              <a:buFont typeface="+mj-lt"/>
-              <a:buNone/>
-            </a:pPr>
+              <a:t>, while Elixir uses </a:t>
+            </a:r>
+            <a:r>
+              <a:rPr lang="en-US" b="0" i="1" dirty="0" err="1">
+                <a:effectLst/>
+                <a:latin typeface="__fkGroteskNeue_598ab8"/>
+              </a:rPr>
+              <a:t>hd</a:t>
+            </a:r>
             <a:r>
               <a:rPr lang="en-US" b="0" i="1" dirty="0">
                 <a:effectLst/>
                 <a:latin typeface="__fkGroteskNeue_598ab8"/>
               </a:rPr>
-              <a:t>car (Contents of Address Register):</a:t>
-            </a:r>
-          </a:p>
-          <a:p>
-            <a:pPr algn="l">
-              <a:buFont typeface="+mj-lt"/>
-              <a:buNone/>
-            </a:pPr>
+              <a:t> and </a:t>
+            </a:r>
+            <a:r>
+              <a:rPr lang="en-US" b="0" i="1" dirty="0" err="1">
+                <a:effectLst/>
+                <a:latin typeface="__fkGroteskNeue_598ab8"/>
+              </a:rPr>
+              <a:t>tl</a:t>
+            </a:r>
             <a:r>
               <a:rPr lang="en-US" b="0" i="1" dirty="0">
                 <a:effectLst/>
                 <a:latin typeface="__fkGroteskNeue_598ab8"/>
               </a:rPr>
-              <a:t>car returns the first element of a list.</a:t>
+              <a:t>.</a:t>
             </a:r>
           </a:p>
           <a:p>
@@ -4051,7 +3908,7 @@
                 <a:effectLst/>
                 <a:latin typeface="__fkGroteskNeue_598ab8"/>
               </a:rPr>
-              <a:t>It's used to access the "head" of the list.</a:t>
+              <a:t>Cons operation: Scheme uses cons, while Elixir uses the | operator.</a:t>
             </a:r>
           </a:p>
           <a:p>
@@ -4059,62 +3916,12 @@
               <a:buFont typeface="+mj-lt"/>
               <a:buNone/>
             </a:pPr>
-            <a:endParaRPr lang="en-US" b="0" i="1" dirty="0">
-              <a:effectLst/>
-              <a:latin typeface="__fkGroteskNeue_598ab8"/>
-            </a:endParaRPr>
-          </a:p>
-          <a:p>
-            <a:pPr algn="l">
-              <a:buFont typeface="+mj-lt"/>
-              <a:buNone/>
-            </a:pPr>
-            <a:r>
-              <a:rPr lang="en-US" b="0" i="1" dirty="0" err="1">
-                <a:effectLst/>
-                <a:latin typeface="__fkGroteskNeue_598ab8"/>
-              </a:rPr>
-              <a:t>cdr</a:t>
-            </a:r>
             <a:r>
               <a:rPr lang="en-US" b="0" i="1" dirty="0">
                 <a:effectLst/>
                 <a:latin typeface="__fkGroteskNeue_598ab8"/>
               </a:rPr>
-              <a:t> (Contents of Decrement Register):</a:t>
-            </a:r>
-          </a:p>
-          <a:p>
-            <a:pPr algn="l">
-              <a:buFont typeface="+mj-lt"/>
-              <a:buNone/>
-            </a:pPr>
-            <a:r>
-              <a:rPr lang="en-US" b="0" i="1" dirty="0" err="1">
-                <a:effectLst/>
-                <a:latin typeface="__fkGroteskNeue_598ab8"/>
-              </a:rPr>
-              <a:t>cdr</a:t>
-            </a:r>
-            <a:r>
-              <a:rPr lang="en-US" b="0" i="1" dirty="0">
-                <a:effectLst/>
-                <a:latin typeface="__fkGroteskNeue_598ab8"/>
-              </a:rPr>
-              <a:t> returns a new list containing all elements except the first one.</a:t>
-            </a:r>
-          </a:p>
-          <a:p>
-            <a:pPr algn="l">
-              <a:buFont typeface="+mj-lt"/>
-              <a:buNone/>
-            </a:pPr>
-            <a:r>
-              <a:rPr lang="en-US" b="0" i="1" dirty="0">
-                <a:effectLst/>
-                <a:latin typeface="__fkGroteskNeue_598ab8"/>
-              </a:rPr>
-              <a:t>It's used to access the "tail" of the list.</a:t>
+              <a:t>In both languages, these list structures are optimized for operations that work from the front of the list, such as prepending elements or processing lists recursively. This design aligns well with functional programming patterns and recursion-based algorithms.</a:t>
             </a:r>
           </a:p>
         </p:txBody>
@@ -4136,7 +3943,7 @@
           <a:p>
             <a:fld id="{00408CB8-53A8-44F3-9451-039450E51793}" type="slidenum">
               <a:rPr lang="en-AU" smtClean="0"/>
-              <a:t>18</a:t>
+              <a:t>17</a:t>
             </a:fld>
             <a:endParaRPr lang="en-AU"/>
           </a:p>
@@ -4145,7 +3952,7 @@
     </p:spTree>
     <p:extLst>
       <p:ext uri="{BB962C8B-B14F-4D97-AF65-F5344CB8AC3E}">
-        <p14:creationId xmlns:p14="http://schemas.microsoft.com/office/powerpoint/2010/main" val="2439594296"/>
+        <p14:creationId xmlns:p14="http://schemas.microsoft.com/office/powerpoint/2010/main" val="1302967455"/>
       </p:ext>
     </p:extLst>
   </p:cSld>
@@ -4203,10 +4010,129 @@
               <a:buFont typeface="+mj-lt"/>
               <a:buNone/>
             </a:pPr>
+            <a:r>
+              <a:rPr lang="en-US" b="0" i="1" dirty="0">
+                <a:effectLst/>
+                <a:latin typeface="__fkGroteskNeue_598ab8"/>
+              </a:rPr>
+              <a:t>In Scheme, the car and </a:t>
+            </a:r>
+            <a:r>
+              <a:rPr lang="en-US" b="0" i="1" dirty="0" err="1">
+                <a:effectLst/>
+                <a:latin typeface="__fkGroteskNeue_598ab8"/>
+              </a:rPr>
+              <a:t>cdr</a:t>
+            </a:r>
+            <a:r>
+              <a:rPr lang="en-US" b="0" i="1" dirty="0">
+                <a:effectLst/>
+                <a:latin typeface="__fkGroteskNeue_598ab8"/>
+              </a:rPr>
+              <a:t> functions are fundamental operations used to access elements of lists. They are derived from the original implementation of lists in Lisp using "cons cells". Here's an explanation of each with examples:</a:t>
+            </a:r>
+          </a:p>
+          <a:p>
+            <a:pPr algn="l">
+              <a:buFont typeface="+mj-lt"/>
+              <a:buNone/>
+            </a:pPr>
+            <a:r>
+              <a:rPr lang="en-US" b="0" i="1" dirty="0">
+                <a:effectLst/>
+                <a:latin typeface="__fkGroteskNeue_598ab8"/>
+              </a:rPr>
+              <a:t>car (Contents of Address Register):</a:t>
+            </a:r>
+          </a:p>
+          <a:p>
+            <a:pPr algn="l">
+              <a:buFont typeface="+mj-lt"/>
+              <a:buNone/>
+            </a:pPr>
+            <a:r>
+              <a:rPr lang="en-US" b="0" i="1" dirty="0">
+                <a:effectLst/>
+                <a:latin typeface="__fkGroteskNeue_598ab8"/>
+              </a:rPr>
+              <a:t>car returns the first element of a list.</a:t>
+            </a:r>
+          </a:p>
+          <a:p>
+            <a:pPr algn="l">
+              <a:buFont typeface="+mj-lt"/>
+              <a:buNone/>
+            </a:pPr>
+            <a:r>
+              <a:rPr lang="en-US" b="0" i="1" dirty="0">
+                <a:effectLst/>
+                <a:latin typeface="__fkGroteskNeue_598ab8"/>
+              </a:rPr>
+              <a:t>It's used to access the "head" of the list.</a:t>
+            </a:r>
+          </a:p>
+          <a:p>
+            <a:pPr algn="l">
+              <a:buFont typeface="+mj-lt"/>
+              <a:buNone/>
+            </a:pPr>
             <a:endParaRPr lang="en-US" b="0" i="1" dirty="0">
               <a:effectLst/>
               <a:latin typeface="__fkGroteskNeue_598ab8"/>
             </a:endParaRPr>
+          </a:p>
+          <a:p>
+            <a:pPr algn="l">
+              <a:buFont typeface="+mj-lt"/>
+              <a:buNone/>
+            </a:pPr>
+            <a:r>
+              <a:rPr lang="en-US" b="0" i="1" dirty="0" err="1">
+                <a:effectLst/>
+                <a:latin typeface="__fkGroteskNeue_598ab8"/>
+              </a:rPr>
+              <a:t>cdr</a:t>
+            </a:r>
+            <a:r>
+              <a:rPr lang="en-US" b="0" i="1" dirty="0">
+                <a:effectLst/>
+                <a:latin typeface="__fkGroteskNeue_598ab8"/>
+              </a:rPr>
+              <a:t> (Contents of Decrement Register):</a:t>
+            </a:r>
+          </a:p>
+          <a:p>
+            <a:pPr algn="l">
+              <a:buFont typeface="+mj-lt"/>
+              <a:buNone/>
+            </a:pPr>
+            <a:r>
+              <a:rPr lang="en-US" b="0" i="1" dirty="0" err="1">
+                <a:effectLst/>
+                <a:latin typeface="__fkGroteskNeue_598ab8"/>
+              </a:rPr>
+              <a:t>cdr</a:t>
+            </a:r>
+            <a:r>
+              <a:rPr lang="en-US" b="0" i="1" dirty="0">
+                <a:effectLst/>
+                <a:latin typeface="__fkGroteskNeue_598ab8"/>
+              </a:rPr>
+              <a:t> returns a new list containing all elements except the first one.</a:t>
+            </a:r>
+          </a:p>
+          <a:p>
+            <a:pPr algn="l">
+              <a:buFont typeface="+mj-lt"/>
+              <a:buNone/>
+            </a:pPr>
+            <a:r>
+              <a:rPr lang="en-US" b="0" i="1" dirty="0">
+                <a:effectLst/>
+                <a:latin typeface="__fkGroteskNeue_598ab8"/>
+              </a:rPr>
+              <a:t>It's used to access the "tail" of the list.</a:t>
+            </a:r>
           </a:p>
         </p:txBody>
       </p:sp>
@@ -4227,7 +4153,7 @@
           <a:p>
             <a:fld id="{00408CB8-53A8-44F3-9451-039450E51793}" type="slidenum">
               <a:rPr lang="en-AU" smtClean="0"/>
-              <a:t>19</a:t>
+              <a:t>18</a:t>
             </a:fld>
             <a:endParaRPr lang="en-AU"/>
           </a:p>
@@ -4236,7 +4162,7 @@
     </p:spTree>
     <p:extLst>
       <p:ext uri="{BB962C8B-B14F-4D97-AF65-F5344CB8AC3E}">
-        <p14:creationId xmlns:p14="http://schemas.microsoft.com/office/powerpoint/2010/main" val="3552886791"/>
+        <p14:creationId xmlns:p14="http://schemas.microsoft.com/office/powerpoint/2010/main" val="2439594296"/>
       </p:ext>
     </p:extLst>
   </p:cSld>
@@ -4294,169 +4220,10 @@
               <a:buFont typeface="+mj-lt"/>
               <a:buNone/>
             </a:pPr>
-            <a:r>
-              <a:rPr lang="en-US" b="0" i="1" dirty="0">
-                <a:effectLst/>
-                <a:latin typeface="__fkGroteskNeue_598ab8"/>
-              </a:rPr>
-              <a:t>Let's break down this transformation:</a:t>
-            </a:r>
-          </a:p>
-          <a:p>
-            <a:pPr algn="l">
-              <a:buFont typeface="+mj-lt"/>
-              <a:buNone/>
-            </a:pPr>
-            <a:r>
-              <a:rPr lang="en-US" b="0" i="1" dirty="0">
-                <a:effectLst/>
-                <a:latin typeface="__fkGroteskNeue_598ab8"/>
-              </a:rPr>
-              <a:t>We define a new outer function fact-tail that takes the original argument x.</a:t>
-            </a:r>
-          </a:p>
-          <a:p>
-            <a:pPr algn="l">
-              <a:buFont typeface="+mj-lt"/>
-              <a:buNone/>
-            </a:pPr>
-            <a:r>
-              <a:rPr lang="en-US" b="0" i="1" dirty="0">
-                <a:effectLst/>
-                <a:latin typeface="__fkGroteskNeue_598ab8"/>
-              </a:rPr>
-              <a:t>Inside fact-tail, we define an inner helper function fact-helper that takes two parameters:</a:t>
-            </a:r>
-          </a:p>
-          <a:p>
-            <a:pPr algn="l">
-              <a:buFont typeface="+mj-lt"/>
-              <a:buNone/>
-            </a:pPr>
-            <a:r>
-              <a:rPr lang="en-US" b="0" i="1" dirty="0">
-                <a:effectLst/>
-                <a:latin typeface="__fkGroteskNeue_598ab8"/>
-              </a:rPr>
-              <a:t>x: the current number we're processing</a:t>
-            </a:r>
-          </a:p>
-          <a:p>
-            <a:pPr algn="l">
-              <a:buFont typeface="+mj-lt"/>
-              <a:buNone/>
-            </a:pPr>
-            <a:r>
-              <a:rPr lang="en-US" b="0" i="1" dirty="0">
-                <a:effectLst/>
-                <a:latin typeface="__fkGroteskNeue_598ab8"/>
-              </a:rPr>
-              <a:t>acc: the accumulator that stores the intermediate result</a:t>
-            </a:r>
-          </a:p>
-          <a:p>
-            <a:pPr algn="l">
-              <a:buFont typeface="+mj-lt"/>
-              <a:buNone/>
-            </a:pPr>
-            <a:r>
-              <a:rPr lang="en-US" b="0" i="1" dirty="0">
-                <a:effectLst/>
-                <a:latin typeface="__fkGroteskNeue_598ab8"/>
-              </a:rPr>
-              <a:t>The base case of the recursion is when x reaches 0. At this point, we return the accumulator acc, which contains the final result.</a:t>
-            </a:r>
-          </a:p>
-          <a:p>
-            <a:pPr algn="l">
-              <a:buFont typeface="+mj-lt"/>
-              <a:buNone/>
-            </a:pPr>
-            <a:r>
-              <a:rPr lang="en-US" b="0" i="1" dirty="0">
-                <a:effectLst/>
-                <a:latin typeface="__fkGroteskNeue_598ab8"/>
-              </a:rPr>
-              <a:t>In the recursive case, instead of waiting for the recursive call to complete and then multiplying, we:</a:t>
-            </a:r>
-          </a:p>
-          <a:p>
-            <a:pPr algn="l">
-              <a:buFont typeface="+mj-lt"/>
-              <a:buNone/>
-            </a:pPr>
-            <a:r>
-              <a:rPr lang="en-US" b="0" i="1" dirty="0">
-                <a:effectLst/>
-                <a:latin typeface="__fkGroteskNeue_598ab8"/>
-              </a:rPr>
-              <a:t>Decrease x by 1</a:t>
-            </a:r>
-          </a:p>
-          <a:p>
-            <a:pPr algn="l">
-              <a:buFont typeface="+mj-lt"/>
-              <a:buNone/>
-            </a:pPr>
-            <a:r>
-              <a:rPr lang="en-US" b="0" i="1" dirty="0">
-                <a:effectLst/>
-                <a:latin typeface="__fkGroteskNeue_598ab8"/>
-              </a:rPr>
-              <a:t>Multiply the current x with the accumulator</a:t>
-            </a:r>
-          </a:p>
-          <a:p>
-            <a:pPr algn="l">
-              <a:buFont typeface="+mj-lt"/>
-              <a:buNone/>
-            </a:pPr>
-            <a:r>
-              <a:rPr lang="en-US" b="0" i="1" dirty="0">
-                <a:effectLst/>
-                <a:latin typeface="__fkGroteskNeue_598ab8"/>
-              </a:rPr>
-              <a:t>Pass these new values to the next recursive call</a:t>
-            </a:r>
-          </a:p>
-          <a:p>
-            <a:pPr algn="l">
-              <a:buFont typeface="+mj-lt"/>
-              <a:buNone/>
-            </a:pPr>
-            <a:r>
-              <a:rPr lang="en-US" b="0" i="1" dirty="0">
-                <a:effectLst/>
-                <a:latin typeface="__fkGroteskNeue_598ab8"/>
-              </a:rPr>
-              <a:t>The initial call to fact-helper is made with the original x and an accumulator value of 1.</a:t>
-            </a:r>
-          </a:p>
-          <a:p>
-            <a:pPr algn="l">
-              <a:buFont typeface="+mj-lt"/>
-              <a:buNone/>
-            </a:pPr>
-            <a:r>
-              <a:rPr lang="en-US" b="0" i="1" dirty="0">
-                <a:effectLst/>
-                <a:latin typeface="__fkGroteskNeue_598ab8"/>
-              </a:rPr>
-              <a:t>This version is tail-recursive because the recursive call to fact-helper is the last operation in the function. The multiplication happens before the recursive call, not after it returns.</a:t>
-            </a:r>
-          </a:p>
-          <a:p>
-            <a:pPr algn="l">
-              <a:buFont typeface="+mj-lt"/>
-              <a:buNone/>
-            </a:pPr>
-            <a:r>
-              <a:rPr lang="en-US" b="0" i="1" dirty="0">
-                <a:effectLst/>
-                <a:latin typeface="__fkGroteskNeue_598ab8"/>
-              </a:rPr>
-              <a:t>To use this function, you would call (fact-tail 5) instead of (fact 5). The result will be the same, but the tail-recursive version can handle larger inputs without risking stack overflow, assuming the Scheme implementation supports proper tail-call optimization.</a:t>
-            </a:r>
+            <a:endParaRPr lang="en-US" b="0" i="1" dirty="0">
+              <a:effectLst/>
+              <a:latin typeface="__fkGroteskNeue_598ab8"/>
+            </a:endParaRPr>
           </a:p>
         </p:txBody>
       </p:sp>
@@ -4477,7 +4244,7 @@
           <a:p>
             <a:fld id="{00408CB8-53A8-44F3-9451-039450E51793}" type="slidenum">
               <a:rPr lang="en-AU" smtClean="0"/>
-              <a:t>20</a:t>
+              <a:t>19</a:t>
             </a:fld>
             <a:endParaRPr lang="en-AU"/>
           </a:p>
@@ -4486,7 +4253,7 @@
     </p:spTree>
     <p:extLst>
       <p:ext uri="{BB962C8B-B14F-4D97-AF65-F5344CB8AC3E}">
-        <p14:creationId xmlns:p14="http://schemas.microsoft.com/office/powerpoint/2010/main" val="1734802056"/>
+        <p14:creationId xmlns:p14="http://schemas.microsoft.com/office/powerpoint/2010/main" val="3552886791"/>
       </p:ext>
     </p:extLst>
   </p:cSld>
@@ -4540,187 +4307,173 @@
           <a:bodyPr/>
           <a:lstStyle/>
           <a:p>
-            <a:r>
-              <a:rPr lang="en-US" dirty="0"/>
-              <a:t>expression</a:t>
-            </a:r>
-          </a:p>
-          <a:p>
-            <a:r>
-              <a:rPr lang="en-US" dirty="0"/>
-              <a:t>The syntactic elements of the Lisp programming language are symbolic</a:t>
-            </a:r>
-          </a:p>
-          <a:p>
-            <a:r>
-              <a:rPr lang="en-US" dirty="0"/>
-              <a:t>expressions, also known as s-expressions. Both programs and data are</a:t>
-            </a:r>
-          </a:p>
-          <a:p>
-            <a:r>
-              <a:rPr lang="en-US" dirty="0"/>
-              <a:t>represented as s-expressions: an s-expression may be either an atom or a list.</a:t>
-            </a:r>
-          </a:p>
-          <a:p>
-            <a:r>
-              <a:rPr lang="en-US" dirty="0"/>
-              <a:t>Lisp atoms are the basic syntactic units of the language and include both</a:t>
-            </a:r>
-          </a:p>
-          <a:p>
-            <a:r>
-              <a:rPr lang="en-US" dirty="0"/>
-              <a:t>numbers and symbols. Symbolic atoms are composed of letters, numbers,</a:t>
-            </a:r>
-          </a:p>
-          <a:p>
-            <a:r>
-              <a:rPr lang="en-US" dirty="0"/>
-              <a:t>and the non-alphanumeric characters.</a:t>
-            </a:r>
-          </a:p>
-          <a:p>
-            <a:r>
-              <a:rPr lang="en-US" dirty="0"/>
-              <a:t>Examples of Lisp atoms include:</a:t>
-            </a:r>
-          </a:p>
-          <a:p>
-            <a:r>
-              <a:rPr lang="en-US" dirty="0"/>
-              <a:t>3.1416</a:t>
-            </a:r>
-          </a:p>
-          <a:p>
-            <a:r>
-              <a:rPr lang="en-US" dirty="0"/>
-              <a:t>100</a:t>
-            </a:r>
-          </a:p>
-          <a:p>
-            <a:r>
-              <a:rPr lang="en-US" dirty="0"/>
-              <a:t>hyphenated-name</a:t>
-            </a:r>
-          </a:p>
-          <a:p>
-            <a:r>
-              <a:rPr lang="en-US" dirty="0"/>
-              <a:t>*some-global*</a:t>
-            </a:r>
-          </a:p>
-          <a:p>
-            <a:r>
-              <a:rPr lang="en-US" dirty="0"/>
-              <a:t>nil</a:t>
-            </a:r>
-          </a:p>
-          <a:p>
-            <a:r>
-              <a:rPr lang="en-US" dirty="0"/>
-              <a:t>A list is a sequence of either atoms or other lists separated by blanks and</a:t>
-            </a:r>
-          </a:p>
-          <a:p>
-            <a:r>
-              <a:rPr lang="en-US" dirty="0"/>
-              <a:t>enclosed in parentheses. Examples of lists include:</a:t>
-            </a:r>
-          </a:p>
-          <a:p>
-            <a:r>
-              <a:rPr lang="en-US" dirty="0"/>
-              <a:t>(1 2 3 4)</a:t>
-            </a:r>
-          </a:p>
-          <a:p>
-            <a:r>
-              <a:rPr lang="en-US" dirty="0"/>
-              <a:t>(</a:t>
-            </a:r>
-            <a:r>
-              <a:rPr lang="en-US" dirty="0" err="1"/>
-              <a:t>george</a:t>
-            </a:r>
-            <a:r>
-              <a:rPr lang="en-US" dirty="0"/>
-              <a:t> </a:t>
-            </a:r>
-            <a:r>
-              <a:rPr lang="en-US" dirty="0" err="1"/>
-              <a:t>kate</a:t>
-            </a:r>
-            <a:r>
-              <a:rPr lang="en-US" dirty="0"/>
-              <a:t> </a:t>
-            </a:r>
-            <a:r>
-              <a:rPr lang="en-US" dirty="0" err="1"/>
-              <a:t>james</a:t>
-            </a:r>
-            <a:r>
-              <a:rPr lang="en-US" dirty="0"/>
-              <a:t> </a:t>
-            </a:r>
-            <a:r>
-              <a:rPr lang="en-US" dirty="0" err="1"/>
-              <a:t>joyce</a:t>
-            </a:r>
-            <a:r>
-              <a:rPr lang="en-US" dirty="0"/>
-              <a:t>)</a:t>
-            </a:r>
-          </a:p>
-          <a:p>
-            <a:r>
-              <a:rPr lang="en-US" dirty="0"/>
-              <a:t>(a (b c) (d (e f)))</a:t>
-            </a:r>
-          </a:p>
-          <a:p>
-            <a:r>
-              <a:rPr lang="en-US" dirty="0"/>
-              <a:t>()</a:t>
-            </a:r>
-          </a:p>
-          <a:p>
-            <a:r>
-              <a:rPr lang="en-US" dirty="0"/>
-              <a:t>Note that lists may be elements of lists. This nesting may be arbitrarily deep and allows us to create symbol structures of any desired form and</a:t>
-            </a:r>
-          </a:p>
-          <a:p>
-            <a:r>
-              <a:rPr lang="en-US" dirty="0"/>
-              <a:t>complexity. The empty list, “()”, plays a special role in the construction</a:t>
-            </a:r>
-          </a:p>
-          <a:p>
-            <a:r>
-              <a:rPr lang="en-US" dirty="0"/>
-              <a:t>and manipulation of Lisp data structures and is given the special name</a:t>
-            </a:r>
-          </a:p>
-          <a:p>
-            <a:r>
-              <a:rPr lang="en-US" dirty="0"/>
-              <a:t>nil. nil is the only s-expression that is considered to be both an atom</a:t>
-            </a:r>
-          </a:p>
-          <a:p>
-            <a:r>
-              <a:rPr lang="en-US" dirty="0"/>
-              <a:t>and a list. Lists are extremely flexible tools for constructing</a:t>
-            </a:r>
-          </a:p>
-          <a:p>
-            <a:r>
-              <a:rPr lang="en-US" dirty="0"/>
-              <a:t>representational structures</a:t>
-            </a:r>
-            <a:endParaRPr lang="en-AU" dirty="0"/>
+            <a:pPr algn="l">
+              <a:buFont typeface="+mj-lt"/>
+              <a:buNone/>
+            </a:pPr>
+            <a:r>
+              <a:rPr lang="en-US" b="0" i="1" dirty="0">
+                <a:effectLst/>
+                <a:latin typeface="__fkGroteskNeue_598ab8"/>
+              </a:rPr>
+              <a:t>Let's break down this transformation:</a:t>
+            </a:r>
+          </a:p>
+          <a:p>
+            <a:pPr algn="l">
+              <a:buFont typeface="+mj-lt"/>
+              <a:buNone/>
+            </a:pPr>
+            <a:r>
+              <a:rPr lang="en-US" b="0" i="1" dirty="0">
+                <a:effectLst/>
+                <a:latin typeface="__fkGroteskNeue_598ab8"/>
+              </a:rPr>
+              <a:t>We define a new outer function fact-tail that takes the original argument x.</a:t>
+            </a:r>
+          </a:p>
+          <a:p>
+            <a:pPr algn="l">
+              <a:buFont typeface="+mj-lt"/>
+              <a:buNone/>
+            </a:pPr>
+            <a:r>
+              <a:rPr lang="en-US" b="0" i="1" dirty="0">
+                <a:effectLst/>
+                <a:latin typeface="__fkGroteskNeue_598ab8"/>
+              </a:rPr>
+              <a:t>Inside fact-tail, we define an inner helper function fact-helper that takes two parameters:</a:t>
+            </a:r>
+          </a:p>
+          <a:p>
+            <a:pPr algn="l">
+              <a:buFont typeface="+mj-lt"/>
+              <a:buNone/>
+            </a:pPr>
+            <a:r>
+              <a:rPr lang="en-US" b="0" i="1" dirty="0">
+                <a:effectLst/>
+                <a:latin typeface="__fkGroteskNeue_598ab8"/>
+              </a:rPr>
+              <a:t>x: the current number we're processing</a:t>
+            </a:r>
+          </a:p>
+          <a:p>
+            <a:pPr algn="l">
+              <a:buFont typeface="+mj-lt"/>
+              <a:buNone/>
+            </a:pPr>
+            <a:r>
+              <a:rPr lang="en-US" b="0" i="1" dirty="0">
+                <a:effectLst/>
+                <a:latin typeface="__fkGroteskNeue_598ab8"/>
+              </a:rPr>
+              <a:t>acc: the accumulator that stores the intermediate result</a:t>
+            </a:r>
+          </a:p>
+          <a:p>
+            <a:pPr algn="l">
+              <a:buFont typeface="+mj-lt"/>
+              <a:buNone/>
+            </a:pPr>
+            <a:r>
+              <a:rPr lang="en-US" b="0" i="1" dirty="0">
+                <a:effectLst/>
+                <a:latin typeface="__fkGroteskNeue_598ab8"/>
+              </a:rPr>
+              <a:t>The base case of the recursion is when x reaches 0. At this point, we return the accumulator acc, which contains the final result.</a:t>
+            </a:r>
+          </a:p>
+          <a:p>
+            <a:pPr algn="l">
+              <a:buFont typeface="+mj-lt"/>
+              <a:buNone/>
+            </a:pPr>
+            <a:r>
+              <a:rPr lang="en-US" b="0" i="1" dirty="0">
+                <a:effectLst/>
+                <a:latin typeface="__fkGroteskNeue_598ab8"/>
+              </a:rPr>
+              <a:t>In the recursive case, instead of waiting for the recursive call to complete and then multiplying, we:</a:t>
+            </a:r>
+          </a:p>
+          <a:p>
+            <a:pPr algn="l">
+              <a:buFont typeface="+mj-lt"/>
+              <a:buNone/>
+            </a:pPr>
+            <a:r>
+              <a:rPr lang="en-US" b="0" i="1" dirty="0">
+                <a:effectLst/>
+                <a:latin typeface="__fkGroteskNeue_598ab8"/>
+              </a:rPr>
+              <a:t>Decrease x by 1</a:t>
+            </a:r>
+          </a:p>
+          <a:p>
+            <a:pPr algn="l">
+              <a:buFont typeface="+mj-lt"/>
+              <a:buNone/>
+            </a:pPr>
+            <a:r>
+              <a:rPr lang="en-US" b="0" i="1" dirty="0">
+                <a:effectLst/>
+                <a:latin typeface="__fkGroteskNeue_598ab8"/>
+              </a:rPr>
+              <a:t>Multiply the current x with the accumulator</a:t>
+            </a:r>
+          </a:p>
+          <a:p>
+            <a:pPr algn="l">
+              <a:buFont typeface="+mj-lt"/>
+              <a:buNone/>
+            </a:pPr>
+            <a:r>
+              <a:rPr lang="en-US" b="0" i="1" dirty="0">
+                <a:effectLst/>
+                <a:latin typeface="__fkGroteskNeue_598ab8"/>
+              </a:rPr>
+              <a:t>Pass these new values to the next recursive call</a:t>
+            </a:r>
+          </a:p>
+          <a:p>
+            <a:pPr algn="l">
+              <a:buFont typeface="+mj-lt"/>
+              <a:buNone/>
+            </a:pPr>
+            <a:r>
+              <a:rPr lang="en-US" b="0" i="1" dirty="0">
+                <a:effectLst/>
+                <a:latin typeface="__fkGroteskNeue_598ab8"/>
+              </a:rPr>
+              <a:t>The initial call to fact-helper is made with the original x and an accumulator value of 1.</a:t>
+            </a:r>
+          </a:p>
+          <a:p>
+            <a:pPr algn="l">
+              <a:buFont typeface="+mj-lt"/>
+              <a:buNone/>
+            </a:pPr>
+            <a:r>
+              <a:rPr lang="en-US" b="0" i="1" dirty="0">
+                <a:effectLst/>
+                <a:latin typeface="__fkGroteskNeue_598ab8"/>
+              </a:rPr>
+              <a:t>This version is tail-recursive because the recursive call to fact-helper is the last operation in the function. The multiplication happens before the recursive call, not after it returns.</a:t>
+            </a:r>
+          </a:p>
+          <a:p>
+            <a:pPr algn="l">
+              <a:buFont typeface="+mj-lt"/>
+              <a:buNone/>
+            </a:pPr>
+            <a:r>
+              <a:rPr lang="en-US" b="0" i="1" dirty="0">
+                <a:effectLst/>
+                <a:latin typeface="__fkGroteskNeue_598ab8"/>
+              </a:rPr>
+              <a:t>To use this function, you would call (fact-tail 5) instead of (fact 5). The result will be the same, but the tail-recursive version can handle larger inputs without risking stack overflow, assuming the Scheme implementation supports proper tail-call optimization.</a:t>
+            </a:r>
           </a:p>
         </p:txBody>
       </p:sp>
@@ -4741,7 +4494,7 @@
           <a:p>
             <a:fld id="{00408CB8-53A8-44F3-9451-039450E51793}" type="slidenum">
               <a:rPr lang="en-AU" smtClean="0"/>
-              <a:t>21</a:t>
+              <a:t>20</a:t>
             </a:fld>
             <a:endParaRPr lang="en-AU"/>
           </a:p>
@@ -4750,7 +4503,7 @@
     </p:spTree>
     <p:extLst>
       <p:ext uri="{BB962C8B-B14F-4D97-AF65-F5344CB8AC3E}">
-        <p14:creationId xmlns:p14="http://schemas.microsoft.com/office/powerpoint/2010/main" val="3106838823"/>
+        <p14:creationId xmlns:p14="http://schemas.microsoft.com/office/powerpoint/2010/main" val="1734802056"/>
       </p:ext>
     </p:extLst>
   </p:cSld>
@@ -4804,91 +4557,325 @@
           <a:bodyPr/>
           <a:lstStyle/>
           <a:p>
-            <a:pPr algn="l"/>
-            <a:r>
-              <a:rPr lang="en-US" b="0" i="0" dirty="0">
+            <a:pPr marL="0" algn="l" defTabSz="914400" rtl="0" eaLnBrk="1" latinLnBrk="0" hangingPunct="1">
+              <a:buFont typeface="+mj-lt"/>
+              <a:buNone/>
+            </a:pPr>
+            <a:r>
+              <a:rPr lang="en-US" sz="1200" b="0" i="1" kern="1200" dirty="0">
+                <a:solidFill>
+                  <a:schemeClr val="tx1"/>
+                </a:solidFill>
                 <a:effectLst/>
                 <a:latin typeface="__fkGroteskNeue_598ab8"/>
+                <a:ea typeface="+mn-ea"/>
+                <a:cs typeface="+mn-cs"/>
               </a:rPr>
-              <a:t>Referential transparency is a key concept in functional programming languages:</a:t>
-            </a:r>
-          </a:p>
-          <a:p>
-            <a:pPr algn="l"/>
-            <a:r>
-              <a:rPr lang="en-US" b="0" i="0" dirty="0">
-                <a:effectLst/>
-                <a:latin typeface="var(--font-fk-grotesk)"/>
-              </a:rPr>
-              <a:t>Definition</a:t>
-            </a:r>
-          </a:p>
-          <a:p>
-            <a:pPr algn="l"/>
-            <a:r>
-              <a:rPr lang="en-US" b="0" i="0" dirty="0">
+              <a:t>Functional programming languages (FPLs) differ from more traditional imperative and object-oriented languages in several key ways:</a:t>
+            </a:r>
+          </a:p>
+          <a:p>
+            <a:pPr marL="0" algn="l" defTabSz="914400" rtl="0" eaLnBrk="1" latinLnBrk="0" hangingPunct="1">
+              <a:buFont typeface="+mj-lt"/>
+              <a:buNone/>
+            </a:pPr>
+            <a:r>
+              <a:rPr lang="en-US" sz="1200" b="0" i="1" kern="1200" dirty="0">
+                <a:solidFill>
+                  <a:schemeClr val="tx1"/>
+                </a:solidFill>
                 <a:effectLst/>
                 <a:latin typeface="__fkGroteskNeue_598ab8"/>
+                <a:ea typeface="+mn-ea"/>
+                <a:cs typeface="+mn-cs"/>
               </a:rPr>
-              <a:t>Referential transparency means that an expression can be replaced by its value without changing the program's behavior. In other words, a function call will always produce the same result for the same input, regardless of when or where it is </a:t>
-            </a:r>
-            <a:r>
-              <a:rPr lang="en-US" b="0" i="0" dirty="0" err="1">
+              <a:t>Core Concepts</a:t>
+            </a:r>
+          </a:p>
+          <a:p>
+            <a:pPr marL="0" algn="l" defTabSz="914400" rtl="0" eaLnBrk="1" latinLnBrk="0" hangingPunct="1">
+              <a:buFont typeface="+mj-lt"/>
+              <a:buNone/>
+            </a:pPr>
+            <a:r>
+              <a:rPr lang="en-US" sz="1200" b="0" i="1" kern="1200" dirty="0">
+                <a:solidFill>
+                  <a:schemeClr val="tx1"/>
+                </a:solidFill>
                 <a:effectLst/>
                 <a:latin typeface="__fkGroteskNeue_598ab8"/>
+                <a:ea typeface="+mn-ea"/>
+                <a:cs typeface="+mn-cs"/>
               </a:rPr>
-              <a:t>evaluated.</a:t>
-            </a:r>
-            <a:r>
-              <a:rPr lang="en-US" b="0" i="0" dirty="0" err="1">
-                <a:effectLst/>
-                <a:latin typeface="var(--font-fk-grotesk)"/>
-              </a:rPr>
-              <a:t>Characteristics</a:t>
-            </a:r>
-            <a:endParaRPr lang="en-US" b="0" i="0" dirty="0">
-              <a:effectLst/>
-              <a:latin typeface="var(--font-fk-grotesk)"/>
-            </a:endParaRPr>
-          </a:p>
-          <a:p>
-            <a:pPr algn="l">
-              <a:buFont typeface="Arial" panose="020B0604020202020204" pitchFamily="34" charset="0"/>
-              <a:buChar char="•"/>
+              <a:t>Immutability: FPLs emphasize immutable data structures and variables that cannot be modified after creation. This contrasts with the mutable state common in imperative languages.</a:t>
+            </a:r>
+          </a:p>
+          <a:p>
+            <a:pPr marL="0" algn="l" defTabSz="914400" rtl="0" eaLnBrk="1" latinLnBrk="0" hangingPunct="1">
+              <a:buFont typeface="+mj-lt"/>
+              <a:buNone/>
             </a:pPr>
             <a:r>
-              <a:rPr lang="en-US" b="0" i="0" dirty="0">
+              <a:rPr lang="en-US" sz="1200" b="0" i="1" kern="1200" dirty="0">
+                <a:solidFill>
+                  <a:schemeClr val="tx1"/>
+                </a:solidFill>
                 <a:effectLst/>
                 <a:latin typeface="__fkGroteskNeue_598ab8"/>
+                <a:ea typeface="+mn-ea"/>
+                <a:cs typeface="+mn-cs"/>
               </a:rPr>
-              <a:t>Pure functions: Referentially transparent functions are pure - they have no side effects and their output depends only on their inputs.</a:t>
-            </a:r>
-          </a:p>
-          <a:p>
-            <a:pPr algn="l">
-              <a:buFont typeface="Arial" panose="020B0604020202020204" pitchFamily="34" charset="0"/>
-              <a:buChar char="•"/>
+              <a:t>First-class functions: Functions are treated as first-class citizens in FPLs, meaning they can be passed as arguments, returned from other functions, and assigned to variables. While some modern imperative languages support this to an extent, it's a fundamental concept in FPLs.</a:t>
+            </a:r>
+          </a:p>
+          <a:p>
+            <a:pPr marL="0" algn="l" defTabSz="914400" rtl="0" eaLnBrk="1" latinLnBrk="0" hangingPunct="1">
+              <a:buFont typeface="+mj-lt"/>
+              <a:buNone/>
             </a:pPr>
             <a:r>
-              <a:rPr lang="en-US" b="0" i="0" dirty="0">
+              <a:rPr lang="en-US" sz="1200" b="0" i="1" kern="1200" dirty="0">
+                <a:solidFill>
+                  <a:schemeClr val="tx1"/>
+                </a:solidFill>
                 <a:effectLst/>
                 <a:latin typeface="__fkGroteskNeue_598ab8"/>
+                <a:ea typeface="+mn-ea"/>
+                <a:cs typeface="+mn-cs"/>
               </a:rPr>
-              <a:t>Immutability: Data is immutable in languages that enforce referential transparency, preventing state changes that could affect function outputs.</a:t>
-            </a:r>
-          </a:p>
-          <a:p>
-            <a:pPr algn="l">
-              <a:buFont typeface="Arial" panose="020B0604020202020204" pitchFamily="34" charset="0"/>
-              <a:buChar char="•"/>
+              <a:t>Declarative style: FPLs focus on describing what should be computed, rather than how to compute it step-by-step as in imperative programming.</a:t>
+            </a:r>
+          </a:p>
+          <a:p>
+            <a:pPr marL="0" algn="l" defTabSz="914400" rtl="0" eaLnBrk="1" latinLnBrk="0" hangingPunct="1">
+              <a:buFont typeface="+mj-lt"/>
+              <a:buNone/>
             </a:pPr>
             <a:r>
-              <a:rPr lang="en-US" b="0" i="0" dirty="0">
+              <a:rPr lang="en-US" sz="1200" b="0" i="1" kern="1200" dirty="0">
+                <a:solidFill>
+                  <a:schemeClr val="tx1"/>
+                </a:solidFill>
                 <a:effectLst/>
                 <a:latin typeface="__fkGroteskNeue_598ab8"/>
+                <a:ea typeface="+mn-ea"/>
+                <a:cs typeface="+mn-cs"/>
               </a:rPr>
-              <a:t>Predictability: Programs with referential transparency are more predictable and easier to reason about.</a:t>
-            </a:r>
+              <a:t>Language Features</a:t>
+            </a:r>
+          </a:p>
+          <a:p>
+            <a:pPr marL="0" algn="l" defTabSz="914400" rtl="0" eaLnBrk="1" latinLnBrk="0" hangingPunct="1">
+              <a:buFont typeface="+mj-lt"/>
+              <a:buNone/>
+            </a:pPr>
+            <a:r>
+              <a:rPr lang="en-US" sz="1200" b="0" i="1" kern="1200" dirty="0">
+                <a:solidFill>
+                  <a:schemeClr val="tx1"/>
+                </a:solidFill>
+                <a:effectLst/>
+                <a:latin typeface="__fkGroteskNeue_598ab8"/>
+                <a:ea typeface="+mn-ea"/>
+                <a:cs typeface="+mn-cs"/>
+              </a:rPr>
+              <a:t>Pure functions: FPLs encourage the use of pure functions that always produce the same output for given inputs and have no side effects. This differs from methods in object-oriented languages that often modify object state.</a:t>
+            </a:r>
+          </a:p>
+          <a:p>
+            <a:pPr marL="0" algn="l" defTabSz="914400" rtl="0" eaLnBrk="1" latinLnBrk="0" hangingPunct="1">
+              <a:buFont typeface="+mj-lt"/>
+              <a:buNone/>
+            </a:pPr>
+            <a:r>
+              <a:rPr lang="en-US" sz="1200" b="0" i="1" kern="1200" dirty="0">
+                <a:solidFill>
+                  <a:schemeClr val="tx1"/>
+                </a:solidFill>
+                <a:effectLst/>
+                <a:latin typeface="__fkGroteskNeue_598ab8"/>
+                <a:ea typeface="+mn-ea"/>
+                <a:cs typeface="+mn-cs"/>
+              </a:rPr>
+              <a:t>Recursion: Recursion is heavily used in FPLs for control flow, as opposed to loops which are more common in imperative languages.</a:t>
+            </a:r>
+          </a:p>
+          <a:p>
+            <a:pPr marL="0" algn="l" defTabSz="914400" rtl="0" eaLnBrk="1" latinLnBrk="0" hangingPunct="1">
+              <a:buFont typeface="+mj-lt"/>
+              <a:buNone/>
+            </a:pPr>
+            <a:r>
+              <a:rPr lang="en-US" sz="1200" b="0" i="1" kern="1200" dirty="0">
+                <a:solidFill>
+                  <a:schemeClr val="tx1"/>
+                </a:solidFill>
+                <a:effectLst/>
+                <a:latin typeface="__fkGroteskNeue_598ab8"/>
+                <a:ea typeface="+mn-ea"/>
+                <a:cs typeface="+mn-cs"/>
+              </a:rPr>
+              <a:t>Pattern matching: Many FPLs provide powerful pattern matching capabilities for </a:t>
+            </a:r>
+            <a:r>
+              <a:rPr lang="en-US" sz="1200" b="0" i="1" kern="1200" dirty="0" err="1">
+                <a:solidFill>
+                  <a:schemeClr val="tx1"/>
+                </a:solidFill>
+                <a:effectLst/>
+                <a:latin typeface="__fkGroteskNeue_598ab8"/>
+                <a:ea typeface="+mn-ea"/>
+                <a:cs typeface="+mn-cs"/>
+              </a:rPr>
+              <a:t>destructuring</a:t>
+            </a:r>
+            <a:r>
+              <a:rPr lang="en-US" sz="1200" b="0" i="1" kern="1200" dirty="0">
+                <a:solidFill>
+                  <a:schemeClr val="tx1"/>
+                </a:solidFill>
+                <a:effectLst/>
+                <a:latin typeface="__fkGroteskNeue_598ab8"/>
+                <a:ea typeface="+mn-ea"/>
+                <a:cs typeface="+mn-cs"/>
+              </a:rPr>
+              <a:t> data, which is less common in other paradigms.</a:t>
+            </a:r>
+          </a:p>
+          <a:p>
+            <a:pPr marL="0" algn="l" defTabSz="914400" rtl="0" eaLnBrk="1" latinLnBrk="0" hangingPunct="1">
+              <a:buFont typeface="+mj-lt"/>
+              <a:buNone/>
+            </a:pPr>
+            <a:r>
+              <a:rPr lang="en-US" sz="1200" b="0" i="1" kern="1200" dirty="0">
+                <a:solidFill>
+                  <a:schemeClr val="tx1"/>
+                </a:solidFill>
+                <a:effectLst/>
+                <a:latin typeface="__fkGroteskNeue_598ab8"/>
+                <a:ea typeface="+mn-ea"/>
+                <a:cs typeface="+mn-cs"/>
+              </a:rPr>
+              <a:t>Lazy evaluation: Some FPLs use lazy evaluation, where expressions are only evaluated when their results are needed. This contrasts with the eager evaluation typical in imperative languages.</a:t>
+            </a:r>
+          </a:p>
+          <a:p>
+            <a:pPr marL="0" algn="l" defTabSz="914400" rtl="0" eaLnBrk="1" latinLnBrk="0" hangingPunct="1">
+              <a:buFont typeface="+mj-lt"/>
+              <a:buNone/>
+            </a:pPr>
+            <a:r>
+              <a:rPr lang="en-US" sz="1200" b="0" i="1" kern="1200" dirty="0">
+                <a:solidFill>
+                  <a:schemeClr val="tx1"/>
+                </a:solidFill>
+                <a:effectLst/>
+                <a:latin typeface="__fkGroteskNeue_598ab8"/>
+                <a:ea typeface="+mn-ea"/>
+                <a:cs typeface="+mn-cs"/>
+              </a:rPr>
+              <a:t>Data Structures</a:t>
+            </a:r>
+          </a:p>
+          <a:p>
+            <a:pPr marL="0" algn="l" defTabSz="914400" rtl="0" eaLnBrk="1" latinLnBrk="0" hangingPunct="1">
+              <a:buFont typeface="+mj-lt"/>
+              <a:buNone/>
+            </a:pPr>
+            <a:r>
+              <a:rPr lang="en-US" sz="1200" b="0" i="1" kern="1200" dirty="0">
+                <a:solidFill>
+                  <a:schemeClr val="tx1"/>
+                </a:solidFill>
+                <a:effectLst/>
+                <a:latin typeface="__fkGroteskNeue_598ab8"/>
+                <a:ea typeface="+mn-ea"/>
+                <a:cs typeface="+mn-cs"/>
+              </a:rPr>
+              <a:t>Lists and tuples: FPLs often have built-in support for immutable lists and tuples as core data structures.</a:t>
+            </a:r>
+          </a:p>
+          <a:p>
+            <a:pPr marL="0" algn="l" defTabSz="914400" rtl="0" eaLnBrk="1" latinLnBrk="0" hangingPunct="1">
+              <a:buFont typeface="+mj-lt"/>
+              <a:buNone/>
+            </a:pPr>
+            <a:r>
+              <a:rPr lang="en-US" sz="1200" b="0" i="1" kern="1200" dirty="0">
+                <a:solidFill>
+                  <a:schemeClr val="tx1"/>
+                </a:solidFill>
+                <a:effectLst/>
+                <a:latin typeface="__fkGroteskNeue_598ab8"/>
+                <a:ea typeface="+mn-ea"/>
+                <a:cs typeface="+mn-cs"/>
+              </a:rPr>
+              <a:t>Algebraic data types: Many FPLs support algebraic data types for creating complex data structures, which differs from the class-based approach in object-oriented languages.</a:t>
+            </a:r>
+          </a:p>
+          <a:p>
+            <a:pPr marL="0" algn="l" defTabSz="914400" rtl="0" eaLnBrk="1" latinLnBrk="0" hangingPunct="1">
+              <a:buFont typeface="+mj-lt"/>
+              <a:buNone/>
+            </a:pPr>
+            <a:r>
+              <a:rPr lang="en-US" sz="1200" b="0" i="1" kern="1200" dirty="0">
+                <a:solidFill>
+                  <a:schemeClr val="tx1"/>
+                </a:solidFill>
+                <a:effectLst/>
+                <a:latin typeface="__fkGroteskNeue_598ab8"/>
+                <a:ea typeface="+mn-ea"/>
+                <a:cs typeface="+mn-cs"/>
+              </a:rPr>
+              <a:t>Paradigm Shift</a:t>
+            </a:r>
+          </a:p>
+          <a:p>
+            <a:pPr marL="0" algn="l" defTabSz="914400" rtl="0" eaLnBrk="1" latinLnBrk="0" hangingPunct="1">
+              <a:buFont typeface="+mj-lt"/>
+              <a:buNone/>
+            </a:pPr>
+            <a:r>
+              <a:rPr lang="en-US" sz="1200" b="0" i="1" kern="1200" dirty="0">
+                <a:solidFill>
+                  <a:schemeClr val="tx1"/>
+                </a:solidFill>
+                <a:effectLst/>
+                <a:latin typeface="__fkGroteskNeue_598ab8"/>
+                <a:ea typeface="+mn-ea"/>
+                <a:cs typeface="+mn-cs"/>
+              </a:rPr>
+              <a:t>Learning FPLs often requires a significant mental shift for programmers accustomed to imperative or object-oriented languages. The focus on immutability, higher-order functions, and declarative problem-solving can be challenging but also leads to new ways of approaching programming problems.</a:t>
+            </a:r>
+          </a:p>
+          <a:p>
+            <a:pPr marL="0" algn="l" defTabSz="914400" rtl="0" eaLnBrk="1" latinLnBrk="0" hangingPunct="1">
+              <a:buFont typeface="+mj-lt"/>
+              <a:buNone/>
+            </a:pPr>
+            <a:r>
+              <a:rPr lang="en-US" sz="1200" b="0" i="1" kern="1200" dirty="0">
+                <a:solidFill>
+                  <a:schemeClr val="tx1"/>
+                </a:solidFill>
+                <a:effectLst/>
+                <a:latin typeface="__fkGroteskNeue_598ab8"/>
+                <a:ea typeface="+mn-ea"/>
+                <a:cs typeface="+mn-cs"/>
+              </a:rPr>
+              <a:t>While some modern multi-paradigm languages incorporate functional programming concepts, pure functional languages like Haskell or F# provide a more complete and focused functional programming experience.</a:t>
+            </a:r>
+            <a:endParaRPr lang="en-AU" sz="1200" b="0" i="1" kern="1200" dirty="0">
+              <a:solidFill>
+                <a:schemeClr val="tx1"/>
+              </a:solidFill>
+              <a:effectLst/>
+              <a:latin typeface="__fkGroteskNeue_598ab8"/>
+              <a:ea typeface="+mn-ea"/>
+              <a:cs typeface="+mn-cs"/>
+            </a:endParaRPr>
           </a:p>
         </p:txBody>
       </p:sp>
@@ -4909,7 +4896,7 @@
           <a:p>
             <a:fld id="{00408CB8-53A8-44F3-9451-039450E51793}" type="slidenum">
               <a:rPr lang="en-AU" smtClean="0"/>
-              <a:t>4</a:t>
+              <a:t>3</a:t>
             </a:fld>
             <a:endParaRPr lang="en-AU"/>
           </a:p>
@@ -4918,7 +4905,7 @@
     </p:spTree>
     <p:extLst>
       <p:ext uri="{BB962C8B-B14F-4D97-AF65-F5344CB8AC3E}">
-        <p14:creationId xmlns:p14="http://schemas.microsoft.com/office/powerpoint/2010/main" val="2608509547"/>
+        <p14:creationId xmlns:p14="http://schemas.microsoft.com/office/powerpoint/2010/main" val="2563340109"/>
       </p:ext>
     </p:extLst>
   </p:cSld>
@@ -4972,193 +4959,559 @@
           <a:bodyPr/>
           <a:lstStyle/>
           <a:p>
-            <a:r>
-              <a:rPr lang="en-US" dirty="0"/>
-              <a:t>Process to evaluate an S-expression:</a:t>
-            </a:r>
-          </a:p>
-          <a:p>
-            <a:r>
-              <a:rPr lang="en-US" dirty="0"/>
-              <a:t>a) If the S-expression is an atom:</a:t>
-            </a:r>
-          </a:p>
-          <a:p>
-            <a:r>
-              <a:rPr lang="en-US" dirty="0"/>
-              <a:t>If it's a number or string, return its value</a:t>
-            </a:r>
-          </a:p>
-          <a:p>
-            <a:r>
-              <a:rPr lang="en-US" dirty="0"/>
-              <a:t>If it's a symbol, return the value bound to that symbol</a:t>
-            </a:r>
-          </a:p>
-          <a:p>
-            <a:r>
-              <a:rPr lang="en-US" dirty="0"/>
-              <a:t>b) If the S-expression is a list:</a:t>
-            </a:r>
-          </a:p>
-          <a:p>
-            <a:r>
-              <a:rPr lang="en-US" dirty="0"/>
-              <a:t>Evaluate the first element (usually a function or special form)</a:t>
-            </a:r>
-          </a:p>
-          <a:p>
-            <a:r>
-              <a:rPr lang="en-US" dirty="0"/>
-              <a:t>If it's a function:</a:t>
-            </a:r>
-          </a:p>
-          <a:p>
-            <a:r>
-              <a:rPr lang="en-US" dirty="0"/>
-              <a:t>Evaluate all the arguments (recursively applying these rules)</a:t>
-            </a:r>
-          </a:p>
-          <a:p>
-            <a:r>
-              <a:rPr lang="en-US" dirty="0"/>
-              <a:t>Apply the function to the evaluated arguments</a:t>
-            </a:r>
-          </a:p>
-          <a:p>
-            <a:r>
-              <a:rPr lang="en-US" dirty="0"/>
-              <a:t>If it's a special form (like if, define, quote):</a:t>
-            </a:r>
-          </a:p>
-          <a:p>
-            <a:r>
-              <a:rPr lang="en-US" dirty="0"/>
-              <a:t>Follow the specific evaluation rules for that special form</a:t>
-            </a:r>
-          </a:p>
-          <a:p>
-            <a:r>
-              <a:rPr lang="en-US" dirty="0"/>
-              <a:t>c) Return the result</a:t>
-            </a:r>
-          </a:p>
-          <a:p>
-            <a:endParaRPr lang="en-US" dirty="0"/>
-          </a:p>
-          <a:p>
-            <a:endParaRPr lang="en-US" dirty="0"/>
-          </a:p>
-          <a:p>
-            <a:endParaRPr lang="en-US" dirty="0"/>
-          </a:p>
-          <a:p>
-            <a:r>
-              <a:rPr lang="en-US" dirty="0"/>
-              <a:t>Evaluate the outermost expression (+):</a:t>
-            </a:r>
-          </a:p>
-          <a:p>
-            <a:r>
-              <a:rPr lang="en-US" dirty="0"/>
-              <a:t>It's the addition function</a:t>
-            </a:r>
-          </a:p>
-          <a:p>
-            <a:r>
-              <a:rPr lang="en-US" dirty="0"/>
-              <a:t>Evaluate the first argument (* 2 3):</a:t>
-            </a:r>
-          </a:p>
-          <a:p>
-            <a:r>
-              <a:rPr lang="en-US" dirty="0"/>
-              <a:t>a. Evaluate (*): it's the multiplication function</a:t>
-            </a:r>
-          </a:p>
-          <a:p>
-            <a:r>
-              <a:rPr lang="en-US" dirty="0"/>
-              <a:t>b. Evaluate 2: it's 2</a:t>
-            </a:r>
-          </a:p>
-          <a:p>
-            <a:r>
-              <a:rPr lang="en-US" dirty="0"/>
-              <a:t>c. Evaluate 3: it's 3</a:t>
-            </a:r>
-          </a:p>
-          <a:p>
-            <a:r>
-              <a:rPr lang="en-US" dirty="0"/>
-              <a:t>d. Apply *: 2 * 3 = 6</a:t>
-            </a:r>
-          </a:p>
-          <a:p>
-            <a:r>
-              <a:rPr lang="en-US" dirty="0"/>
-              <a:t>Evaluate the second argument (* 3 5):</a:t>
-            </a:r>
-          </a:p>
-          <a:p>
-            <a:r>
-              <a:rPr lang="en-US" dirty="0"/>
-              <a:t>a. Evaluate (*): it's the multiplication function</a:t>
-            </a:r>
-          </a:p>
-          <a:p>
-            <a:r>
-              <a:rPr lang="en-US" dirty="0"/>
-              <a:t>b. Evaluate 3: it's 3</a:t>
-            </a:r>
-          </a:p>
-          <a:p>
-            <a:r>
-              <a:rPr lang="en-US" dirty="0"/>
-              <a:t>c. Evaluate 5: it's 5</a:t>
-            </a:r>
-          </a:p>
-          <a:p>
-            <a:r>
-              <a:rPr lang="en-US" dirty="0"/>
-              <a:t>d. Apply *: 3 * 5 = 15</a:t>
-            </a:r>
-          </a:p>
-          <a:p>
-            <a:r>
-              <a:rPr lang="en-US" dirty="0"/>
-              <a:t>Now we have (+ 6 15)</a:t>
-            </a:r>
-          </a:p>
-          <a:p>
-            <a:r>
-              <a:rPr lang="en-US" dirty="0"/>
-              <a:t>Apply + to the results: 6 + 15 = 21</a:t>
-            </a:r>
-          </a:p>
-          <a:p>
-            <a:r>
-              <a:rPr lang="en-US" dirty="0"/>
-              <a:t>Return 21</a:t>
-            </a:r>
-          </a:p>
-          <a:p>
-            <a:r>
-              <a:rPr lang="en-US" dirty="0"/>
-              <a:t>So, the final result of evaluating (+ (* 2 3) (* 3 5)) is 21.</a:t>
-            </a:r>
-          </a:p>
-          <a:p>
-            <a:r>
-              <a:rPr lang="en-US" dirty="0"/>
-              <a:t>This example demonstrates how S-expressions are evaluated recursively, with inner expressions being evaluated before outer ones, and how the results are passed up the expression tree until the final result is computed.</a:t>
-            </a:r>
-          </a:p>
-          <a:p>
-            <a:endParaRPr lang="en-US" dirty="0"/>
-          </a:p>
-          <a:p>
-            <a:endParaRPr lang="en-AU" dirty="0"/>
+            <a:pPr marL="0" algn="l" defTabSz="914400" rtl="0" eaLnBrk="1" latinLnBrk="0" hangingPunct="1">
+              <a:buFont typeface="+mj-lt"/>
+              <a:buNone/>
+            </a:pPr>
+            <a:r>
+              <a:rPr lang="en-US" sz="1200" b="0" i="1" kern="1200" dirty="0">
+                <a:solidFill>
+                  <a:schemeClr val="tx1"/>
+                </a:solidFill>
+                <a:effectLst/>
+                <a:latin typeface="__fkGroteskNeue_598ab8"/>
+                <a:ea typeface="+mn-ea"/>
+                <a:cs typeface="+mn-cs"/>
+              </a:rPr>
+              <a:t>expression</a:t>
+            </a:r>
+          </a:p>
+          <a:p>
+            <a:pPr marL="0" algn="l" defTabSz="914400" rtl="0" eaLnBrk="1" latinLnBrk="0" hangingPunct="1">
+              <a:buFont typeface="+mj-lt"/>
+              <a:buNone/>
+            </a:pPr>
+            <a:r>
+              <a:rPr lang="en-US" sz="1200" b="0" i="1" kern="1200" dirty="0">
+                <a:solidFill>
+                  <a:schemeClr val="tx1"/>
+                </a:solidFill>
+                <a:effectLst/>
+                <a:latin typeface="__fkGroteskNeue_598ab8"/>
+                <a:ea typeface="+mn-ea"/>
+                <a:cs typeface="+mn-cs"/>
+              </a:rPr>
+              <a:t>The syntactic elements of the Lisp programming language are symbolic</a:t>
+            </a:r>
+          </a:p>
+          <a:p>
+            <a:pPr marL="0" algn="l" defTabSz="914400" rtl="0" eaLnBrk="1" latinLnBrk="0" hangingPunct="1">
+              <a:buFont typeface="+mj-lt"/>
+              <a:buNone/>
+            </a:pPr>
+            <a:r>
+              <a:rPr lang="en-US" sz="1200" b="0" i="1" kern="1200" dirty="0">
+                <a:solidFill>
+                  <a:schemeClr val="tx1"/>
+                </a:solidFill>
+                <a:effectLst/>
+                <a:latin typeface="__fkGroteskNeue_598ab8"/>
+                <a:ea typeface="+mn-ea"/>
+                <a:cs typeface="+mn-cs"/>
+              </a:rPr>
+              <a:t>expressions, also known as s-expressions. Both programs and data are</a:t>
+            </a:r>
+          </a:p>
+          <a:p>
+            <a:pPr marL="0" algn="l" defTabSz="914400" rtl="0" eaLnBrk="1" latinLnBrk="0" hangingPunct="1">
+              <a:buFont typeface="+mj-lt"/>
+              <a:buNone/>
+            </a:pPr>
+            <a:r>
+              <a:rPr lang="en-US" sz="1200" b="0" i="1" kern="1200" dirty="0">
+                <a:solidFill>
+                  <a:schemeClr val="tx1"/>
+                </a:solidFill>
+                <a:effectLst/>
+                <a:latin typeface="__fkGroteskNeue_598ab8"/>
+                <a:ea typeface="+mn-ea"/>
+                <a:cs typeface="+mn-cs"/>
+              </a:rPr>
+              <a:t>represented as s-expressions: an s-expression may be either an atom or a list.</a:t>
+            </a:r>
+          </a:p>
+          <a:p>
+            <a:pPr marL="0" algn="l" defTabSz="914400" rtl="0" eaLnBrk="1" latinLnBrk="0" hangingPunct="1">
+              <a:buFont typeface="+mj-lt"/>
+              <a:buNone/>
+            </a:pPr>
+            <a:r>
+              <a:rPr lang="en-US" sz="1200" b="0" i="1" kern="1200" dirty="0">
+                <a:solidFill>
+                  <a:schemeClr val="tx1"/>
+                </a:solidFill>
+                <a:effectLst/>
+                <a:latin typeface="__fkGroteskNeue_598ab8"/>
+                <a:ea typeface="+mn-ea"/>
+                <a:cs typeface="+mn-cs"/>
+              </a:rPr>
+              <a:t>Lisp atoms are the basic syntactic units of the language and include both</a:t>
+            </a:r>
+          </a:p>
+          <a:p>
+            <a:pPr marL="0" algn="l" defTabSz="914400" rtl="0" eaLnBrk="1" latinLnBrk="0" hangingPunct="1">
+              <a:buFont typeface="+mj-lt"/>
+              <a:buNone/>
+            </a:pPr>
+            <a:r>
+              <a:rPr lang="en-US" sz="1200" b="0" i="1" kern="1200" dirty="0">
+                <a:solidFill>
+                  <a:schemeClr val="tx1"/>
+                </a:solidFill>
+                <a:effectLst/>
+                <a:latin typeface="__fkGroteskNeue_598ab8"/>
+                <a:ea typeface="+mn-ea"/>
+                <a:cs typeface="+mn-cs"/>
+              </a:rPr>
+              <a:t>numbers and symbols. Symbolic atoms are composed of letters, numbers,</a:t>
+            </a:r>
+          </a:p>
+          <a:p>
+            <a:pPr marL="0" algn="l" defTabSz="914400" rtl="0" eaLnBrk="1" latinLnBrk="0" hangingPunct="1">
+              <a:buFont typeface="+mj-lt"/>
+              <a:buNone/>
+            </a:pPr>
+            <a:r>
+              <a:rPr lang="en-US" sz="1200" b="0" i="1" kern="1200" dirty="0">
+                <a:solidFill>
+                  <a:schemeClr val="tx1"/>
+                </a:solidFill>
+                <a:effectLst/>
+                <a:latin typeface="__fkGroteskNeue_598ab8"/>
+                <a:ea typeface="+mn-ea"/>
+                <a:cs typeface="+mn-cs"/>
+              </a:rPr>
+              <a:t>and the non-alphanumeric characters.</a:t>
+            </a:r>
+          </a:p>
+          <a:p>
+            <a:pPr marL="0" algn="l" defTabSz="914400" rtl="0" eaLnBrk="1" latinLnBrk="0" hangingPunct="1">
+              <a:buFont typeface="+mj-lt"/>
+              <a:buNone/>
+            </a:pPr>
+            <a:r>
+              <a:rPr lang="en-US" sz="1200" b="0" i="1" kern="1200" dirty="0">
+                <a:solidFill>
+                  <a:schemeClr val="tx1"/>
+                </a:solidFill>
+                <a:effectLst/>
+                <a:latin typeface="__fkGroteskNeue_598ab8"/>
+                <a:ea typeface="+mn-ea"/>
+                <a:cs typeface="+mn-cs"/>
+              </a:rPr>
+              <a:t>Examples of Lisp atoms include:</a:t>
+            </a:r>
+          </a:p>
+          <a:p>
+            <a:pPr marL="0" algn="l" defTabSz="914400" rtl="0" eaLnBrk="1" latinLnBrk="0" hangingPunct="1">
+              <a:buFont typeface="+mj-lt"/>
+              <a:buNone/>
+            </a:pPr>
+            <a:r>
+              <a:rPr lang="en-US" sz="1200" b="0" i="1" kern="1200" dirty="0">
+                <a:solidFill>
+                  <a:schemeClr val="tx1"/>
+                </a:solidFill>
+                <a:effectLst/>
+                <a:latin typeface="__fkGroteskNeue_598ab8"/>
+                <a:ea typeface="+mn-ea"/>
+                <a:cs typeface="+mn-cs"/>
+              </a:rPr>
+              <a:t>3.1416</a:t>
+            </a:r>
+          </a:p>
+          <a:p>
+            <a:pPr marL="0" algn="l" defTabSz="914400" rtl="0" eaLnBrk="1" latinLnBrk="0" hangingPunct="1">
+              <a:buFont typeface="+mj-lt"/>
+              <a:buNone/>
+            </a:pPr>
+            <a:r>
+              <a:rPr lang="en-US" sz="1200" b="0" i="1" kern="1200" dirty="0">
+                <a:solidFill>
+                  <a:schemeClr val="tx1"/>
+                </a:solidFill>
+                <a:effectLst/>
+                <a:latin typeface="__fkGroteskNeue_598ab8"/>
+                <a:ea typeface="+mn-ea"/>
+                <a:cs typeface="+mn-cs"/>
+              </a:rPr>
+              <a:t>100</a:t>
+            </a:r>
+          </a:p>
+          <a:p>
+            <a:pPr marL="0" algn="l" defTabSz="914400" rtl="0" eaLnBrk="1" latinLnBrk="0" hangingPunct="1">
+              <a:buFont typeface="+mj-lt"/>
+              <a:buNone/>
+            </a:pPr>
+            <a:r>
+              <a:rPr lang="en-US" sz="1200" b="0" i="1" kern="1200" dirty="0">
+                <a:solidFill>
+                  <a:schemeClr val="tx1"/>
+                </a:solidFill>
+                <a:effectLst/>
+                <a:latin typeface="__fkGroteskNeue_598ab8"/>
+                <a:ea typeface="+mn-ea"/>
+                <a:cs typeface="+mn-cs"/>
+              </a:rPr>
+              <a:t>hyphenated-name</a:t>
+            </a:r>
+          </a:p>
+          <a:p>
+            <a:pPr marL="0" algn="l" defTabSz="914400" rtl="0" eaLnBrk="1" latinLnBrk="0" hangingPunct="1">
+              <a:buFont typeface="+mj-lt"/>
+              <a:buNone/>
+            </a:pPr>
+            <a:r>
+              <a:rPr lang="en-US" sz="1200" b="0" i="1" kern="1200" dirty="0">
+                <a:solidFill>
+                  <a:schemeClr val="tx1"/>
+                </a:solidFill>
+                <a:effectLst/>
+                <a:latin typeface="__fkGroteskNeue_598ab8"/>
+                <a:ea typeface="+mn-ea"/>
+                <a:cs typeface="+mn-cs"/>
+              </a:rPr>
+              <a:t>*some-global*</a:t>
+            </a:r>
+          </a:p>
+          <a:p>
+            <a:pPr marL="0" algn="l" defTabSz="914400" rtl="0" eaLnBrk="1" latinLnBrk="0" hangingPunct="1">
+              <a:buFont typeface="+mj-lt"/>
+              <a:buNone/>
+            </a:pPr>
+            <a:r>
+              <a:rPr lang="en-US" sz="1200" b="0" i="1" kern="1200" dirty="0">
+                <a:solidFill>
+                  <a:schemeClr val="tx1"/>
+                </a:solidFill>
+                <a:effectLst/>
+                <a:latin typeface="__fkGroteskNeue_598ab8"/>
+                <a:ea typeface="+mn-ea"/>
+                <a:cs typeface="+mn-cs"/>
+              </a:rPr>
+              <a:t>nil</a:t>
+            </a:r>
+          </a:p>
+          <a:p>
+            <a:pPr marL="0" algn="l" defTabSz="914400" rtl="0" eaLnBrk="1" latinLnBrk="0" hangingPunct="1">
+              <a:buFont typeface="+mj-lt"/>
+              <a:buNone/>
+            </a:pPr>
+            <a:r>
+              <a:rPr lang="en-US" sz="1200" b="0" i="1" kern="1200" dirty="0">
+                <a:solidFill>
+                  <a:schemeClr val="tx1"/>
+                </a:solidFill>
+                <a:effectLst/>
+                <a:latin typeface="__fkGroteskNeue_598ab8"/>
+                <a:ea typeface="+mn-ea"/>
+                <a:cs typeface="+mn-cs"/>
+              </a:rPr>
+              <a:t>A list is a sequence of either atoms or other lists separated by blanks and</a:t>
+            </a:r>
+          </a:p>
+          <a:p>
+            <a:pPr marL="0" algn="l" defTabSz="914400" rtl="0" eaLnBrk="1" latinLnBrk="0" hangingPunct="1">
+              <a:buFont typeface="+mj-lt"/>
+              <a:buNone/>
+            </a:pPr>
+            <a:r>
+              <a:rPr lang="en-US" sz="1200" b="0" i="1" kern="1200" dirty="0">
+                <a:solidFill>
+                  <a:schemeClr val="tx1"/>
+                </a:solidFill>
+                <a:effectLst/>
+                <a:latin typeface="__fkGroteskNeue_598ab8"/>
+                <a:ea typeface="+mn-ea"/>
+                <a:cs typeface="+mn-cs"/>
+              </a:rPr>
+              <a:t>enclosed in parentheses. Examples of lists include:</a:t>
+            </a:r>
+          </a:p>
+          <a:p>
+            <a:pPr marL="0" algn="l" defTabSz="914400" rtl="0" eaLnBrk="1" latinLnBrk="0" hangingPunct="1">
+              <a:buFont typeface="+mj-lt"/>
+              <a:buNone/>
+            </a:pPr>
+            <a:r>
+              <a:rPr lang="en-US" sz="1200" b="0" i="1" kern="1200" dirty="0">
+                <a:solidFill>
+                  <a:schemeClr val="tx1"/>
+                </a:solidFill>
+                <a:effectLst/>
+                <a:latin typeface="__fkGroteskNeue_598ab8"/>
+                <a:ea typeface="+mn-ea"/>
+                <a:cs typeface="+mn-cs"/>
+              </a:rPr>
+              <a:t>(1 2 3 4)</a:t>
+            </a:r>
+          </a:p>
+          <a:p>
+            <a:pPr marL="0" algn="l" defTabSz="914400" rtl="0" eaLnBrk="1" latinLnBrk="0" hangingPunct="1">
+              <a:buFont typeface="+mj-lt"/>
+              <a:buNone/>
+            </a:pPr>
+            <a:r>
+              <a:rPr lang="en-US" sz="1200" b="0" i="1" kern="1200" dirty="0">
+                <a:solidFill>
+                  <a:schemeClr val="tx1"/>
+                </a:solidFill>
+                <a:effectLst/>
+                <a:latin typeface="__fkGroteskNeue_598ab8"/>
+                <a:ea typeface="+mn-ea"/>
+                <a:cs typeface="+mn-cs"/>
+              </a:rPr>
+              <a:t>(</a:t>
+            </a:r>
+            <a:r>
+              <a:rPr lang="en-US" sz="1200" b="0" i="1" kern="1200" dirty="0" err="1">
+                <a:solidFill>
+                  <a:schemeClr val="tx1"/>
+                </a:solidFill>
+                <a:effectLst/>
+                <a:latin typeface="__fkGroteskNeue_598ab8"/>
+                <a:ea typeface="+mn-ea"/>
+                <a:cs typeface="+mn-cs"/>
+              </a:rPr>
+              <a:t>george</a:t>
+            </a:r>
+            <a:r>
+              <a:rPr lang="en-US" sz="1200" b="0" i="1" kern="1200" dirty="0">
+                <a:solidFill>
+                  <a:schemeClr val="tx1"/>
+                </a:solidFill>
+                <a:effectLst/>
+                <a:latin typeface="__fkGroteskNeue_598ab8"/>
+                <a:ea typeface="+mn-ea"/>
+                <a:cs typeface="+mn-cs"/>
+              </a:rPr>
+              <a:t> </a:t>
+            </a:r>
+            <a:r>
+              <a:rPr lang="en-US" sz="1200" b="0" i="1" kern="1200" dirty="0" err="1">
+                <a:solidFill>
+                  <a:schemeClr val="tx1"/>
+                </a:solidFill>
+                <a:effectLst/>
+                <a:latin typeface="__fkGroteskNeue_598ab8"/>
+                <a:ea typeface="+mn-ea"/>
+                <a:cs typeface="+mn-cs"/>
+              </a:rPr>
+              <a:t>kate</a:t>
+            </a:r>
+            <a:r>
+              <a:rPr lang="en-US" sz="1200" b="0" i="1" kern="1200" dirty="0">
+                <a:solidFill>
+                  <a:schemeClr val="tx1"/>
+                </a:solidFill>
+                <a:effectLst/>
+                <a:latin typeface="__fkGroteskNeue_598ab8"/>
+                <a:ea typeface="+mn-ea"/>
+                <a:cs typeface="+mn-cs"/>
+              </a:rPr>
+              <a:t> </a:t>
+            </a:r>
+            <a:r>
+              <a:rPr lang="en-US" sz="1200" b="0" i="1" kern="1200" dirty="0" err="1">
+                <a:solidFill>
+                  <a:schemeClr val="tx1"/>
+                </a:solidFill>
+                <a:effectLst/>
+                <a:latin typeface="__fkGroteskNeue_598ab8"/>
+                <a:ea typeface="+mn-ea"/>
+                <a:cs typeface="+mn-cs"/>
+              </a:rPr>
+              <a:t>james</a:t>
+            </a:r>
+            <a:r>
+              <a:rPr lang="en-US" sz="1200" b="0" i="1" kern="1200" dirty="0">
+                <a:solidFill>
+                  <a:schemeClr val="tx1"/>
+                </a:solidFill>
+                <a:effectLst/>
+                <a:latin typeface="__fkGroteskNeue_598ab8"/>
+                <a:ea typeface="+mn-ea"/>
+                <a:cs typeface="+mn-cs"/>
+              </a:rPr>
+              <a:t> </a:t>
+            </a:r>
+            <a:r>
+              <a:rPr lang="en-US" sz="1200" b="0" i="1" kern="1200" dirty="0" err="1">
+                <a:solidFill>
+                  <a:schemeClr val="tx1"/>
+                </a:solidFill>
+                <a:effectLst/>
+                <a:latin typeface="__fkGroteskNeue_598ab8"/>
+                <a:ea typeface="+mn-ea"/>
+                <a:cs typeface="+mn-cs"/>
+              </a:rPr>
+              <a:t>joyce</a:t>
+            </a:r>
+            <a:r>
+              <a:rPr lang="en-US" sz="1200" b="0" i="1" kern="1200" dirty="0">
+                <a:solidFill>
+                  <a:schemeClr val="tx1"/>
+                </a:solidFill>
+                <a:effectLst/>
+                <a:latin typeface="__fkGroteskNeue_598ab8"/>
+                <a:ea typeface="+mn-ea"/>
+                <a:cs typeface="+mn-cs"/>
+              </a:rPr>
+              <a:t>)</a:t>
+            </a:r>
+          </a:p>
+          <a:p>
+            <a:pPr marL="0" algn="l" defTabSz="914400" rtl="0" eaLnBrk="1" latinLnBrk="0" hangingPunct="1">
+              <a:buFont typeface="+mj-lt"/>
+              <a:buNone/>
+            </a:pPr>
+            <a:r>
+              <a:rPr lang="en-US" sz="1200" b="0" i="1" kern="1200" dirty="0">
+                <a:solidFill>
+                  <a:schemeClr val="tx1"/>
+                </a:solidFill>
+                <a:effectLst/>
+                <a:latin typeface="__fkGroteskNeue_598ab8"/>
+                <a:ea typeface="+mn-ea"/>
+                <a:cs typeface="+mn-cs"/>
+              </a:rPr>
+              <a:t>(a (b c) (d (e f)))</a:t>
+            </a:r>
+          </a:p>
+          <a:p>
+            <a:pPr marL="0" algn="l" defTabSz="914400" rtl="0" eaLnBrk="1" latinLnBrk="0" hangingPunct="1">
+              <a:buFont typeface="+mj-lt"/>
+              <a:buNone/>
+            </a:pPr>
+            <a:r>
+              <a:rPr lang="en-US" sz="1200" b="0" i="1" kern="1200" dirty="0">
+                <a:solidFill>
+                  <a:schemeClr val="tx1"/>
+                </a:solidFill>
+                <a:effectLst/>
+                <a:latin typeface="__fkGroteskNeue_598ab8"/>
+                <a:ea typeface="+mn-ea"/>
+                <a:cs typeface="+mn-cs"/>
+              </a:rPr>
+              <a:t>()</a:t>
+            </a:r>
+          </a:p>
+          <a:p>
+            <a:pPr marL="0" algn="l" defTabSz="914400" rtl="0" eaLnBrk="1" latinLnBrk="0" hangingPunct="1">
+              <a:buFont typeface="+mj-lt"/>
+              <a:buNone/>
+            </a:pPr>
+            <a:r>
+              <a:rPr lang="en-US" sz="1200" b="0" i="1" kern="1200" dirty="0">
+                <a:solidFill>
+                  <a:schemeClr val="tx1"/>
+                </a:solidFill>
+                <a:effectLst/>
+                <a:latin typeface="__fkGroteskNeue_598ab8"/>
+                <a:ea typeface="+mn-ea"/>
+                <a:cs typeface="+mn-cs"/>
+              </a:rPr>
+              <a:t>Note that lists may be elements of lists. This nesting may be arbitrarily deep and allows us to create symbol structures of any desired form and</a:t>
+            </a:r>
+          </a:p>
+          <a:p>
+            <a:pPr marL="0" algn="l" defTabSz="914400" rtl="0" eaLnBrk="1" latinLnBrk="0" hangingPunct="1">
+              <a:buFont typeface="+mj-lt"/>
+              <a:buNone/>
+            </a:pPr>
+            <a:r>
+              <a:rPr lang="en-US" sz="1200" b="0" i="1" kern="1200" dirty="0">
+                <a:solidFill>
+                  <a:schemeClr val="tx1"/>
+                </a:solidFill>
+                <a:effectLst/>
+                <a:latin typeface="__fkGroteskNeue_598ab8"/>
+                <a:ea typeface="+mn-ea"/>
+                <a:cs typeface="+mn-cs"/>
+              </a:rPr>
+              <a:t>complexity. The empty list, “()”, plays a special role in the construction</a:t>
+            </a:r>
+          </a:p>
+          <a:p>
+            <a:pPr marL="0" algn="l" defTabSz="914400" rtl="0" eaLnBrk="1" latinLnBrk="0" hangingPunct="1">
+              <a:buFont typeface="+mj-lt"/>
+              <a:buNone/>
+            </a:pPr>
+            <a:r>
+              <a:rPr lang="en-US" sz="1200" b="0" i="1" kern="1200" dirty="0">
+                <a:solidFill>
+                  <a:schemeClr val="tx1"/>
+                </a:solidFill>
+                <a:effectLst/>
+                <a:latin typeface="__fkGroteskNeue_598ab8"/>
+                <a:ea typeface="+mn-ea"/>
+                <a:cs typeface="+mn-cs"/>
+              </a:rPr>
+              <a:t>and manipulation of Lisp data structures and is given the special name</a:t>
+            </a:r>
+          </a:p>
+          <a:p>
+            <a:pPr marL="0" algn="l" defTabSz="914400" rtl="0" eaLnBrk="1" latinLnBrk="0" hangingPunct="1">
+              <a:buFont typeface="+mj-lt"/>
+              <a:buNone/>
+            </a:pPr>
+            <a:r>
+              <a:rPr lang="en-US" sz="1200" b="0" i="1" kern="1200" dirty="0">
+                <a:solidFill>
+                  <a:schemeClr val="tx1"/>
+                </a:solidFill>
+                <a:effectLst/>
+                <a:latin typeface="__fkGroteskNeue_598ab8"/>
+                <a:ea typeface="+mn-ea"/>
+                <a:cs typeface="+mn-cs"/>
+              </a:rPr>
+              <a:t>nil. nil is the only s-expression that is considered to be both an atom</a:t>
+            </a:r>
+          </a:p>
+          <a:p>
+            <a:pPr marL="0" algn="l" defTabSz="914400" rtl="0" eaLnBrk="1" latinLnBrk="0" hangingPunct="1">
+              <a:buFont typeface="+mj-lt"/>
+              <a:buNone/>
+            </a:pPr>
+            <a:r>
+              <a:rPr lang="en-US" sz="1200" b="0" i="1" kern="1200" dirty="0">
+                <a:solidFill>
+                  <a:schemeClr val="tx1"/>
+                </a:solidFill>
+                <a:effectLst/>
+                <a:latin typeface="__fkGroteskNeue_598ab8"/>
+                <a:ea typeface="+mn-ea"/>
+                <a:cs typeface="+mn-cs"/>
+              </a:rPr>
+              <a:t>and a list. Lists are extremely flexible tools for constructing</a:t>
+            </a:r>
+          </a:p>
+          <a:p>
+            <a:pPr marL="0" algn="l" defTabSz="914400" rtl="0" eaLnBrk="1" latinLnBrk="0" hangingPunct="1">
+              <a:buFont typeface="+mj-lt"/>
+              <a:buNone/>
+            </a:pPr>
+            <a:r>
+              <a:rPr lang="en-US" sz="1200" b="0" i="1" kern="1200" dirty="0">
+                <a:solidFill>
+                  <a:schemeClr val="tx1"/>
+                </a:solidFill>
+                <a:effectLst/>
+                <a:latin typeface="__fkGroteskNeue_598ab8"/>
+                <a:ea typeface="+mn-ea"/>
+                <a:cs typeface="+mn-cs"/>
+              </a:rPr>
+              <a:t>representational structures</a:t>
+            </a:r>
+            <a:endParaRPr lang="en-AU" sz="1200" b="0" i="1" kern="1200" dirty="0">
+              <a:solidFill>
+                <a:schemeClr val="tx1"/>
+              </a:solidFill>
+              <a:effectLst/>
+              <a:latin typeface="__fkGroteskNeue_598ab8"/>
+              <a:ea typeface="+mn-ea"/>
+              <a:cs typeface="+mn-cs"/>
+            </a:endParaRPr>
           </a:p>
         </p:txBody>
       </p:sp>
@@ -5179,7 +5532,7 @@
           <a:p>
             <a:fld id="{00408CB8-53A8-44F3-9451-039450E51793}" type="slidenum">
               <a:rPr lang="en-AU" smtClean="0"/>
-              <a:t>22</a:t>
+              <a:t>21</a:t>
             </a:fld>
             <a:endParaRPr lang="en-AU"/>
           </a:p>
@@ -5242,6 +5595,660 @@
           <a:bodyPr/>
           <a:lstStyle/>
           <a:p>
+            <a:pPr marL="0" algn="l" defTabSz="914400" rtl="0" eaLnBrk="1" latinLnBrk="0" hangingPunct="1">
+              <a:buFont typeface="+mj-lt"/>
+              <a:buNone/>
+            </a:pPr>
+            <a:r>
+              <a:rPr lang="en-US" sz="1200" b="0" i="1" kern="1200" dirty="0">
+                <a:solidFill>
+                  <a:schemeClr val="tx1"/>
+                </a:solidFill>
+                <a:effectLst/>
+                <a:latin typeface="__fkGroteskNeue_598ab8"/>
+                <a:ea typeface="+mn-ea"/>
+                <a:cs typeface="+mn-cs"/>
+              </a:rPr>
+              <a:t>Process to evaluate an S-expression:</a:t>
+            </a:r>
+          </a:p>
+          <a:p>
+            <a:pPr marL="0" algn="l" defTabSz="914400" rtl="0" eaLnBrk="1" latinLnBrk="0" hangingPunct="1">
+              <a:buFont typeface="+mj-lt"/>
+              <a:buNone/>
+            </a:pPr>
+            <a:r>
+              <a:rPr lang="en-US" sz="1200" b="0" i="1" kern="1200" dirty="0">
+                <a:solidFill>
+                  <a:schemeClr val="tx1"/>
+                </a:solidFill>
+                <a:effectLst/>
+                <a:latin typeface="__fkGroteskNeue_598ab8"/>
+                <a:ea typeface="+mn-ea"/>
+                <a:cs typeface="+mn-cs"/>
+              </a:rPr>
+              <a:t>a) If the S-expression is an atom:</a:t>
+            </a:r>
+          </a:p>
+          <a:p>
+            <a:pPr marL="0" algn="l" defTabSz="914400" rtl="0" eaLnBrk="1" latinLnBrk="0" hangingPunct="1">
+              <a:buFont typeface="+mj-lt"/>
+              <a:buNone/>
+            </a:pPr>
+            <a:r>
+              <a:rPr lang="en-US" sz="1200" b="0" i="1" kern="1200" dirty="0">
+                <a:solidFill>
+                  <a:schemeClr val="tx1"/>
+                </a:solidFill>
+                <a:effectLst/>
+                <a:latin typeface="__fkGroteskNeue_598ab8"/>
+                <a:ea typeface="+mn-ea"/>
+                <a:cs typeface="+mn-cs"/>
+              </a:rPr>
+              <a:t>If it's a number or string, return its value</a:t>
+            </a:r>
+          </a:p>
+          <a:p>
+            <a:pPr marL="0" algn="l" defTabSz="914400" rtl="0" eaLnBrk="1" latinLnBrk="0" hangingPunct="1">
+              <a:buFont typeface="+mj-lt"/>
+              <a:buNone/>
+            </a:pPr>
+            <a:r>
+              <a:rPr lang="en-US" sz="1200" b="0" i="1" kern="1200" dirty="0">
+                <a:solidFill>
+                  <a:schemeClr val="tx1"/>
+                </a:solidFill>
+                <a:effectLst/>
+                <a:latin typeface="__fkGroteskNeue_598ab8"/>
+                <a:ea typeface="+mn-ea"/>
+                <a:cs typeface="+mn-cs"/>
+              </a:rPr>
+              <a:t>If it's a symbol, return the value bound to that symbol</a:t>
+            </a:r>
+          </a:p>
+          <a:p>
+            <a:pPr marL="0" algn="l" defTabSz="914400" rtl="0" eaLnBrk="1" latinLnBrk="0" hangingPunct="1">
+              <a:buFont typeface="+mj-lt"/>
+              <a:buNone/>
+            </a:pPr>
+            <a:r>
+              <a:rPr lang="en-US" sz="1200" b="0" i="1" kern="1200" dirty="0">
+                <a:solidFill>
+                  <a:schemeClr val="tx1"/>
+                </a:solidFill>
+                <a:effectLst/>
+                <a:latin typeface="__fkGroteskNeue_598ab8"/>
+                <a:ea typeface="+mn-ea"/>
+                <a:cs typeface="+mn-cs"/>
+              </a:rPr>
+              <a:t>b) If the S-expression is a list:</a:t>
+            </a:r>
+          </a:p>
+          <a:p>
+            <a:pPr marL="0" algn="l" defTabSz="914400" rtl="0" eaLnBrk="1" latinLnBrk="0" hangingPunct="1">
+              <a:buFont typeface="+mj-lt"/>
+              <a:buNone/>
+            </a:pPr>
+            <a:r>
+              <a:rPr lang="en-US" sz="1200" b="0" i="1" kern="1200" dirty="0">
+                <a:solidFill>
+                  <a:schemeClr val="tx1"/>
+                </a:solidFill>
+                <a:effectLst/>
+                <a:latin typeface="__fkGroteskNeue_598ab8"/>
+                <a:ea typeface="+mn-ea"/>
+                <a:cs typeface="+mn-cs"/>
+              </a:rPr>
+              <a:t>Evaluate the first element (usually a function or special form)</a:t>
+            </a:r>
+          </a:p>
+          <a:p>
+            <a:pPr marL="0" algn="l" defTabSz="914400" rtl="0" eaLnBrk="1" latinLnBrk="0" hangingPunct="1">
+              <a:buFont typeface="+mj-lt"/>
+              <a:buNone/>
+            </a:pPr>
+            <a:r>
+              <a:rPr lang="en-US" sz="1200" b="0" i="1" kern="1200" dirty="0">
+                <a:solidFill>
+                  <a:schemeClr val="tx1"/>
+                </a:solidFill>
+                <a:effectLst/>
+                <a:latin typeface="__fkGroteskNeue_598ab8"/>
+                <a:ea typeface="+mn-ea"/>
+                <a:cs typeface="+mn-cs"/>
+              </a:rPr>
+              <a:t>If it's a function:</a:t>
+            </a:r>
+          </a:p>
+          <a:p>
+            <a:pPr marL="0" algn="l" defTabSz="914400" rtl="0" eaLnBrk="1" latinLnBrk="0" hangingPunct="1">
+              <a:buFont typeface="+mj-lt"/>
+              <a:buNone/>
+            </a:pPr>
+            <a:r>
+              <a:rPr lang="en-US" sz="1200" b="0" i="1" kern="1200" dirty="0">
+                <a:solidFill>
+                  <a:schemeClr val="tx1"/>
+                </a:solidFill>
+                <a:effectLst/>
+                <a:latin typeface="__fkGroteskNeue_598ab8"/>
+                <a:ea typeface="+mn-ea"/>
+                <a:cs typeface="+mn-cs"/>
+              </a:rPr>
+              <a:t>Evaluate all the arguments (recursively applying these rules)</a:t>
+            </a:r>
+          </a:p>
+          <a:p>
+            <a:pPr marL="0" algn="l" defTabSz="914400" rtl="0" eaLnBrk="1" latinLnBrk="0" hangingPunct="1">
+              <a:buFont typeface="+mj-lt"/>
+              <a:buNone/>
+            </a:pPr>
+            <a:r>
+              <a:rPr lang="en-US" sz="1200" b="0" i="1" kern="1200" dirty="0">
+                <a:solidFill>
+                  <a:schemeClr val="tx1"/>
+                </a:solidFill>
+                <a:effectLst/>
+                <a:latin typeface="__fkGroteskNeue_598ab8"/>
+                <a:ea typeface="+mn-ea"/>
+                <a:cs typeface="+mn-cs"/>
+              </a:rPr>
+              <a:t>Apply the function to the evaluated arguments</a:t>
+            </a:r>
+          </a:p>
+          <a:p>
+            <a:pPr marL="0" algn="l" defTabSz="914400" rtl="0" eaLnBrk="1" latinLnBrk="0" hangingPunct="1">
+              <a:buFont typeface="+mj-lt"/>
+              <a:buNone/>
+            </a:pPr>
+            <a:r>
+              <a:rPr lang="en-US" sz="1200" b="0" i="1" kern="1200" dirty="0">
+                <a:solidFill>
+                  <a:schemeClr val="tx1"/>
+                </a:solidFill>
+                <a:effectLst/>
+                <a:latin typeface="__fkGroteskNeue_598ab8"/>
+                <a:ea typeface="+mn-ea"/>
+                <a:cs typeface="+mn-cs"/>
+              </a:rPr>
+              <a:t>If it's a special form (like if, define, quote):</a:t>
+            </a:r>
+          </a:p>
+          <a:p>
+            <a:pPr marL="0" algn="l" defTabSz="914400" rtl="0" eaLnBrk="1" latinLnBrk="0" hangingPunct="1">
+              <a:buFont typeface="+mj-lt"/>
+              <a:buNone/>
+            </a:pPr>
+            <a:r>
+              <a:rPr lang="en-US" sz="1200" b="0" i="1" kern="1200" dirty="0">
+                <a:solidFill>
+                  <a:schemeClr val="tx1"/>
+                </a:solidFill>
+                <a:effectLst/>
+                <a:latin typeface="__fkGroteskNeue_598ab8"/>
+                <a:ea typeface="+mn-ea"/>
+                <a:cs typeface="+mn-cs"/>
+              </a:rPr>
+              <a:t>Follow the specific evaluation rules for that special form</a:t>
+            </a:r>
+          </a:p>
+          <a:p>
+            <a:pPr marL="0" algn="l" defTabSz="914400" rtl="0" eaLnBrk="1" latinLnBrk="0" hangingPunct="1">
+              <a:buFont typeface="+mj-lt"/>
+              <a:buNone/>
+            </a:pPr>
+            <a:r>
+              <a:rPr lang="en-US" sz="1200" b="0" i="1" kern="1200" dirty="0">
+                <a:solidFill>
+                  <a:schemeClr val="tx1"/>
+                </a:solidFill>
+                <a:effectLst/>
+                <a:latin typeface="__fkGroteskNeue_598ab8"/>
+                <a:ea typeface="+mn-ea"/>
+                <a:cs typeface="+mn-cs"/>
+              </a:rPr>
+              <a:t>c) Return the result</a:t>
+            </a:r>
+          </a:p>
+          <a:p>
+            <a:pPr marL="0" algn="l" defTabSz="914400" rtl="0" eaLnBrk="1" latinLnBrk="0" hangingPunct="1">
+              <a:buFont typeface="+mj-lt"/>
+              <a:buNone/>
+            </a:pPr>
+            <a:endParaRPr lang="en-US" sz="1200" b="0" i="1" kern="1200" dirty="0">
+              <a:solidFill>
+                <a:schemeClr val="tx1"/>
+              </a:solidFill>
+              <a:effectLst/>
+              <a:latin typeface="__fkGroteskNeue_598ab8"/>
+              <a:ea typeface="+mn-ea"/>
+              <a:cs typeface="+mn-cs"/>
+            </a:endParaRPr>
+          </a:p>
+          <a:p>
+            <a:pPr marL="0" algn="l" defTabSz="914400" rtl="0" eaLnBrk="1" latinLnBrk="0" hangingPunct="1">
+              <a:buFont typeface="+mj-lt"/>
+              <a:buNone/>
+            </a:pPr>
+            <a:endParaRPr lang="en-US" sz="1200" b="0" i="1" kern="1200" dirty="0">
+              <a:solidFill>
+                <a:schemeClr val="tx1"/>
+              </a:solidFill>
+              <a:effectLst/>
+              <a:latin typeface="__fkGroteskNeue_598ab8"/>
+              <a:ea typeface="+mn-ea"/>
+              <a:cs typeface="+mn-cs"/>
+            </a:endParaRPr>
+          </a:p>
+          <a:p>
+            <a:pPr marL="0" algn="l" defTabSz="914400" rtl="0" eaLnBrk="1" latinLnBrk="0" hangingPunct="1">
+              <a:buFont typeface="+mj-lt"/>
+              <a:buNone/>
+            </a:pPr>
+            <a:endParaRPr lang="en-US" sz="1200" b="0" i="1" kern="1200" dirty="0">
+              <a:solidFill>
+                <a:schemeClr val="tx1"/>
+              </a:solidFill>
+              <a:effectLst/>
+              <a:latin typeface="__fkGroteskNeue_598ab8"/>
+              <a:ea typeface="+mn-ea"/>
+              <a:cs typeface="+mn-cs"/>
+            </a:endParaRPr>
+          </a:p>
+          <a:p>
+            <a:pPr marL="0" algn="l" defTabSz="914400" rtl="0" eaLnBrk="1" latinLnBrk="0" hangingPunct="1">
+              <a:buFont typeface="+mj-lt"/>
+              <a:buNone/>
+            </a:pPr>
+            <a:r>
+              <a:rPr lang="en-US" sz="1200" b="0" i="1" kern="1200" dirty="0">
+                <a:solidFill>
+                  <a:schemeClr val="tx1"/>
+                </a:solidFill>
+                <a:effectLst/>
+                <a:latin typeface="__fkGroteskNeue_598ab8"/>
+                <a:ea typeface="+mn-ea"/>
+                <a:cs typeface="+mn-cs"/>
+              </a:rPr>
+              <a:t>Evaluate the outermost expression (+):</a:t>
+            </a:r>
+          </a:p>
+          <a:p>
+            <a:pPr marL="0" algn="l" defTabSz="914400" rtl="0" eaLnBrk="1" latinLnBrk="0" hangingPunct="1">
+              <a:buFont typeface="+mj-lt"/>
+              <a:buNone/>
+            </a:pPr>
+            <a:r>
+              <a:rPr lang="en-US" sz="1200" b="0" i="1" kern="1200" dirty="0">
+                <a:solidFill>
+                  <a:schemeClr val="tx1"/>
+                </a:solidFill>
+                <a:effectLst/>
+                <a:latin typeface="__fkGroteskNeue_598ab8"/>
+                <a:ea typeface="+mn-ea"/>
+                <a:cs typeface="+mn-cs"/>
+              </a:rPr>
+              <a:t>It's the addition function</a:t>
+            </a:r>
+          </a:p>
+          <a:p>
+            <a:pPr marL="0" algn="l" defTabSz="914400" rtl="0" eaLnBrk="1" latinLnBrk="0" hangingPunct="1">
+              <a:buFont typeface="+mj-lt"/>
+              <a:buNone/>
+            </a:pPr>
+            <a:r>
+              <a:rPr lang="en-US" sz="1200" b="0" i="1" kern="1200" dirty="0">
+                <a:solidFill>
+                  <a:schemeClr val="tx1"/>
+                </a:solidFill>
+                <a:effectLst/>
+                <a:latin typeface="__fkGroteskNeue_598ab8"/>
+                <a:ea typeface="+mn-ea"/>
+                <a:cs typeface="+mn-cs"/>
+              </a:rPr>
+              <a:t>Evaluate the first argument (* 2 3):</a:t>
+            </a:r>
+          </a:p>
+          <a:p>
+            <a:pPr marL="0" algn="l" defTabSz="914400" rtl="0" eaLnBrk="1" latinLnBrk="0" hangingPunct="1">
+              <a:buFont typeface="+mj-lt"/>
+              <a:buNone/>
+            </a:pPr>
+            <a:r>
+              <a:rPr lang="en-US" sz="1200" b="0" i="1" kern="1200" dirty="0">
+                <a:solidFill>
+                  <a:schemeClr val="tx1"/>
+                </a:solidFill>
+                <a:effectLst/>
+                <a:latin typeface="__fkGroteskNeue_598ab8"/>
+                <a:ea typeface="+mn-ea"/>
+                <a:cs typeface="+mn-cs"/>
+              </a:rPr>
+              <a:t>a. Evaluate (*): it's the multiplication function</a:t>
+            </a:r>
+          </a:p>
+          <a:p>
+            <a:pPr marL="0" algn="l" defTabSz="914400" rtl="0" eaLnBrk="1" latinLnBrk="0" hangingPunct="1">
+              <a:buFont typeface="+mj-lt"/>
+              <a:buNone/>
+            </a:pPr>
+            <a:r>
+              <a:rPr lang="en-US" sz="1200" b="0" i="1" kern="1200" dirty="0">
+                <a:solidFill>
+                  <a:schemeClr val="tx1"/>
+                </a:solidFill>
+                <a:effectLst/>
+                <a:latin typeface="__fkGroteskNeue_598ab8"/>
+                <a:ea typeface="+mn-ea"/>
+                <a:cs typeface="+mn-cs"/>
+              </a:rPr>
+              <a:t>b. Evaluate 2: it's 2</a:t>
+            </a:r>
+          </a:p>
+          <a:p>
+            <a:pPr marL="0" algn="l" defTabSz="914400" rtl="0" eaLnBrk="1" latinLnBrk="0" hangingPunct="1">
+              <a:buFont typeface="+mj-lt"/>
+              <a:buNone/>
+            </a:pPr>
+            <a:r>
+              <a:rPr lang="en-US" sz="1200" b="0" i="1" kern="1200" dirty="0">
+                <a:solidFill>
+                  <a:schemeClr val="tx1"/>
+                </a:solidFill>
+                <a:effectLst/>
+                <a:latin typeface="__fkGroteskNeue_598ab8"/>
+                <a:ea typeface="+mn-ea"/>
+                <a:cs typeface="+mn-cs"/>
+              </a:rPr>
+              <a:t>c. Evaluate 3: it's 3</a:t>
+            </a:r>
+          </a:p>
+          <a:p>
+            <a:pPr marL="0" algn="l" defTabSz="914400" rtl="0" eaLnBrk="1" latinLnBrk="0" hangingPunct="1">
+              <a:buFont typeface="+mj-lt"/>
+              <a:buNone/>
+            </a:pPr>
+            <a:r>
+              <a:rPr lang="en-US" sz="1200" b="0" i="1" kern="1200" dirty="0">
+                <a:solidFill>
+                  <a:schemeClr val="tx1"/>
+                </a:solidFill>
+                <a:effectLst/>
+                <a:latin typeface="__fkGroteskNeue_598ab8"/>
+                <a:ea typeface="+mn-ea"/>
+                <a:cs typeface="+mn-cs"/>
+              </a:rPr>
+              <a:t>d. Apply *: 2 * 3 = 6</a:t>
+            </a:r>
+          </a:p>
+          <a:p>
+            <a:pPr marL="0" algn="l" defTabSz="914400" rtl="0" eaLnBrk="1" latinLnBrk="0" hangingPunct="1">
+              <a:buFont typeface="+mj-lt"/>
+              <a:buNone/>
+            </a:pPr>
+            <a:r>
+              <a:rPr lang="en-US" sz="1200" b="0" i="1" kern="1200" dirty="0">
+                <a:solidFill>
+                  <a:schemeClr val="tx1"/>
+                </a:solidFill>
+                <a:effectLst/>
+                <a:latin typeface="__fkGroteskNeue_598ab8"/>
+                <a:ea typeface="+mn-ea"/>
+                <a:cs typeface="+mn-cs"/>
+              </a:rPr>
+              <a:t>Evaluate the second argument (* 3 5):</a:t>
+            </a:r>
+          </a:p>
+          <a:p>
+            <a:pPr marL="0" algn="l" defTabSz="914400" rtl="0" eaLnBrk="1" latinLnBrk="0" hangingPunct="1">
+              <a:buFont typeface="+mj-lt"/>
+              <a:buNone/>
+            </a:pPr>
+            <a:r>
+              <a:rPr lang="en-US" sz="1200" b="0" i="1" kern="1200" dirty="0">
+                <a:solidFill>
+                  <a:schemeClr val="tx1"/>
+                </a:solidFill>
+                <a:effectLst/>
+                <a:latin typeface="__fkGroteskNeue_598ab8"/>
+                <a:ea typeface="+mn-ea"/>
+                <a:cs typeface="+mn-cs"/>
+              </a:rPr>
+              <a:t>a. Evaluate (*): it's the multiplication function</a:t>
+            </a:r>
+          </a:p>
+          <a:p>
+            <a:pPr marL="0" algn="l" defTabSz="914400" rtl="0" eaLnBrk="1" latinLnBrk="0" hangingPunct="1">
+              <a:buFont typeface="+mj-lt"/>
+              <a:buNone/>
+            </a:pPr>
+            <a:r>
+              <a:rPr lang="en-US" sz="1200" b="0" i="1" kern="1200" dirty="0">
+                <a:solidFill>
+                  <a:schemeClr val="tx1"/>
+                </a:solidFill>
+                <a:effectLst/>
+                <a:latin typeface="__fkGroteskNeue_598ab8"/>
+                <a:ea typeface="+mn-ea"/>
+                <a:cs typeface="+mn-cs"/>
+              </a:rPr>
+              <a:t>b. Evaluate 3: it's 3</a:t>
+            </a:r>
+          </a:p>
+          <a:p>
+            <a:pPr marL="0" algn="l" defTabSz="914400" rtl="0" eaLnBrk="1" latinLnBrk="0" hangingPunct="1">
+              <a:buFont typeface="+mj-lt"/>
+              <a:buNone/>
+            </a:pPr>
+            <a:r>
+              <a:rPr lang="en-US" sz="1200" b="0" i="1" kern="1200" dirty="0">
+                <a:solidFill>
+                  <a:schemeClr val="tx1"/>
+                </a:solidFill>
+                <a:effectLst/>
+                <a:latin typeface="__fkGroteskNeue_598ab8"/>
+                <a:ea typeface="+mn-ea"/>
+                <a:cs typeface="+mn-cs"/>
+              </a:rPr>
+              <a:t>c. Evaluate 5: it's 5</a:t>
+            </a:r>
+          </a:p>
+          <a:p>
+            <a:pPr marL="0" algn="l" defTabSz="914400" rtl="0" eaLnBrk="1" latinLnBrk="0" hangingPunct="1">
+              <a:buFont typeface="+mj-lt"/>
+              <a:buNone/>
+            </a:pPr>
+            <a:r>
+              <a:rPr lang="en-US" sz="1200" b="0" i="1" kern="1200" dirty="0">
+                <a:solidFill>
+                  <a:schemeClr val="tx1"/>
+                </a:solidFill>
+                <a:effectLst/>
+                <a:latin typeface="__fkGroteskNeue_598ab8"/>
+                <a:ea typeface="+mn-ea"/>
+                <a:cs typeface="+mn-cs"/>
+              </a:rPr>
+              <a:t>d. Apply *: 3 * 5 = 15</a:t>
+            </a:r>
+          </a:p>
+          <a:p>
+            <a:pPr marL="0" algn="l" defTabSz="914400" rtl="0" eaLnBrk="1" latinLnBrk="0" hangingPunct="1">
+              <a:buFont typeface="+mj-lt"/>
+              <a:buNone/>
+            </a:pPr>
+            <a:r>
+              <a:rPr lang="en-US" sz="1200" b="0" i="1" kern="1200" dirty="0">
+                <a:solidFill>
+                  <a:schemeClr val="tx1"/>
+                </a:solidFill>
+                <a:effectLst/>
+                <a:latin typeface="__fkGroteskNeue_598ab8"/>
+                <a:ea typeface="+mn-ea"/>
+                <a:cs typeface="+mn-cs"/>
+              </a:rPr>
+              <a:t>Now we have (+ 6 15)</a:t>
+            </a:r>
+          </a:p>
+          <a:p>
+            <a:pPr marL="0" algn="l" defTabSz="914400" rtl="0" eaLnBrk="1" latinLnBrk="0" hangingPunct="1">
+              <a:buFont typeface="+mj-lt"/>
+              <a:buNone/>
+            </a:pPr>
+            <a:r>
+              <a:rPr lang="en-US" sz="1200" b="0" i="1" kern="1200" dirty="0">
+                <a:solidFill>
+                  <a:schemeClr val="tx1"/>
+                </a:solidFill>
+                <a:effectLst/>
+                <a:latin typeface="__fkGroteskNeue_598ab8"/>
+                <a:ea typeface="+mn-ea"/>
+                <a:cs typeface="+mn-cs"/>
+              </a:rPr>
+              <a:t>Apply + to the results: 6 + 15 = 21</a:t>
+            </a:r>
+          </a:p>
+          <a:p>
+            <a:pPr marL="0" algn="l" defTabSz="914400" rtl="0" eaLnBrk="1" latinLnBrk="0" hangingPunct="1">
+              <a:buFont typeface="+mj-lt"/>
+              <a:buNone/>
+            </a:pPr>
+            <a:r>
+              <a:rPr lang="en-US" sz="1200" b="0" i="1" kern="1200" dirty="0">
+                <a:solidFill>
+                  <a:schemeClr val="tx1"/>
+                </a:solidFill>
+                <a:effectLst/>
+                <a:latin typeface="__fkGroteskNeue_598ab8"/>
+                <a:ea typeface="+mn-ea"/>
+                <a:cs typeface="+mn-cs"/>
+              </a:rPr>
+              <a:t>Return 21</a:t>
+            </a:r>
+          </a:p>
+          <a:p>
+            <a:pPr marL="0" algn="l" defTabSz="914400" rtl="0" eaLnBrk="1" latinLnBrk="0" hangingPunct="1">
+              <a:buFont typeface="+mj-lt"/>
+              <a:buNone/>
+            </a:pPr>
+            <a:r>
+              <a:rPr lang="en-US" sz="1200" b="0" i="1" kern="1200" dirty="0">
+                <a:solidFill>
+                  <a:schemeClr val="tx1"/>
+                </a:solidFill>
+                <a:effectLst/>
+                <a:latin typeface="__fkGroteskNeue_598ab8"/>
+                <a:ea typeface="+mn-ea"/>
+                <a:cs typeface="+mn-cs"/>
+              </a:rPr>
+              <a:t>So, the final result of evaluating (+ (* 2 3) (* 3 5)) is 21.</a:t>
+            </a:r>
+          </a:p>
+          <a:p>
+            <a:pPr marL="0" algn="l" defTabSz="914400" rtl="0" eaLnBrk="1" latinLnBrk="0" hangingPunct="1">
+              <a:buFont typeface="+mj-lt"/>
+              <a:buNone/>
+            </a:pPr>
+            <a:r>
+              <a:rPr lang="en-US" sz="1200" b="0" i="1" kern="1200" dirty="0">
+                <a:solidFill>
+                  <a:schemeClr val="tx1"/>
+                </a:solidFill>
+                <a:effectLst/>
+                <a:latin typeface="__fkGroteskNeue_598ab8"/>
+                <a:ea typeface="+mn-ea"/>
+                <a:cs typeface="+mn-cs"/>
+              </a:rPr>
+              <a:t>This example demonstrates how S-expressions are evaluated recursively, with inner expressions being evaluated before outer ones, and how the results are passed up the expression tree until the final result is computed.</a:t>
+            </a:r>
+          </a:p>
+          <a:p>
+            <a:endParaRPr lang="en-US" dirty="0"/>
+          </a:p>
+          <a:p>
+            <a:endParaRPr lang="en-AU" dirty="0"/>
+          </a:p>
+        </p:txBody>
+      </p:sp>
+      <p:sp>
+        <p:nvSpPr>
+          <p:cNvPr id="4" name="Slide Number Placeholder 3"/>
+          <p:cNvSpPr>
+            <a:spLocks noGrp="1"/>
+          </p:cNvSpPr>
+          <p:nvPr>
+            <p:ph type="sldNum" sz="quarter" idx="5"/>
+          </p:nvPr>
+        </p:nvSpPr>
+        <p:spPr/>
+        <p:txBody>
+          <a:bodyPr/>
+          <a:lstStyle/>
+          <a:p>
+            <a:fld id="{00408CB8-53A8-44F3-9451-039450E51793}" type="slidenum">
+              <a:rPr lang="en-AU" smtClean="0"/>
+              <a:t>22</a:t>
+            </a:fld>
+            <a:endParaRPr lang="en-AU"/>
+          </a:p>
+        </p:txBody>
+      </p:sp>
+    </p:spTree>
+    <p:extLst>
+      <p:ext uri="{BB962C8B-B14F-4D97-AF65-F5344CB8AC3E}">
+        <p14:creationId xmlns:p14="http://schemas.microsoft.com/office/powerpoint/2010/main" val="3106838823"/>
+      </p:ext>
+    </p:extLst>
+  </p:cSld>
+  <p:clrMapOvr>
+    <a:masterClrMapping/>
+  </p:clrMapOvr>
+</p:notes>
+</file>
+
+<file path=ppt/notesSlides/notesSlide22.xml><?xml version="1.0" encoding="utf-8"?>
+<p:notes xmlns:a="http://schemas.openxmlformats.org/drawingml/2006/main" xmlns:r="http://schemas.openxmlformats.org/officeDocument/2006/relationships" xmlns:p="http://schemas.openxmlformats.org/presentationml/2006/main">
+  <p:cSld>
+    <p:spTree>
+      <p:nvGrpSpPr>
+        <p:cNvPr id="1" name=""/>
+        <p:cNvGrpSpPr/>
+        <p:nvPr/>
+      </p:nvGrpSpPr>
+      <p:grpSpPr>
+        <a:xfrm>
+          <a:off x="0" y="0"/>
+          <a:ext cx="0" cy="0"/>
+          <a:chOff x="0" y="0"/>
+          <a:chExt cx="0" cy="0"/>
+        </a:xfrm>
+      </p:grpSpPr>
+      <p:sp>
+        <p:nvSpPr>
+          <p:cNvPr id="2" name="Slide Image Placeholder 1"/>
+          <p:cNvSpPr>
+            <a:spLocks noGrp="1" noRot="1" noChangeAspect="1"/>
+          </p:cNvSpPr>
+          <p:nvPr>
+            <p:ph type="sldImg"/>
+          </p:nvPr>
+        </p:nvSpPr>
+        <p:spPr/>
+      </p:sp>
+      <p:sp>
+        <p:nvSpPr>
+          <p:cNvPr id="3" name="Notes Placeholder 2"/>
+          <p:cNvSpPr>
+            <a:spLocks noGrp="1"/>
+          </p:cNvSpPr>
+          <p:nvPr>
+            <p:ph type="body" idx="1"/>
+          </p:nvPr>
+        </p:nvSpPr>
+        <p:spPr/>
+        <p:txBody>
+          <a:bodyPr/>
+          <a:lstStyle/>
+          <a:p>
             <a:r>
               <a:rPr lang="en-AU" dirty="0"/>
               <a:t>Link :</a:t>
@@ -5335,130 +6342,130 @@
           <a:bodyPr/>
           <a:lstStyle/>
           <a:p>
-            <a:pPr algn="l">
-              <a:buFont typeface="Arial" panose="020B0604020202020204" pitchFamily="34" charset="0"/>
-              <a:buChar char="•"/>
+            <a:pPr marL="0" algn="l" defTabSz="914400" rtl="0" eaLnBrk="1" latinLnBrk="0" hangingPunct="1">
+              <a:buFont typeface="+mj-lt"/>
+              <a:buNone/>
             </a:pPr>
             <a:r>
-              <a:rPr lang="en-US" b="0" i="0" dirty="0">
+              <a:rPr lang="en-US" sz="1200" b="0" i="1" kern="1200" dirty="0">
+                <a:solidFill>
+                  <a:schemeClr val="tx1"/>
+                </a:solidFill>
                 <a:effectLst/>
                 <a:latin typeface="__fkGroteskNeue_598ab8"/>
+                <a:ea typeface="+mn-ea"/>
+                <a:cs typeface="+mn-cs"/>
               </a:rPr>
-              <a:t>In this LISP </a:t>
-            </a:r>
-            <a:r>
-              <a:rPr lang="en-US" b="0" i="0" dirty="0" err="1">
+              <a:t>Referential transparency is a key concept in functional programming languages:</a:t>
+            </a:r>
+          </a:p>
+          <a:p>
+            <a:pPr marL="0" algn="l" defTabSz="914400" rtl="0" eaLnBrk="1" latinLnBrk="0" hangingPunct="1">
+              <a:buFont typeface="+mj-lt"/>
+              <a:buNone/>
+            </a:pPr>
+            <a:r>
+              <a:rPr lang="en-US" sz="1200" b="0" i="1" kern="1200" dirty="0">
+                <a:solidFill>
+                  <a:schemeClr val="tx1"/>
+                </a:solidFill>
                 <a:effectLst/>
                 <a:latin typeface="__fkGroteskNeue_598ab8"/>
+                <a:ea typeface="+mn-ea"/>
+                <a:cs typeface="+mn-cs"/>
               </a:rPr>
-              <a:t>example:The</a:t>
-            </a:r>
-            <a:r>
-              <a:rPr lang="en-US" b="0" i="0" dirty="0">
+              <a:t>Definition</a:t>
+            </a:r>
+          </a:p>
+          <a:p>
+            <a:pPr marL="0" algn="l" defTabSz="914400" rtl="0" eaLnBrk="1" latinLnBrk="0" hangingPunct="1">
+              <a:buFont typeface="+mj-lt"/>
+              <a:buNone/>
+            </a:pPr>
+            <a:r>
+              <a:rPr lang="en-US" sz="1200" b="0" i="1" kern="1200" dirty="0">
+                <a:solidFill>
+                  <a:schemeClr val="tx1"/>
+                </a:solidFill>
                 <a:effectLst/>
                 <a:latin typeface="__fkGroteskNeue_598ab8"/>
+                <a:ea typeface="+mn-ea"/>
+                <a:cs typeface="+mn-cs"/>
               </a:rPr>
-              <a:t> add function is referentially transparent.</a:t>
-            </a:r>
-          </a:p>
-          <a:p>
-            <a:pPr algn="l">
-              <a:buFont typeface="Arial" panose="020B0604020202020204" pitchFamily="34" charset="0"/>
-              <a:buChar char="•"/>
+              <a:t>Referential transparency means that an expression can be replaced by its value without changing the program's behavior. In other words, a function call will always produce the same result for the same input, regardless of when or where it is evaluated.</a:t>
+            </a:r>
+          </a:p>
+          <a:p>
+            <a:pPr marL="0" algn="l" defTabSz="914400" rtl="0" eaLnBrk="1" latinLnBrk="0" hangingPunct="1">
+              <a:buFont typeface="+mj-lt"/>
+              <a:buNone/>
             </a:pPr>
             <a:r>
-              <a:rPr lang="en-US" b="0" i="0" dirty="0">
+              <a:rPr lang="en-US" sz="1200" b="0" i="1" kern="1200" dirty="0">
+                <a:solidFill>
+                  <a:schemeClr val="tx1"/>
+                </a:solidFill>
                 <a:effectLst/>
                 <a:latin typeface="__fkGroteskNeue_598ab8"/>
+                <a:ea typeface="+mn-ea"/>
+                <a:cs typeface="+mn-cs"/>
               </a:rPr>
-              <a:t>We can replace any call to (add 3 5) with the value 8 without changing the program's behavior.</a:t>
-            </a:r>
-          </a:p>
-          <a:p>
-            <a:pPr algn="l">
-              <a:buFont typeface="Arial" panose="020B0604020202020204" pitchFamily="34" charset="0"/>
-              <a:buChar char="•"/>
+              <a:t>Characteristics</a:t>
+            </a:r>
+          </a:p>
+          <a:p>
+            <a:pPr marL="0" algn="l" defTabSz="914400" rtl="0" eaLnBrk="1" latinLnBrk="0" hangingPunct="1">
+              <a:buFont typeface="+mj-lt"/>
+              <a:buNone/>
             </a:pPr>
             <a:r>
-              <a:rPr lang="en-US" b="0" i="0" dirty="0">
+              <a:rPr lang="en-US" sz="1200" b="0" i="1" kern="1200" dirty="0">
+                <a:solidFill>
+                  <a:schemeClr val="tx1"/>
+                </a:solidFill>
                 <a:effectLst/>
                 <a:latin typeface="__fkGroteskNeue_598ab8"/>
+                <a:ea typeface="+mn-ea"/>
+                <a:cs typeface="+mn-cs"/>
               </a:rPr>
-              <a:t>The function will always return the same result for the same inputs.</a:t>
-            </a:r>
-          </a:p>
-          <a:p>
-            <a:pPr algn="l">
-              <a:buFont typeface="Arial" panose="020B0604020202020204" pitchFamily="34" charset="0"/>
-              <a:buChar char="•"/>
+              <a:t>Pure functions: Referentially transparent functions are pure - they have no side effects and their output depends only on their inputs.</a:t>
+            </a:r>
+          </a:p>
+          <a:p>
+            <a:pPr marL="0" algn="l" defTabSz="914400" rtl="0" eaLnBrk="1" latinLnBrk="0" hangingPunct="1">
+              <a:buFont typeface="+mj-lt"/>
+              <a:buNone/>
             </a:pPr>
-            <a:endParaRPr lang="en-US" b="0" i="0" dirty="0">
-              <a:effectLst/>
-              <a:latin typeface="__fkGroteskNeue_598ab8"/>
-            </a:endParaRPr>
-          </a:p>
-          <a:p>
-            <a:pPr algn="l">
-              <a:buFont typeface="Arial" panose="020B0604020202020204" pitchFamily="34" charset="0"/>
-              <a:buChar char="•"/>
-            </a:pPr>
-            <a:r>
-              <a:rPr lang="en-US" b="0" i="0" dirty="0">
+            <a:r>
+              <a:rPr lang="en-US" sz="1200" b="0" i="1" kern="1200" dirty="0">
+                <a:solidFill>
+                  <a:schemeClr val="tx1"/>
+                </a:solidFill>
                 <a:effectLst/>
                 <a:latin typeface="__fkGroteskNeue_598ab8"/>
+                <a:ea typeface="+mn-ea"/>
+                <a:cs typeface="+mn-cs"/>
               </a:rPr>
-              <a:t>In this Fortran 77 </a:t>
-            </a:r>
-            <a:r>
-              <a:rPr lang="en-US" b="0" i="0" dirty="0" err="1">
+              <a:t>Immutability: Data is immutable in languages that enforce referential transparency, preventing state changes that could affect function outputs.</a:t>
+            </a:r>
+          </a:p>
+          <a:p>
+            <a:pPr marL="0" algn="l" defTabSz="914400" rtl="0" eaLnBrk="1" latinLnBrk="0" hangingPunct="1">
+              <a:buFont typeface="+mj-lt"/>
+              <a:buNone/>
+            </a:pPr>
+            <a:r>
+              <a:rPr lang="en-US" sz="1200" b="0" i="1" kern="1200" dirty="0">
+                <a:solidFill>
+                  <a:schemeClr val="tx1"/>
+                </a:solidFill>
                 <a:effectLst/>
                 <a:latin typeface="__fkGroteskNeue_598ab8"/>
+                <a:ea typeface="+mn-ea"/>
+                <a:cs typeface="+mn-cs"/>
               </a:rPr>
-              <a:t>example:The</a:t>
-            </a:r>
-            <a:r>
-              <a:rPr lang="en-US" b="0" i="0" dirty="0">
-                <a:effectLst/>
-                <a:latin typeface="__fkGroteskNeue_598ab8"/>
-              </a:rPr>
-              <a:t> ADD_AND_INCREMENT function is not referentially transparent.</a:t>
-            </a:r>
-          </a:p>
-          <a:p>
-            <a:pPr algn="l">
-              <a:buFont typeface="Arial" panose="020B0604020202020204" pitchFamily="34" charset="0"/>
-              <a:buChar char="•"/>
-            </a:pPr>
-            <a:r>
-              <a:rPr lang="en-US" b="0" i="0" dirty="0">
-                <a:effectLst/>
-                <a:latin typeface="__fkGroteskNeue_598ab8"/>
-              </a:rPr>
-              <a:t>It uses a common block variable COUNTER that changes with each call.</a:t>
-            </a:r>
-          </a:p>
-          <a:p>
-            <a:pPr algn="l">
-              <a:buFont typeface="Arial" panose="020B0604020202020204" pitchFamily="34" charset="0"/>
-              <a:buChar char="•"/>
-            </a:pPr>
-            <a:r>
-              <a:rPr lang="en-US" b="0" i="0" dirty="0">
-                <a:effectLst/>
-                <a:latin typeface="__fkGroteskNeue_598ab8"/>
-              </a:rPr>
-              <a:t>Calling the function with the same arguments (3 and 5) produces different results each time.</a:t>
-            </a:r>
-          </a:p>
-          <a:p>
-            <a:pPr algn="l">
-              <a:buFont typeface="Arial" panose="020B0604020202020204" pitchFamily="34" charset="0"/>
-              <a:buChar char="•"/>
-            </a:pPr>
-            <a:endParaRPr lang="en-US" b="0" i="0" dirty="0">
-              <a:effectLst/>
-              <a:latin typeface="__fkGroteskNeue_598ab8"/>
-            </a:endParaRPr>
+              <a:t>Predictability: Programs with referential transparency are more predictable and easier to reason about.</a:t>
+            </a:r>
           </a:p>
         </p:txBody>
       </p:sp>
@@ -5479,7 +6486,7 @@
           <a:p>
             <a:fld id="{00408CB8-53A8-44F3-9451-039450E51793}" type="slidenum">
               <a:rPr lang="en-AU" smtClean="0"/>
-              <a:t>5</a:t>
+              <a:t>4</a:t>
             </a:fld>
             <a:endParaRPr lang="en-AU"/>
           </a:p>
@@ -5488,7 +6495,7 @@
     </p:spTree>
     <p:extLst>
       <p:ext uri="{BB962C8B-B14F-4D97-AF65-F5344CB8AC3E}">
-        <p14:creationId xmlns:p14="http://schemas.microsoft.com/office/powerpoint/2010/main" val="4008916608"/>
+        <p14:creationId xmlns:p14="http://schemas.microsoft.com/office/powerpoint/2010/main" val="2608509547"/>
       </p:ext>
     </p:extLst>
   </p:cSld>
@@ -5542,6 +6549,165 @@
           <a:bodyPr/>
           <a:lstStyle/>
           <a:p>
+            <a:pPr marL="0" algn="l" defTabSz="914400" rtl="0" eaLnBrk="1" latinLnBrk="0" hangingPunct="1">
+              <a:buFont typeface="+mj-lt"/>
+              <a:buNone/>
+            </a:pPr>
+            <a:r>
+              <a:rPr lang="en-US" sz="1200" b="0" i="1" kern="1200" dirty="0">
+                <a:solidFill>
+                  <a:schemeClr val="tx1"/>
+                </a:solidFill>
+                <a:effectLst/>
+                <a:latin typeface="__fkGroteskNeue_598ab8"/>
+                <a:ea typeface="+mn-ea"/>
+                <a:cs typeface="+mn-cs"/>
+              </a:rPr>
+              <a:t>In this LISP example:</a:t>
+            </a:r>
+          </a:p>
+          <a:p>
+            <a:pPr marL="0" algn="l" defTabSz="914400" rtl="0" eaLnBrk="1" latinLnBrk="0" hangingPunct="1">
+              <a:buFont typeface="+mj-lt"/>
+              <a:buNone/>
+            </a:pPr>
+            <a:r>
+              <a:rPr lang="en-US" sz="1200" b="0" i="1" kern="1200" dirty="0">
+                <a:solidFill>
+                  <a:schemeClr val="tx1"/>
+                </a:solidFill>
+                <a:effectLst/>
+                <a:latin typeface="__fkGroteskNeue_598ab8"/>
+                <a:ea typeface="+mn-ea"/>
+                <a:cs typeface="+mn-cs"/>
+              </a:rPr>
+              <a:t>The add function is referentially transparent.</a:t>
+            </a:r>
+          </a:p>
+          <a:p>
+            <a:pPr marL="0" algn="l" defTabSz="914400" rtl="0" eaLnBrk="1" latinLnBrk="0" hangingPunct="1">
+              <a:buFont typeface="+mj-lt"/>
+              <a:buNone/>
+            </a:pPr>
+            <a:r>
+              <a:rPr lang="en-US" sz="1200" b="0" i="1" kern="1200" dirty="0">
+                <a:solidFill>
+                  <a:schemeClr val="tx1"/>
+                </a:solidFill>
+                <a:effectLst/>
+                <a:latin typeface="__fkGroteskNeue_598ab8"/>
+                <a:ea typeface="+mn-ea"/>
+                <a:cs typeface="+mn-cs"/>
+              </a:rPr>
+              <a:t>We can replace any call to (add 3 5) with the value 8 without changing the program's behavior.</a:t>
+            </a:r>
+          </a:p>
+          <a:p>
+            <a:pPr marL="0" algn="l" defTabSz="914400" rtl="0" eaLnBrk="1" latinLnBrk="0" hangingPunct="1">
+              <a:buFont typeface="+mj-lt"/>
+              <a:buNone/>
+            </a:pPr>
+            <a:r>
+              <a:rPr lang="en-US" sz="1200" b="0" i="1" kern="1200" dirty="0">
+                <a:solidFill>
+                  <a:schemeClr val="tx1"/>
+                </a:solidFill>
+                <a:effectLst/>
+                <a:latin typeface="__fkGroteskNeue_598ab8"/>
+                <a:ea typeface="+mn-ea"/>
+                <a:cs typeface="+mn-cs"/>
+              </a:rPr>
+              <a:t>The function will always return the same result for the same inputs.</a:t>
+            </a:r>
+          </a:p>
+          <a:p>
+            <a:pPr marL="0" algn="l" defTabSz="914400" rtl="0" eaLnBrk="1" latinLnBrk="0" hangingPunct="1">
+              <a:buFont typeface="+mj-lt"/>
+              <a:buNone/>
+            </a:pPr>
+            <a:endParaRPr lang="en-US" sz="1200" b="0" i="1" kern="1200" dirty="0">
+              <a:solidFill>
+                <a:schemeClr val="tx1"/>
+              </a:solidFill>
+              <a:effectLst/>
+              <a:latin typeface="__fkGroteskNeue_598ab8"/>
+              <a:ea typeface="+mn-ea"/>
+              <a:cs typeface="+mn-cs"/>
+            </a:endParaRPr>
+          </a:p>
+          <a:p>
+            <a:pPr marL="0" algn="l" defTabSz="914400" rtl="0" eaLnBrk="1" latinLnBrk="0" hangingPunct="1">
+              <a:buFont typeface="+mj-lt"/>
+              <a:buNone/>
+            </a:pPr>
+            <a:r>
+              <a:rPr lang="en-US" sz="1200" b="0" i="1" kern="1200" dirty="0">
+                <a:solidFill>
+                  <a:schemeClr val="tx1"/>
+                </a:solidFill>
+                <a:effectLst/>
+                <a:latin typeface="__fkGroteskNeue_598ab8"/>
+                <a:ea typeface="+mn-ea"/>
+                <a:cs typeface="+mn-cs"/>
+              </a:rPr>
+              <a:t>In this Fortran 77 example:</a:t>
+            </a:r>
+          </a:p>
+          <a:p>
+            <a:pPr marL="0" algn="l" defTabSz="914400" rtl="0" eaLnBrk="1" latinLnBrk="0" hangingPunct="1">
+              <a:buFont typeface="+mj-lt"/>
+              <a:buNone/>
+            </a:pPr>
+            <a:r>
+              <a:rPr lang="en-US" sz="1200" b="0" i="1" kern="1200" dirty="0">
+                <a:solidFill>
+                  <a:schemeClr val="tx1"/>
+                </a:solidFill>
+                <a:effectLst/>
+                <a:latin typeface="__fkGroteskNeue_598ab8"/>
+                <a:ea typeface="+mn-ea"/>
+                <a:cs typeface="+mn-cs"/>
+              </a:rPr>
+              <a:t>The ADD_AND_INCREMENT function is not referentially transparent.</a:t>
+            </a:r>
+          </a:p>
+          <a:p>
+            <a:pPr marL="0" algn="l" defTabSz="914400" rtl="0" eaLnBrk="1" latinLnBrk="0" hangingPunct="1">
+              <a:buFont typeface="+mj-lt"/>
+              <a:buNone/>
+            </a:pPr>
+            <a:r>
+              <a:rPr lang="en-US" sz="1200" b="0" i="1" kern="1200" dirty="0">
+                <a:solidFill>
+                  <a:schemeClr val="tx1"/>
+                </a:solidFill>
+                <a:effectLst/>
+                <a:latin typeface="__fkGroteskNeue_598ab8"/>
+                <a:ea typeface="+mn-ea"/>
+                <a:cs typeface="+mn-cs"/>
+              </a:rPr>
+              <a:t>It uses a common block variable COUNTER that changes with each call.</a:t>
+            </a:r>
+          </a:p>
+          <a:p>
+            <a:pPr marL="0" algn="l" defTabSz="914400" rtl="0" eaLnBrk="1" latinLnBrk="0" hangingPunct="1">
+              <a:buFont typeface="+mj-lt"/>
+              <a:buNone/>
+            </a:pPr>
+            <a:r>
+              <a:rPr lang="en-US" sz="1200" b="0" i="1" kern="1200" dirty="0">
+                <a:solidFill>
+                  <a:schemeClr val="tx1"/>
+                </a:solidFill>
+                <a:effectLst/>
+                <a:latin typeface="__fkGroteskNeue_598ab8"/>
+                <a:ea typeface="+mn-ea"/>
+                <a:cs typeface="+mn-cs"/>
+              </a:rPr>
+              <a:t>Calling the function with the same arguments (3 and 5) produces different results each time.</a:t>
+            </a:r>
+          </a:p>
+          <a:p>
             <a:pPr algn="l">
               <a:buFont typeface="Arial" panose="020B0604020202020204" pitchFamily="34" charset="0"/>
               <a:buChar char="•"/>
@@ -5550,104 +6716,6 @@
               <a:effectLst/>
               <a:latin typeface="__fkGroteskNeue_598ab8"/>
             </a:endParaRPr>
-          </a:p>
-          <a:p>
-            <a:pPr algn="l"/>
-            <a:r>
-              <a:rPr lang="en-US" b="0" i="0" dirty="0">
-                <a:effectLst/>
-                <a:latin typeface="var(--font-fk-grotesk)"/>
-              </a:rPr>
-              <a:t>Key Differences</a:t>
-            </a:r>
-          </a:p>
-          <a:p>
-            <a:pPr algn="l">
-              <a:buFont typeface="+mj-lt"/>
-              <a:buAutoNum type="arabicPeriod"/>
-            </a:pPr>
-            <a:r>
-              <a:rPr lang="en-US" b="0" i="0" dirty="0">
-                <a:effectLst/>
-                <a:latin typeface="__fkGroteskNeue_598ab8"/>
-              </a:rPr>
-              <a:t>Side Effects: LISP functions typically avoid side effects, while Fortran 77 functions often modify program state through common blocks or global variables.</a:t>
-            </a:r>
-          </a:p>
-          <a:p>
-            <a:pPr algn="l">
-              <a:buFont typeface="+mj-lt"/>
-              <a:buAutoNum type="arabicPeriod"/>
-            </a:pPr>
-            <a:r>
-              <a:rPr lang="en-US" b="0" i="0" dirty="0">
-                <a:effectLst/>
-                <a:latin typeface="__fkGroteskNeue_598ab8"/>
-              </a:rPr>
-              <a:t>Predictability: LISP's referential transparency makes code more predictable and easier to reason about.</a:t>
-            </a:r>
-          </a:p>
-          <a:p>
-            <a:pPr algn="l">
-              <a:buFont typeface="+mj-lt"/>
-              <a:buAutoNum type="arabicPeriod"/>
-            </a:pPr>
-            <a:r>
-              <a:rPr lang="en-US" b="0" i="0" dirty="0">
-                <a:effectLst/>
-                <a:latin typeface="__fkGroteskNeue_598ab8"/>
-              </a:rPr>
-              <a:t>Testing: Referentially transparent functions in LISP are easier to test, as their behavior depends solely on inputs.</a:t>
-            </a:r>
-          </a:p>
-          <a:p>
-            <a:pPr algn="l">
-              <a:buFont typeface="+mj-lt"/>
-              <a:buAutoNum type="arabicPeriod"/>
-            </a:pPr>
-            <a:r>
-              <a:rPr lang="en-US" b="0" i="0" dirty="0">
-                <a:effectLst/>
-                <a:latin typeface="__fkGroteskNeue_598ab8"/>
-              </a:rPr>
-              <a:t>Optimization: LISP's referential transparency allows for easier compiler optimizations, such as </a:t>
-            </a:r>
-            <a:r>
-              <a:rPr lang="en-US" b="0" i="0" dirty="0" err="1">
-                <a:effectLst/>
-                <a:latin typeface="__fkGroteskNeue_598ab8"/>
-              </a:rPr>
-              <a:t>memoization</a:t>
-            </a:r>
-            <a:r>
-              <a:rPr lang="en-US" b="0" i="0" dirty="0">
-                <a:effectLst/>
-                <a:latin typeface="__fkGroteskNeue_598ab8"/>
-              </a:rPr>
-              <a:t>.</a:t>
-            </a:r>
-          </a:p>
-          <a:p>
-            <a:pPr algn="l">
-              <a:buFont typeface="+mj-lt"/>
-              <a:buAutoNum type="arabicPeriod"/>
-            </a:pPr>
-            <a:r>
-              <a:rPr lang="en-US" b="0" i="0" dirty="0">
-                <a:effectLst/>
-                <a:latin typeface="__fkGroteskNeue_598ab8"/>
-              </a:rPr>
-              <a:t>Parallelism: LISP's approach facilitates parallel execution, as functions don't depend on shared mutable state.</a:t>
-            </a:r>
-          </a:p>
-          <a:p>
-            <a:r>
-              <a:rPr lang="en-US" b="0" i="0" dirty="0">
-                <a:effectLst/>
-                <a:latin typeface="__fkGroteskNeue_598ab8"/>
-              </a:rPr>
-              <a:t>Referential transparency, as demonstrated in the LISP example, is a hallmark of functional programming. It leads to more predictable and maintainable code, though it can require a significant shift in thinking for programmers accustomed to imperative styles like Fortran 77.</a:t>
-            </a:r>
           </a:p>
         </p:txBody>
       </p:sp>
@@ -5668,7 +6736,7 @@
           <a:p>
             <a:fld id="{00408CB8-53A8-44F3-9451-039450E51793}" type="slidenum">
               <a:rPr lang="en-AU" smtClean="0"/>
-              <a:t>6</a:t>
+              <a:t>5</a:t>
             </a:fld>
             <a:endParaRPr lang="en-AU"/>
           </a:p>
@@ -5677,7 +6745,7 @@
     </p:spTree>
     <p:extLst>
       <p:ext uri="{BB962C8B-B14F-4D97-AF65-F5344CB8AC3E}">
-        <p14:creationId xmlns:p14="http://schemas.microsoft.com/office/powerpoint/2010/main" val="402628594"/>
+        <p14:creationId xmlns:p14="http://schemas.microsoft.com/office/powerpoint/2010/main" val="4008916608"/>
       </p:ext>
     </p:extLst>
   </p:cSld>
@@ -5731,120 +6799,166 @@
           <a:bodyPr/>
           <a:lstStyle/>
           <a:p>
-            <a:pPr algn="l">
+            <a:pPr marL="0" algn="l" defTabSz="914400" rtl="0" eaLnBrk="1" latinLnBrk="0" hangingPunct="1">
               <a:buFont typeface="+mj-lt"/>
               <a:buNone/>
             </a:pPr>
             <a:r>
-              <a:rPr lang="en-US" b="0" i="0" dirty="0">
+              <a:rPr lang="en-US" sz="1200" b="0" i="1" kern="1200" dirty="0">
+                <a:solidFill>
+                  <a:schemeClr val="tx1"/>
+                </a:solidFill>
                 <a:effectLst/>
                 <a:latin typeface="__fkGroteskNeue_598ab8"/>
+                <a:ea typeface="+mn-ea"/>
+                <a:cs typeface="+mn-cs"/>
               </a:rPr>
-              <a:t>functions in functional programming languages (FPLs) can indeed be viewed as values. This is one of the key characteristics that distinguishes FPLs from many imperative languages. Here are some key points about functions as values in </a:t>
-            </a:r>
-            <a:r>
-              <a:rPr lang="en-US" b="0" i="0" dirty="0" err="1">
+              <a:t> A side effect in programming refers to any change in program state or observable interaction with the outside world that occurs as a result of executing a function or expression, beyond simply returning a value. Common examples of side effects include:</a:t>
+            </a:r>
+          </a:p>
+          <a:p>
+            <a:pPr marL="0" algn="l" defTabSz="914400" rtl="0" eaLnBrk="1" latinLnBrk="0" hangingPunct="1">
+              <a:buFont typeface="+mj-lt"/>
+              <a:buNone/>
+            </a:pPr>
+            <a:r>
+              <a:rPr lang="en-US" sz="1200" b="0" i="1" kern="1200" dirty="0">
+                <a:solidFill>
+                  <a:schemeClr val="tx1"/>
+                </a:solidFill>
                 <a:effectLst/>
                 <a:latin typeface="__fkGroteskNeue_598ab8"/>
+                <a:ea typeface="+mn-ea"/>
+                <a:cs typeface="+mn-cs"/>
               </a:rPr>
-              <a:t>FPLs:First-class</a:t>
-            </a:r>
-            <a:r>
-              <a:rPr lang="en-US" b="0" i="0" dirty="0">
+              <a:t>Modifying a global variable</a:t>
+            </a:r>
+          </a:p>
+          <a:p>
+            <a:pPr marL="0" algn="l" defTabSz="914400" rtl="0" eaLnBrk="1" latinLnBrk="0" hangingPunct="1">
+              <a:buFont typeface="+mj-lt"/>
+              <a:buNone/>
+            </a:pPr>
+            <a:r>
+              <a:rPr lang="en-US" sz="1200" b="0" i="1" kern="1200" dirty="0">
+                <a:solidFill>
+                  <a:schemeClr val="tx1"/>
+                </a:solidFill>
                 <a:effectLst/>
                 <a:latin typeface="__fkGroteskNeue_598ab8"/>
+                <a:ea typeface="+mn-ea"/>
+                <a:cs typeface="+mn-cs"/>
               </a:rPr>
-              <a:t> functions: In FPLs like LISP, Scheme, ML, and Haskell, functions are first-class citizens, meaning they can </a:t>
-            </a:r>
-            <a:r>
-              <a:rPr lang="en-US" b="0" i="0" dirty="0" err="1">
+              <a:t>Modifying a parameter passed by reference</a:t>
+            </a:r>
+          </a:p>
+          <a:p>
+            <a:pPr marL="0" algn="l" defTabSz="914400" rtl="0" eaLnBrk="1" latinLnBrk="0" hangingPunct="1">
+              <a:buFont typeface="+mj-lt"/>
+              <a:buNone/>
+            </a:pPr>
+            <a:r>
+              <a:rPr lang="en-US" sz="1200" b="0" i="1" kern="1200" dirty="0">
+                <a:solidFill>
+                  <a:schemeClr val="tx1"/>
+                </a:solidFill>
                 <a:effectLst/>
                 <a:latin typeface="__fkGroteskNeue_598ab8"/>
+                <a:ea typeface="+mn-ea"/>
+                <a:cs typeface="+mn-cs"/>
               </a:rPr>
-              <a:t>be:Assigned</a:t>
-            </a:r>
-            <a:r>
-              <a:rPr lang="en-US" b="0" i="0" dirty="0">
+              <a:t>Performing I/O operations (e.g., writing to a file or printing to the screen)</a:t>
+            </a:r>
+          </a:p>
+          <a:p>
+            <a:pPr marL="0" algn="l" defTabSz="914400" rtl="0" eaLnBrk="1" latinLnBrk="0" hangingPunct="1">
+              <a:buFont typeface="+mj-lt"/>
+              <a:buNone/>
+            </a:pPr>
+            <a:r>
+              <a:rPr lang="en-US" sz="1200" b="0" i="1" kern="1200" dirty="0">
+                <a:solidFill>
+                  <a:schemeClr val="tx1"/>
+                </a:solidFill>
                 <a:effectLst/>
                 <a:latin typeface="__fkGroteskNeue_598ab8"/>
+                <a:ea typeface="+mn-ea"/>
+                <a:cs typeface="+mn-cs"/>
               </a:rPr>
-              <a:t> to variables</a:t>
-            </a:r>
-          </a:p>
-          <a:p>
-            <a:pPr algn="l">
+              <a:t>Modifying data structures in place</a:t>
+            </a:r>
+          </a:p>
+          <a:p>
+            <a:pPr marL="0" algn="l" defTabSz="914400" rtl="0" eaLnBrk="1" latinLnBrk="0" hangingPunct="1">
               <a:buFont typeface="+mj-lt"/>
-              <a:buAutoNum type="arabicPeriod"/>
+              <a:buNone/>
             </a:pPr>
             <a:r>
-              <a:rPr lang="en-US" b="0" i="0" dirty="0">
+              <a:rPr lang="en-US" sz="1200" b="0" i="1" kern="1200" dirty="0">
+                <a:solidFill>
+                  <a:schemeClr val="tx1"/>
+                </a:solidFill>
                 <a:effectLst/>
                 <a:latin typeface="__fkGroteskNeue_598ab8"/>
+                <a:ea typeface="+mn-ea"/>
+                <a:cs typeface="+mn-cs"/>
               </a:rPr>
-              <a:t>Passed as arguments to other functions</a:t>
-            </a:r>
-          </a:p>
-          <a:p>
-            <a:pPr algn="l">
+              <a:t>In pure functional programming languages (FPLs), side effects are generally avoided or strictly controlled. The key characteristics of FPLs that relate to side effects are:</a:t>
+            </a:r>
+          </a:p>
+          <a:p>
+            <a:pPr marL="0" algn="l" defTabSz="914400" rtl="0" eaLnBrk="1" latinLnBrk="0" hangingPunct="1">
               <a:buFont typeface="+mj-lt"/>
-              <a:buAutoNum type="arabicPeriod"/>
+              <a:buNone/>
             </a:pPr>
             <a:r>
-              <a:rPr lang="en-US" b="0" i="0" dirty="0">
+              <a:rPr lang="en-US" sz="1200" b="0" i="1" kern="1200" dirty="0">
+                <a:solidFill>
+                  <a:schemeClr val="tx1"/>
+                </a:solidFill>
                 <a:effectLst/>
                 <a:latin typeface="__fkGroteskNeue_598ab8"/>
+                <a:ea typeface="+mn-ea"/>
+                <a:cs typeface="+mn-cs"/>
               </a:rPr>
-              <a:t>Returned as results from functions</a:t>
-            </a:r>
-          </a:p>
-          <a:p>
-            <a:pPr algn="l">
+              <a:t>Immutability: Data is typically immutable, meaning once created, it cannot be changed. This eliminates many potential side effects related to data modification.</a:t>
+            </a:r>
+          </a:p>
+          <a:p>
+            <a:pPr marL="0" algn="l" defTabSz="914400" rtl="0" eaLnBrk="1" latinLnBrk="0" hangingPunct="1">
               <a:buFont typeface="+mj-lt"/>
-              <a:buAutoNum type="arabicPeriod"/>
+              <a:buNone/>
             </a:pPr>
             <a:r>
-              <a:rPr lang="en-US" b="0" i="0" dirty="0">
+              <a:rPr lang="en-US" sz="1200" b="0" i="1" kern="1200" dirty="0">
+                <a:solidFill>
+                  <a:schemeClr val="tx1"/>
+                </a:solidFill>
                 <a:effectLst/>
                 <a:latin typeface="__fkGroteskNeue_598ab8"/>
+                <a:ea typeface="+mn-ea"/>
+                <a:cs typeface="+mn-cs"/>
               </a:rPr>
-              <a:t>Higher-order functions: FPLs support higher-order functions, which are functions that can take other functions as parameters or return functions as results.</a:t>
-            </a:r>
-          </a:p>
-          <a:p>
-            <a:pPr algn="l">
+              <a:t>Referential transparency: Functions always produce the same output for a given input, regardless of when or how many times they are called. This property is violated by functions with side effects.</a:t>
+            </a:r>
+          </a:p>
+          <a:p>
+            <a:pPr marL="0" algn="l" defTabSz="914400" rtl="0" eaLnBrk="1" latinLnBrk="0" hangingPunct="1">
               <a:buFont typeface="+mj-lt"/>
-              <a:buAutoNum type="arabicPeriod"/>
+              <a:buNone/>
             </a:pPr>
             <a:r>
-              <a:rPr lang="en-US" b="0" i="0" dirty="0">
+              <a:rPr lang="en-US" sz="1200" b="0" i="1" kern="1200" dirty="0">
+                <a:solidFill>
+                  <a:schemeClr val="tx1"/>
+                </a:solidFill>
                 <a:effectLst/>
                 <a:latin typeface="__fkGroteskNeue_598ab8"/>
+                <a:ea typeface="+mn-ea"/>
+                <a:cs typeface="+mn-cs"/>
               </a:rPr>
-              <a:t>Function literals: Many FPLs allow you to create anonymous functions (lambda expressions) on the fly, treating them as literal values.</a:t>
-            </a:r>
-          </a:p>
-          <a:p>
-            <a:pPr algn="l">
-              <a:buFont typeface="+mj-lt"/>
-              <a:buAutoNum type="arabicPeriod"/>
-            </a:pPr>
-            <a:r>
-              <a:rPr lang="en-US" b="0" i="0" dirty="0">
-                <a:effectLst/>
-                <a:latin typeface="__fkGroteskNeue_598ab8"/>
-              </a:rPr>
-              <a:t>Closures: FPLs often support closures, which are functions packaged together with their lexical environment.</a:t>
-            </a:r>
-          </a:p>
-          <a:p>
-            <a:pPr algn="l">
-              <a:buFont typeface="Arial" panose="020B0604020202020204" pitchFamily="34" charset="0"/>
-              <a:buChar char="•"/>
-            </a:pPr>
-            <a:endParaRPr lang="en-US" b="0" i="0" dirty="0">
-              <a:effectLst/>
-              <a:latin typeface="__fkGroteskNeue_598ab8"/>
-            </a:endParaRPr>
+              <a:t>Pure functions: In pure FPLs, functions are pure, meaning they only depend on their inputs and do not modify any external state.</a:t>
+            </a:r>
           </a:p>
         </p:txBody>
       </p:sp>
@@ -5865,7 +6979,7 @@
           <a:p>
             <a:fld id="{00408CB8-53A8-44F3-9451-039450E51793}" type="slidenum">
               <a:rPr lang="en-AU" smtClean="0"/>
-              <a:t>7</a:t>
+              <a:t>6</a:t>
             </a:fld>
             <a:endParaRPr lang="en-AU"/>
           </a:p>
@@ -5874,7 +6988,7 @@
     </p:spTree>
     <p:extLst>
       <p:ext uri="{BB962C8B-B14F-4D97-AF65-F5344CB8AC3E}">
-        <p14:creationId xmlns:p14="http://schemas.microsoft.com/office/powerpoint/2010/main" val="529651283"/>
+        <p14:creationId xmlns:p14="http://schemas.microsoft.com/office/powerpoint/2010/main" val="402628594"/>
       </p:ext>
     </p:extLst>
   </p:cSld>
@@ -5928,70 +7042,154 @@
           <a:bodyPr/>
           <a:lstStyle/>
           <a:p>
-            <a:pPr algn="l">
+            <a:pPr marL="0" algn="l" defTabSz="914400" rtl="0" eaLnBrk="1" latinLnBrk="0" hangingPunct="1">
               <a:buFont typeface="+mj-lt"/>
-              <a:buAutoNum type="arabicPeriod"/>
+              <a:buNone/>
             </a:pPr>
             <a:r>
-              <a:rPr lang="en-US" b="0" i="0" dirty="0">
+              <a:rPr lang="en-US" sz="1200" b="0" i="1" kern="1200" dirty="0">
+                <a:solidFill>
+                  <a:schemeClr val="tx1"/>
+                </a:solidFill>
                 <a:effectLst/>
                 <a:latin typeface="__fkGroteskNeue_598ab8"/>
+                <a:ea typeface="+mn-ea"/>
+                <a:cs typeface="+mn-cs"/>
+              </a:rPr>
+              <a:t>functions in functional programming languages (FPLs) can indeed be viewed as values. This is one of the key characteristics that distinguishes FPLs from many imperative languages. Here are some key points about functions as values in FPLs:</a:t>
+            </a:r>
+          </a:p>
+          <a:p>
+            <a:pPr marL="0" algn="l" defTabSz="914400" rtl="0" eaLnBrk="1" latinLnBrk="0" hangingPunct="1">
+              <a:buFont typeface="+mj-lt"/>
+              <a:buNone/>
+            </a:pPr>
+            <a:r>
+              <a:rPr lang="en-US" sz="1200" b="0" i="1" kern="1200" dirty="0">
+                <a:solidFill>
+                  <a:schemeClr val="tx1"/>
+                </a:solidFill>
+                <a:effectLst/>
+                <a:latin typeface="__fkGroteskNeue_598ab8"/>
+                <a:ea typeface="+mn-ea"/>
+                <a:cs typeface="+mn-cs"/>
+              </a:rPr>
+              <a:t>First-class functions: In FPLs like LISP, Scheme, ML, and Haskell, functions are first-class citizens, meaning they can be:</a:t>
+            </a:r>
+          </a:p>
+          <a:p>
+            <a:pPr marL="0" algn="l" defTabSz="914400" rtl="0" eaLnBrk="1" latinLnBrk="0" hangingPunct="1">
+              <a:buFont typeface="+mj-lt"/>
+              <a:buNone/>
+            </a:pPr>
+            <a:r>
+              <a:rPr lang="en-US" sz="1200" b="0" i="1" kern="1200" dirty="0">
+                <a:solidFill>
+                  <a:schemeClr val="tx1"/>
+                </a:solidFill>
+                <a:effectLst/>
+                <a:latin typeface="__fkGroteskNeue_598ab8"/>
+                <a:ea typeface="+mn-ea"/>
+                <a:cs typeface="+mn-cs"/>
               </a:rPr>
               <a:t>Assigned to variables</a:t>
             </a:r>
           </a:p>
           <a:p>
-            <a:pPr algn="l">
+            <a:pPr marL="0" algn="l" defTabSz="914400" rtl="0" eaLnBrk="1" latinLnBrk="0" hangingPunct="1">
               <a:buFont typeface="+mj-lt"/>
-              <a:buAutoNum type="arabicPeriod"/>
+              <a:buNone/>
             </a:pPr>
             <a:r>
-              <a:rPr lang="en-US" b="0" i="0" dirty="0">
+              <a:rPr lang="en-US" sz="1200" b="0" i="1" kern="1200" dirty="0">
+                <a:solidFill>
+                  <a:schemeClr val="tx1"/>
+                </a:solidFill>
                 <a:effectLst/>
                 <a:latin typeface="__fkGroteskNeue_598ab8"/>
+                <a:ea typeface="+mn-ea"/>
+                <a:cs typeface="+mn-cs"/>
               </a:rPr>
               <a:t>Passed as arguments to other functions</a:t>
             </a:r>
           </a:p>
           <a:p>
-            <a:pPr algn="l">
+            <a:pPr marL="0" algn="l" defTabSz="914400" rtl="0" eaLnBrk="1" latinLnBrk="0" hangingPunct="1">
               <a:buFont typeface="+mj-lt"/>
-              <a:buAutoNum type="arabicPeriod"/>
+              <a:buNone/>
             </a:pPr>
             <a:r>
-              <a:rPr lang="en-US" b="0" i="0" dirty="0">
+              <a:rPr lang="en-US" sz="1200" b="0" i="1" kern="1200" dirty="0">
+                <a:solidFill>
+                  <a:schemeClr val="tx1"/>
+                </a:solidFill>
                 <a:effectLst/>
                 <a:latin typeface="__fkGroteskNeue_598ab8"/>
+                <a:ea typeface="+mn-ea"/>
+                <a:cs typeface="+mn-cs"/>
               </a:rPr>
               <a:t>Returned as results from functions</a:t>
             </a:r>
           </a:p>
           <a:p>
-            <a:pPr algn="l">
+            <a:pPr marL="0" algn="l" defTabSz="914400" rtl="0" eaLnBrk="1" latinLnBrk="0" hangingPunct="1">
               <a:buFont typeface="+mj-lt"/>
-              <a:buAutoNum type="arabicPeriod"/>
+              <a:buNone/>
             </a:pPr>
             <a:r>
-              <a:rPr lang="en-US" b="0" i="0" dirty="0">
+              <a:rPr lang="en-US" sz="1200" b="0" i="1" kern="1200" dirty="0">
+                <a:solidFill>
+                  <a:schemeClr val="tx1"/>
+                </a:solidFill>
                 <a:effectLst/>
                 <a:latin typeface="__fkGroteskNeue_598ab8"/>
+                <a:ea typeface="+mn-ea"/>
+                <a:cs typeface="+mn-cs"/>
               </a:rPr>
-              <a:t>Stored in data structures</a:t>
-            </a:r>
-          </a:p>
-          <a:p>
-            <a:r>
-              <a:rPr lang="en-US" b="0" i="0" dirty="0">
+              <a:t>Higher-order functions: FPLs support higher-order functions, which are functions that can take other functions as parameters or return functions as results.</a:t>
+            </a:r>
+          </a:p>
+          <a:p>
+            <a:pPr marL="0" algn="l" defTabSz="914400" rtl="0" eaLnBrk="1" latinLnBrk="0" hangingPunct="1">
+              <a:buFont typeface="+mj-lt"/>
+              <a:buNone/>
+            </a:pPr>
+            <a:r>
+              <a:rPr lang="en-US" sz="1200" b="0" i="1" kern="1200" dirty="0">
+                <a:solidFill>
+                  <a:schemeClr val="tx1"/>
+                </a:solidFill>
                 <a:effectLst/>
                 <a:latin typeface="__fkGroteskNeue_598ab8"/>
+                <a:ea typeface="+mn-ea"/>
+                <a:cs typeface="+mn-cs"/>
               </a:rPr>
-              <a:t>Here's a Scheme example demonstrating these concepts:</a:t>
-            </a:r>
-            <a:br>
-              <a:rPr lang="en-US" dirty="0">
+              <a:t>Function literals: Many FPLs allow you to create anonymous functions (lambda expressions) on the fly, treating them as literal values.</a:t>
+            </a:r>
+          </a:p>
+          <a:p>
+            <a:pPr marL="0" algn="l" defTabSz="914400" rtl="0" eaLnBrk="1" latinLnBrk="0" hangingPunct="1">
+              <a:buFont typeface="+mj-lt"/>
+              <a:buNone/>
+            </a:pPr>
+            <a:r>
+              <a:rPr lang="en-US" sz="1200" b="0" i="1" kern="1200" dirty="0">
+                <a:solidFill>
+                  <a:schemeClr val="tx1"/>
+                </a:solidFill>
                 <a:effectLst/>
+                <a:latin typeface="__fkGroteskNeue_598ab8"/>
+                <a:ea typeface="+mn-ea"/>
+                <a:cs typeface="+mn-cs"/>
               </a:rPr>
-            </a:br>
+              <a:t>Closures: FPLs often support closures, which are functions packaged together with their lexical environment.</a:t>
+            </a:r>
+          </a:p>
+          <a:p>
+            <a:pPr algn="l">
+              <a:buFont typeface="Arial" panose="020B0604020202020204" pitchFamily="34" charset="0"/>
+              <a:buChar char="•"/>
+            </a:pPr>
             <a:endParaRPr lang="en-US" b="0" i="0" dirty="0">
               <a:effectLst/>
               <a:latin typeface="__fkGroteskNeue_598ab8"/>
@@ -6016,7 +7214,7 @@
           <a:p>
             <a:fld id="{00408CB8-53A8-44F3-9451-039450E51793}" type="slidenum">
               <a:rPr lang="en-AU" smtClean="0"/>
-              <a:t>8</a:t>
+              <a:t>7</a:t>
             </a:fld>
             <a:endParaRPr lang="en-AU"/>
           </a:p>
@@ -6025,7 +7223,7 @@
     </p:spTree>
     <p:extLst>
       <p:ext uri="{BB962C8B-B14F-4D97-AF65-F5344CB8AC3E}">
-        <p14:creationId xmlns:p14="http://schemas.microsoft.com/office/powerpoint/2010/main" val="624056216"/>
+        <p14:creationId xmlns:p14="http://schemas.microsoft.com/office/powerpoint/2010/main" val="529651283"/>
       </p:ext>
     </p:extLst>
   </p:cSld>
@@ -6079,234 +7277,114 @@
           <a:bodyPr/>
           <a:lstStyle/>
           <a:p>
-            <a:pPr algn="l">
+            <a:pPr marL="0" algn="l" defTabSz="914400" rtl="0" eaLnBrk="1" latinLnBrk="0" hangingPunct="1">
               <a:buFont typeface="+mj-lt"/>
-              <a:buAutoNum type="arabicPeriod"/>
+              <a:buNone/>
             </a:pPr>
             <a:r>
-              <a:rPr lang="en-US" b="0" i="0" dirty="0">
+              <a:rPr lang="en-US" sz="1200" b="0" i="1" kern="1200" dirty="0">
+                <a:solidFill>
+                  <a:schemeClr val="tx1"/>
+                </a:solidFill>
                 <a:effectLst/>
                 <a:latin typeface="__fkGroteskNeue_598ab8"/>
+                <a:ea typeface="+mn-ea"/>
+                <a:cs typeface="+mn-cs"/>
               </a:rPr>
-              <a:t>Concurrent systems are computer systems that can execute multiple computations simultaneously. In programming, this refers to programs that can have multiple threads of execution running in </a:t>
-            </a:r>
-            <a:r>
-              <a:rPr lang="en-US" b="0" i="0" dirty="0" err="1">
+              <a:t>Assigned to variables</a:t>
+            </a:r>
+          </a:p>
+          <a:p>
+            <a:pPr marL="0" algn="l" defTabSz="914400" rtl="0" eaLnBrk="1" latinLnBrk="0" hangingPunct="1">
+              <a:buFont typeface="+mj-lt"/>
+              <a:buNone/>
+            </a:pPr>
+            <a:r>
+              <a:rPr lang="en-US" sz="1200" b="0" i="1" kern="1200" dirty="0">
+                <a:solidFill>
+                  <a:schemeClr val="tx1"/>
+                </a:solidFill>
                 <a:effectLst/>
                 <a:latin typeface="__fkGroteskNeue_598ab8"/>
+                <a:ea typeface="+mn-ea"/>
+                <a:cs typeface="+mn-cs"/>
               </a:rPr>
-              <a:t>parallel.FPLs</a:t>
-            </a:r>
-            <a:r>
-              <a:rPr lang="en-US" b="0" i="0" dirty="0">
+              <a:t>Passed as arguments to other functions</a:t>
+            </a:r>
+          </a:p>
+          <a:p>
+            <a:pPr marL="0" algn="l" defTabSz="914400" rtl="0" eaLnBrk="1" latinLnBrk="0" hangingPunct="1">
+              <a:buFont typeface="+mj-lt"/>
+              <a:buNone/>
+            </a:pPr>
+            <a:r>
+              <a:rPr lang="en-US" sz="1200" b="0" i="1" kern="1200" dirty="0">
+                <a:solidFill>
+                  <a:schemeClr val="tx1"/>
+                </a:solidFill>
                 <a:effectLst/>
                 <a:latin typeface="__fkGroteskNeue_598ab8"/>
+                <a:ea typeface="+mn-ea"/>
+                <a:cs typeface="+mn-cs"/>
               </a:rPr>
-              <a:t> have several characteristics that make them well-suited for developing concurrent </a:t>
-            </a:r>
-            <a:r>
-              <a:rPr lang="en-US" b="0" i="0" dirty="0" err="1">
+              <a:t>Returned as results from functions</a:t>
+            </a:r>
+          </a:p>
+          <a:p>
+            <a:pPr marL="0" algn="l" defTabSz="914400" rtl="0" eaLnBrk="1" latinLnBrk="0" hangingPunct="1">
+              <a:buFont typeface="+mj-lt"/>
+              <a:buNone/>
+            </a:pPr>
+            <a:r>
+              <a:rPr lang="en-US" sz="1200" b="0" i="1" kern="1200" dirty="0">
+                <a:solidFill>
+                  <a:schemeClr val="tx1"/>
+                </a:solidFill>
                 <a:effectLst/>
                 <a:latin typeface="__fkGroteskNeue_598ab8"/>
+                <a:ea typeface="+mn-ea"/>
+                <a:cs typeface="+mn-cs"/>
               </a:rPr>
-              <a:t>systems:Immutability</a:t>
-            </a:r>
-            <a:r>
-              <a:rPr lang="en-US" b="0" i="0" dirty="0">
+              <a:t>Stored in data structures</a:t>
+            </a:r>
+          </a:p>
+          <a:p>
+            <a:pPr marL="0" algn="l" defTabSz="914400" rtl="0" eaLnBrk="1" latinLnBrk="0" hangingPunct="1">
+              <a:buFont typeface="+mj-lt"/>
+              <a:buNone/>
+            </a:pPr>
+            <a:r>
+              <a:rPr lang="en-US" sz="1200" b="0" i="1" kern="1200" dirty="0">
+                <a:solidFill>
+                  <a:schemeClr val="tx1"/>
+                </a:solidFill>
                 <a:effectLst/>
                 <a:latin typeface="__fkGroteskNeue_598ab8"/>
+                <a:ea typeface="+mn-ea"/>
+                <a:cs typeface="+mn-cs"/>
               </a:rPr>
-              <a:t>: FPLs emphasize immutable data structures, which eliminates many concurrency issues related to shared mutable state. This makes it easier to reason about concurrent code.</a:t>
-            </a:r>
-          </a:p>
-          <a:p>
-            <a:pPr algn="l">
-              <a:buFont typeface="+mj-lt"/>
-              <a:buAutoNum type="arabicPeriod"/>
-            </a:pPr>
-            <a:r>
-              <a:rPr lang="en-US" b="0" i="0" dirty="0">
+              <a:t>Here's a Scheme example demonstrating these concepts:</a:t>
+            </a:r>
+            <a:br>
+              <a:rPr lang="en-US" sz="1200" b="0" i="1" kern="1200" dirty="0">
+                <a:solidFill>
+                  <a:schemeClr val="tx1"/>
+                </a:solidFill>
                 <a:effectLst/>
                 <a:latin typeface="__fkGroteskNeue_598ab8"/>
+                <a:ea typeface="+mn-ea"/>
+                <a:cs typeface="+mn-cs"/>
               </a:rPr>
-              <a:t>Pure functions: Functions in FPLs are often pure, meaning they have no side effects and always produce the same output for given inputs. This makes them inherently thread-safe.</a:t>
-            </a:r>
-          </a:p>
-          <a:p>
-            <a:pPr algn="l">
-              <a:buFont typeface="+mj-lt"/>
-              <a:buAutoNum type="arabicPeriod"/>
-            </a:pPr>
-            <a:r>
-              <a:rPr lang="en-US" b="0" i="0" dirty="0">
-                <a:effectLst/>
-                <a:latin typeface="__fkGroteskNeue_598ab8"/>
-              </a:rPr>
-              <a:t>Referential transparency: This property allows expressions to be replaced by their values without changing program behavior, which facilitates parallelization of code.</a:t>
-            </a:r>
-          </a:p>
-          <a:p>
-            <a:pPr algn="l">
-              <a:buFont typeface="+mj-lt"/>
-              <a:buAutoNum type="arabicPeriod"/>
-            </a:pPr>
-            <a:r>
-              <a:rPr lang="en-US" b="0" i="0" dirty="0">
-                <a:effectLst/>
-                <a:latin typeface="__fkGroteskNeue_598ab8"/>
-              </a:rPr>
-              <a:t>Higher-order functions: FPLs support higher-order functions, which can be used to abstract concurrency patterns and create reusable concurrent structures.</a:t>
-            </a:r>
-          </a:p>
-          <a:p>
-            <a:pPr algn="l">
-              <a:buFont typeface="+mj-lt"/>
-              <a:buAutoNum type="arabicPeriod"/>
-            </a:pPr>
-            <a:r>
-              <a:rPr lang="en-US" b="0" i="0" dirty="0">
-                <a:effectLst/>
-                <a:latin typeface="__fkGroteskNeue_598ab8"/>
-              </a:rPr>
-              <a:t>Lazy evaluation: Some FPLs use lazy evaluation, which can help in managing computational resources in concurrent systems.</a:t>
-            </a:r>
-          </a:p>
-          <a:p>
-            <a:pPr algn="l">
-              <a:buFont typeface="Arial" panose="020B0604020202020204" pitchFamily="34" charset="0"/>
-              <a:buChar char="•"/>
-            </a:pPr>
-            <a:r>
-              <a:rPr lang="en-US" b="0" i="0" dirty="0">
-                <a:effectLst/>
-                <a:latin typeface="__fkGroteskNeue_598ab8"/>
-              </a:rPr>
-              <a:t>The book mentions that a section on concurrency in functional programming languages was added to Chapter 13, indicating that FPLs do have specific support for concurrent programming. This likely </a:t>
-            </a:r>
-            <a:r>
-              <a:rPr lang="en-US" b="0" i="0" dirty="0" err="1">
-                <a:effectLst/>
-                <a:latin typeface="__fkGroteskNeue_598ab8"/>
-              </a:rPr>
-              <a:t>includes:Parallel</a:t>
-            </a:r>
-            <a:r>
-              <a:rPr lang="en-US" b="0" i="0" dirty="0">
-                <a:effectLst/>
-                <a:latin typeface="__fkGroteskNeue_598ab8"/>
-              </a:rPr>
-              <a:t> evaluation of expressions</a:t>
-            </a:r>
-          </a:p>
-          <a:p>
-            <a:pPr algn="l">
-              <a:buFont typeface="Arial" panose="020B0604020202020204" pitchFamily="34" charset="0"/>
-              <a:buChar char="•"/>
-            </a:pPr>
-            <a:r>
-              <a:rPr lang="en-US" b="0" i="0" dirty="0">
-                <a:effectLst/>
-                <a:latin typeface="__fkGroteskNeue_598ab8"/>
-              </a:rPr>
-              <a:t>Concurrent data structures</a:t>
-            </a:r>
-          </a:p>
-          <a:p>
-            <a:pPr algn="l">
-              <a:buFont typeface="Arial" panose="020B0604020202020204" pitchFamily="34" charset="0"/>
-              <a:buChar char="•"/>
-            </a:pPr>
-            <a:r>
-              <a:rPr lang="en-US" b="0" i="0" dirty="0">
-                <a:effectLst/>
-                <a:latin typeface="__fkGroteskNeue_598ab8"/>
-              </a:rPr>
-              <a:t>Message-passing concurrency models</a:t>
-            </a:r>
-          </a:p>
-          <a:p>
-            <a:pPr algn="l">
-              <a:buFont typeface="Arial" panose="020B0604020202020204" pitchFamily="34" charset="0"/>
-              <a:buChar char="•"/>
-            </a:pPr>
-            <a:r>
-              <a:rPr lang="en-US" b="0" i="0" dirty="0">
-                <a:effectLst/>
-                <a:latin typeface="__fkGroteskNeue_598ab8"/>
-              </a:rPr>
-              <a:t>Software transactional memory</a:t>
-            </a:r>
-          </a:p>
-          <a:p>
-            <a:pPr algn="l">
-              <a:buFont typeface="Arial" panose="020B0604020202020204" pitchFamily="34" charset="0"/>
-              <a:buChar char="•"/>
-            </a:pPr>
-            <a:endParaRPr lang="en-US" b="0" i="0" dirty="0">
+            </a:br>
+            <a:endParaRPr lang="en-US" sz="1200" b="0" i="1" kern="1200" dirty="0">
+              <a:solidFill>
+                <a:schemeClr val="tx1"/>
+              </a:solidFill>
               <a:effectLst/>
               <a:latin typeface="__fkGroteskNeue_598ab8"/>
+              <a:ea typeface="+mn-ea"/>
+              <a:cs typeface="+mn-cs"/>
             </a:endParaRPr>
-          </a:p>
-          <a:p>
-            <a:pPr algn="l">
-              <a:buFont typeface="+mj-lt"/>
-              <a:buNone/>
-            </a:pPr>
-            <a:r>
-              <a:rPr lang="en-US" b="0" i="0" dirty="0">
-                <a:effectLst/>
-                <a:latin typeface="__fkGroteskNeue_598ab8"/>
-              </a:rPr>
-              <a:t>While FPLs have advantages for concurrent programming, there are also some potential challenges:</a:t>
-            </a:r>
-          </a:p>
-          <a:p>
-            <a:pPr algn="l">
-              <a:buFont typeface="+mj-lt"/>
-              <a:buAutoNum type="arabicPeriod"/>
-            </a:pPr>
-            <a:r>
-              <a:rPr lang="en-US" b="0" i="0" dirty="0">
-                <a:effectLst/>
-                <a:latin typeface="__fkGroteskNeue_598ab8"/>
-              </a:rPr>
-              <a:t>Performance: Some concurrent algorithms may be less efficient when implemented in a purely functional style.</a:t>
-            </a:r>
-          </a:p>
-          <a:p>
-            <a:pPr algn="l">
-              <a:buFont typeface="+mj-lt"/>
-              <a:buAutoNum type="arabicPeriod"/>
-            </a:pPr>
-            <a:r>
-              <a:rPr lang="en-US" b="0" i="0" dirty="0">
-                <a:effectLst/>
-                <a:latin typeface="__fkGroteskNeue_598ab8"/>
-              </a:rPr>
-              <a:t>State management: While immutability is beneficial, managing state changes in a purely functional way can sometimes be complex.</a:t>
-            </a:r>
-          </a:p>
-          <a:p>
-            <a:pPr algn="l">
-              <a:buFont typeface="+mj-lt"/>
-              <a:buAutoNum type="arabicPeriod"/>
-            </a:pPr>
-            <a:r>
-              <a:rPr lang="en-US" b="0" i="0" dirty="0">
-                <a:effectLst/>
-                <a:latin typeface="__fkGroteskNeue_598ab8"/>
-              </a:rPr>
-              <a:t>Learning curve: Developers accustomed to imperative concurrent programming may need time to adapt to functional concurrency patterns.</a:t>
-            </a:r>
-          </a:p>
-          <a:p>
-            <a:r>
-              <a:rPr lang="en-US" b="0" i="0" dirty="0">
-                <a:effectLst/>
-                <a:latin typeface="__fkGroteskNeue_598ab8"/>
-              </a:rPr>
-              <a:t>Overall, FPLs are generally considered highly suitable for concurrent systems due to their inherent properties that align well with concurrent programming principles. Their emphasis on immutability and pure functions can lead to more robust and easier-to-reason-about concurrent code.</a:t>
-            </a:r>
           </a:p>
         </p:txBody>
       </p:sp>
@@ -6327,7 +7405,7 @@
           <a:p>
             <a:fld id="{00408CB8-53A8-44F3-9451-039450E51793}" type="slidenum">
               <a:rPr lang="en-AU" smtClean="0"/>
-              <a:t>9</a:t>
+              <a:t>8</a:t>
             </a:fld>
             <a:endParaRPr lang="en-AU"/>
           </a:p>
@@ -6336,7 +7414,7 @@
     </p:spTree>
     <p:extLst>
       <p:ext uri="{BB962C8B-B14F-4D97-AF65-F5344CB8AC3E}">
-        <p14:creationId xmlns:p14="http://schemas.microsoft.com/office/powerpoint/2010/main" val="415839277"/>
+        <p14:creationId xmlns:p14="http://schemas.microsoft.com/office/powerpoint/2010/main" val="624056216"/>
       </p:ext>
     </p:extLst>
   </p:cSld>
@@ -6390,125 +7468,217 @@
           <a:bodyPr/>
           <a:lstStyle/>
           <a:p>
-            <a:pPr algn="l">
+            <a:pPr marL="0" algn="l" defTabSz="914400" rtl="0" eaLnBrk="1" latinLnBrk="0" hangingPunct="1">
               <a:buFont typeface="+mj-lt"/>
               <a:buNone/>
             </a:pPr>
             <a:r>
-              <a:rPr lang="en-US" b="0" i="0" dirty="0">
+              <a:rPr lang="en-US" sz="1200" b="0" i="1" kern="1200" dirty="0">
+                <a:solidFill>
+                  <a:schemeClr val="tx1"/>
+                </a:solidFill>
                 <a:effectLst/>
                 <a:latin typeface="__fkGroteskNeue_598ab8"/>
+                <a:ea typeface="+mn-ea"/>
+                <a:cs typeface="+mn-cs"/>
               </a:rPr>
-              <a:t>Tail recursion optimization is an important concept in functional programming languages. Here are the key points about tail recursion optimization:</a:t>
-            </a:r>
-          </a:p>
-          <a:p>
-            <a:pPr algn="l">
+              <a:t>Concurrent systems are computer systems that can execute multiple computations simultaneously. In programming, this refers to programs that can have multiple threads of execution running in parallel. FPLs have several characteristics that make them well-suited for developing concurrent systems:</a:t>
+            </a:r>
+          </a:p>
+          <a:p>
+            <a:pPr marL="0" algn="l" defTabSz="914400" rtl="0" eaLnBrk="1" latinLnBrk="0" hangingPunct="1">
               <a:buFont typeface="+mj-lt"/>
               <a:buNone/>
             </a:pPr>
             <a:r>
-              <a:rPr lang="en-US" b="0" i="0" dirty="0">
+              <a:rPr lang="en-US" sz="1200" b="0" i="1" kern="1200" dirty="0">
+                <a:solidFill>
+                  <a:schemeClr val="tx1"/>
+                </a:solidFill>
                 <a:effectLst/>
                 <a:latin typeface="__fkGroteskNeue_598ab8"/>
+                <a:ea typeface="+mn-ea"/>
+                <a:cs typeface="+mn-cs"/>
               </a:rPr>
-              <a:t>Definition: Tail recursion optimization (also called tail call optimization) is a compiler optimization technique that transforms certain types of recursive function calls into iterative loops.</a:t>
-            </a:r>
-          </a:p>
-          <a:p>
-            <a:pPr algn="l">
+              <a:t>Immutability: FPLs emphasize immutable data structures, which eliminates many concurrency issues related to shared mutable state. This makes it easier to reason about concurrent code.</a:t>
+            </a:r>
+          </a:p>
+          <a:p>
+            <a:pPr marL="0" algn="l" defTabSz="914400" rtl="0" eaLnBrk="1" latinLnBrk="0" hangingPunct="1">
               <a:buFont typeface="+mj-lt"/>
-              <a:buAutoNum type="arabicPeriod"/>
+              <a:buNone/>
             </a:pPr>
             <a:r>
-              <a:rPr lang="en-US" b="0" i="0" dirty="0">
+              <a:rPr lang="en-US" sz="1200" b="0" i="1" kern="1200" dirty="0">
+                <a:solidFill>
+                  <a:schemeClr val="tx1"/>
+                </a:solidFill>
                 <a:effectLst/>
                 <a:latin typeface="__fkGroteskNeue_598ab8"/>
+                <a:ea typeface="+mn-ea"/>
+                <a:cs typeface="+mn-cs"/>
               </a:rPr>
-              <a:t>Purpose: It allows recursive algorithms to execute using constant stack space, avoiding stack overflow errors for deep recursions.</a:t>
-            </a:r>
-          </a:p>
-          <a:p>
-            <a:pPr algn="l">
+              <a:t>Pure functions: Functions in FPLs are often pure, meaning they have no side effects and always produce the same output for given inputs. This makes them inherently thread-safe.</a:t>
+            </a:r>
+          </a:p>
+          <a:p>
+            <a:pPr marL="0" algn="l" defTabSz="914400" rtl="0" eaLnBrk="1" latinLnBrk="0" hangingPunct="1">
               <a:buFont typeface="+mj-lt"/>
-              <a:buAutoNum type="arabicPeriod"/>
+              <a:buNone/>
             </a:pPr>
             <a:r>
-              <a:rPr lang="en-US" b="0" i="0" dirty="0">
+              <a:rPr lang="en-US" sz="1200" b="0" i="1" kern="1200" dirty="0">
+                <a:solidFill>
+                  <a:schemeClr val="tx1"/>
+                </a:solidFill>
                 <a:effectLst/>
                 <a:latin typeface="__fkGroteskNeue_598ab8"/>
+                <a:ea typeface="+mn-ea"/>
+                <a:cs typeface="+mn-cs"/>
               </a:rPr>
-              <a:t>Applicability: It applies to recursive calls that are in tail position - meaning the recursive call is the last operation performed before the function returns its result.</a:t>
-            </a:r>
-          </a:p>
-          <a:p>
-            <a:pPr algn="l">
+              <a:t>Referential transparency: This property allows expressions to be replaced by their values without changing program behavior, which facilitates parallelization of code.</a:t>
+            </a:r>
+          </a:p>
+          <a:p>
+            <a:pPr marL="0" algn="l" defTabSz="914400" rtl="0" eaLnBrk="1" latinLnBrk="0" hangingPunct="1">
               <a:buFont typeface="+mj-lt"/>
-              <a:buAutoNum type="arabicPeriod"/>
+              <a:buNone/>
             </a:pPr>
             <a:r>
-              <a:rPr lang="en-US" b="0" i="0" dirty="0">
+              <a:rPr lang="en-US" sz="1200" b="0" i="1" kern="1200" dirty="0">
+                <a:solidFill>
+                  <a:schemeClr val="tx1"/>
+                </a:solidFill>
                 <a:effectLst/>
                 <a:latin typeface="__fkGroteskNeue_598ab8"/>
+                <a:ea typeface="+mn-ea"/>
+                <a:cs typeface="+mn-cs"/>
               </a:rPr>
-              <a:t>How it works: The compiler replaces the recursive call with a jump back to the beginning of the function, reusing the current stack frame instead of creating a new one.</a:t>
-            </a:r>
-          </a:p>
-          <a:p>
-            <a:pPr algn="l">
+              <a:t>Higher-order functions: FPLs support higher-order functions, which can be used to abstract concurrency patterns and create reusable concurrent structures.</a:t>
+            </a:r>
+          </a:p>
+          <a:p>
+            <a:pPr marL="0" algn="l" defTabSz="914400" rtl="0" eaLnBrk="1" latinLnBrk="0" hangingPunct="1">
               <a:buFont typeface="+mj-lt"/>
-              <a:buAutoNum type="arabicPeriod"/>
+              <a:buNone/>
             </a:pPr>
             <a:r>
-              <a:rPr lang="en-US" b="0" i="0" dirty="0" err="1">
+              <a:rPr lang="en-US" sz="1200" b="0" i="1" kern="1200" dirty="0">
+                <a:solidFill>
+                  <a:schemeClr val="tx1"/>
+                </a:solidFill>
                 <a:effectLst/>
                 <a:latin typeface="__fkGroteskNeue_598ab8"/>
+                <a:ea typeface="+mn-ea"/>
+                <a:cs typeface="+mn-cs"/>
               </a:rPr>
-              <a:t>Benefits:Improves</a:t>
-            </a:r>
-            <a:r>
-              <a:rPr lang="en-US" b="0" i="0" dirty="0">
+              <a:t>Lazy evaluation: Some FPLs use lazy evaluation, which can help in managing computational resources in concurrent systems.</a:t>
+            </a:r>
+          </a:p>
+          <a:p>
+            <a:pPr marL="0" algn="l" defTabSz="914400" rtl="0" eaLnBrk="1" latinLnBrk="0" hangingPunct="1">
+              <a:buFont typeface="+mj-lt"/>
+              <a:buNone/>
+            </a:pPr>
+            <a:endParaRPr lang="en-US" sz="1200" b="0" i="1" kern="1200" dirty="0">
+              <a:solidFill>
+                <a:schemeClr val="tx1"/>
+              </a:solidFill>
+              <a:effectLst/>
+              <a:latin typeface="__fkGroteskNeue_598ab8"/>
+              <a:ea typeface="+mn-ea"/>
+              <a:cs typeface="+mn-cs"/>
+            </a:endParaRPr>
+          </a:p>
+          <a:p>
+            <a:pPr marL="0" algn="l" defTabSz="914400" rtl="0" eaLnBrk="1" latinLnBrk="0" hangingPunct="1">
+              <a:buFont typeface="+mj-lt"/>
+              <a:buNone/>
+            </a:pPr>
+            <a:r>
+              <a:rPr lang="en-US" sz="1200" b="0" i="1" kern="1200" dirty="0">
+                <a:solidFill>
+                  <a:schemeClr val="tx1"/>
+                </a:solidFill>
                 <a:effectLst/>
                 <a:latin typeface="__fkGroteskNeue_598ab8"/>
+                <a:ea typeface="+mn-ea"/>
+                <a:cs typeface="+mn-cs"/>
               </a:rPr>
-              <a:t> performance by eliminating the overhead of multiple function calls</a:t>
-            </a:r>
-          </a:p>
-          <a:p>
-            <a:pPr algn="l">
+              <a:t>While FPLs have advantages for concurrent programming, there are also some potential challenges:</a:t>
+            </a:r>
+          </a:p>
+          <a:p>
+            <a:pPr marL="0" algn="l" defTabSz="914400" rtl="0" eaLnBrk="1" latinLnBrk="0" hangingPunct="1">
               <a:buFont typeface="+mj-lt"/>
-              <a:buAutoNum type="arabicPeriod"/>
+              <a:buNone/>
             </a:pPr>
             <a:r>
-              <a:rPr lang="en-US" b="0" i="0" dirty="0">
+              <a:rPr lang="en-US" sz="1200" b="0" i="1" kern="1200" dirty="0">
+                <a:solidFill>
+                  <a:schemeClr val="tx1"/>
+                </a:solidFill>
                 <a:effectLst/>
                 <a:latin typeface="__fkGroteskNeue_598ab8"/>
+                <a:ea typeface="+mn-ea"/>
+                <a:cs typeface="+mn-cs"/>
               </a:rPr>
-              <a:t>Allows writing recursive algorithms that can handle arbitrarily large inputs without risk of stack overflow</a:t>
-            </a:r>
-          </a:p>
-          <a:p>
-            <a:pPr algn="l">
+              <a:t>Performance: Some concurrent algorithms may be less efficient when implemented in a purely functional style.</a:t>
+            </a:r>
+          </a:p>
+          <a:p>
+            <a:pPr marL="0" algn="l" defTabSz="914400" rtl="0" eaLnBrk="1" latinLnBrk="0" hangingPunct="1">
               <a:buFont typeface="+mj-lt"/>
-              <a:buAutoNum type="arabicPeriod"/>
+              <a:buNone/>
             </a:pPr>
             <a:r>
-              <a:rPr lang="en-US" b="0" i="0" dirty="0">
+              <a:rPr lang="en-US" sz="1200" b="0" i="1" kern="1200" dirty="0">
+                <a:solidFill>
+                  <a:schemeClr val="tx1"/>
+                </a:solidFill>
                 <a:effectLst/>
                 <a:latin typeface="__fkGroteskNeue_598ab8"/>
+                <a:ea typeface="+mn-ea"/>
+                <a:cs typeface="+mn-cs"/>
               </a:rPr>
-              <a:t>Language support: Many functional programming languages like Scheme, ML, and Haskell guarantee tail call optimization. Some imperative languages like C and C++ may optionally support it.</a:t>
-            </a:r>
-          </a:p>
-          <a:p>
-            <a:pPr algn="l">
+              <a:t>State management: While immutability is beneficial, managing state changes in a purely functional way can sometimes be complex.</a:t>
+            </a:r>
+          </a:p>
+          <a:p>
+            <a:pPr marL="0" algn="l" defTabSz="914400" rtl="0" eaLnBrk="1" latinLnBrk="0" hangingPunct="1">
               <a:buFont typeface="+mj-lt"/>
-              <a:buAutoNum type="arabicPeriod"/>
+              <a:buNone/>
             </a:pPr>
-            <a:endParaRPr lang="en-US" b="0" i="0" dirty="0">
-              <a:effectLst/>
-              <a:latin typeface="__fkGroteskNeue_598ab8"/>
-            </a:endParaRPr>
+            <a:r>
+              <a:rPr lang="en-US" sz="1200" b="0" i="1" kern="1200" dirty="0">
+                <a:solidFill>
+                  <a:schemeClr val="tx1"/>
+                </a:solidFill>
+                <a:effectLst/>
+                <a:latin typeface="__fkGroteskNeue_598ab8"/>
+                <a:ea typeface="+mn-ea"/>
+                <a:cs typeface="+mn-cs"/>
+              </a:rPr>
+              <a:t>Learning curve: Developers accustomed to imperative concurrent programming may need time to adapt to functional concurrency patterns.</a:t>
+            </a:r>
+          </a:p>
+          <a:p>
+            <a:pPr marL="0" algn="l" defTabSz="914400" rtl="0" eaLnBrk="1" latinLnBrk="0" hangingPunct="1">
+              <a:buFont typeface="+mj-lt"/>
+              <a:buNone/>
+            </a:pPr>
+            <a:r>
+              <a:rPr lang="en-US" sz="1200" b="0" i="1" kern="1200" dirty="0">
+                <a:solidFill>
+                  <a:schemeClr val="tx1"/>
+                </a:solidFill>
+                <a:effectLst/>
+                <a:latin typeface="__fkGroteskNeue_598ab8"/>
+                <a:ea typeface="+mn-ea"/>
+                <a:cs typeface="+mn-cs"/>
+              </a:rPr>
+              <a:t>Overall, FPLs are generally considered highly suitable for concurrent systems due to their inherent properties that align well with concurrent programming principles. Their emphasis on immutability and pure functions can lead to more robust and easier-to-reason-about concurrent code.</a:t>
+            </a:r>
           </a:p>
         </p:txBody>
       </p:sp>
@@ -6529,7 +7699,7 @@
           <a:p>
             <a:fld id="{00408CB8-53A8-44F3-9451-039450E51793}" type="slidenum">
               <a:rPr lang="en-AU" smtClean="0"/>
-              <a:t>10</a:t>
+              <a:t>9</a:t>
             </a:fld>
             <a:endParaRPr lang="en-AU"/>
           </a:p>
@@ -6538,7 +7708,7 @@
     </p:spTree>
     <p:extLst>
       <p:ext uri="{BB962C8B-B14F-4D97-AF65-F5344CB8AC3E}">
-        <p14:creationId xmlns:p14="http://schemas.microsoft.com/office/powerpoint/2010/main" val="969059008"/>
+        <p14:creationId xmlns:p14="http://schemas.microsoft.com/office/powerpoint/2010/main" val="415839277"/>
       </p:ext>
     </p:extLst>
   </p:cSld>
@@ -6592,40 +7762,158 @@
           <a:bodyPr/>
           <a:lstStyle/>
           <a:p>
+            <a:pPr marL="0" algn="l" defTabSz="914400" rtl="0" eaLnBrk="1" latinLnBrk="0" hangingPunct="1">
+              <a:buFont typeface="+mj-lt"/>
+              <a:buNone/>
+            </a:pPr>
+            <a:r>
+              <a:rPr lang="en-US" sz="1200" b="0" i="1" kern="1200" dirty="0">
+                <a:solidFill>
+                  <a:schemeClr val="tx1"/>
+                </a:solidFill>
+                <a:effectLst/>
+                <a:latin typeface="__fkGroteskNeue_598ab8"/>
+                <a:ea typeface="+mn-ea"/>
+                <a:cs typeface="+mn-cs"/>
+              </a:rPr>
+              <a:t>Tail recursion optimization is an important concept in functional programming languages. Here are the key points about tail recursion optimization:</a:t>
+            </a:r>
+          </a:p>
+          <a:p>
+            <a:pPr marL="0" algn="l" defTabSz="914400" rtl="0" eaLnBrk="1" latinLnBrk="0" hangingPunct="1">
+              <a:buFont typeface="+mj-lt"/>
+              <a:buNone/>
+            </a:pPr>
+            <a:r>
+              <a:rPr lang="en-US" sz="1200" b="0" i="1" kern="1200" dirty="0">
+                <a:solidFill>
+                  <a:schemeClr val="tx1"/>
+                </a:solidFill>
+                <a:effectLst/>
+                <a:latin typeface="__fkGroteskNeue_598ab8"/>
+                <a:ea typeface="+mn-ea"/>
+                <a:cs typeface="+mn-cs"/>
+              </a:rPr>
+              <a:t>Definition: Tail recursion optimization (also called tail call optimization) is a compiler optimization technique that transforms certain types of recursive function calls into iterative loops.</a:t>
+            </a:r>
+          </a:p>
+          <a:p>
+            <a:pPr marL="0" algn="l" defTabSz="914400" rtl="0" eaLnBrk="1" latinLnBrk="0" hangingPunct="1">
+              <a:buFont typeface="+mj-lt"/>
+              <a:buNone/>
+            </a:pPr>
+            <a:r>
+              <a:rPr lang="en-US" sz="1200" b="0" i="1" kern="1200" dirty="0">
+                <a:solidFill>
+                  <a:schemeClr val="tx1"/>
+                </a:solidFill>
+                <a:effectLst/>
+                <a:latin typeface="__fkGroteskNeue_598ab8"/>
+                <a:ea typeface="+mn-ea"/>
+                <a:cs typeface="+mn-cs"/>
+              </a:rPr>
+              <a:t>Purpose: It allows recursive algorithms to execute using constant stack space, avoiding stack overflow errors for deep recursions.</a:t>
+            </a:r>
+          </a:p>
+          <a:p>
+            <a:pPr marL="0" algn="l" defTabSz="914400" rtl="0" eaLnBrk="1" latinLnBrk="0" hangingPunct="1">
+              <a:buFont typeface="+mj-lt"/>
+              <a:buNone/>
+            </a:pPr>
+            <a:r>
+              <a:rPr lang="en-US" sz="1200" b="0" i="1" kern="1200" dirty="0">
+                <a:solidFill>
+                  <a:schemeClr val="tx1"/>
+                </a:solidFill>
+                <a:effectLst/>
+                <a:latin typeface="__fkGroteskNeue_598ab8"/>
+                <a:ea typeface="+mn-ea"/>
+                <a:cs typeface="+mn-cs"/>
+              </a:rPr>
+              <a:t>Applicability: It applies to recursive calls that are in tail position - meaning the recursive call is the last operation performed before the function returns its result.</a:t>
+            </a:r>
+          </a:p>
+          <a:p>
+            <a:pPr marL="0" algn="l" defTabSz="914400" rtl="0" eaLnBrk="1" latinLnBrk="0" hangingPunct="1">
+              <a:buFont typeface="+mj-lt"/>
+              <a:buNone/>
+            </a:pPr>
+            <a:r>
+              <a:rPr lang="en-US" sz="1200" b="0" i="1" kern="1200" dirty="0">
+                <a:solidFill>
+                  <a:schemeClr val="tx1"/>
+                </a:solidFill>
+                <a:effectLst/>
+                <a:latin typeface="__fkGroteskNeue_598ab8"/>
+                <a:ea typeface="+mn-ea"/>
+                <a:cs typeface="+mn-cs"/>
+              </a:rPr>
+              <a:t>How it works: The compiler replaces the recursive call with a jump back to the beginning of the function, reusing the current stack frame instead of creating a new one.</a:t>
+            </a:r>
+          </a:p>
+          <a:p>
+            <a:pPr marL="0" algn="l" defTabSz="914400" rtl="0" eaLnBrk="1" latinLnBrk="0" hangingPunct="1">
+              <a:buFont typeface="+mj-lt"/>
+              <a:buNone/>
+            </a:pPr>
+            <a:r>
+              <a:rPr lang="en-US" sz="1200" b="0" i="1" kern="1200" dirty="0">
+                <a:solidFill>
+                  <a:schemeClr val="tx1"/>
+                </a:solidFill>
+                <a:effectLst/>
+                <a:latin typeface="__fkGroteskNeue_598ab8"/>
+                <a:ea typeface="+mn-ea"/>
+                <a:cs typeface="+mn-cs"/>
+              </a:rPr>
+              <a:t>Benefits: Improves performance by eliminating the overhead of multiple function calls</a:t>
+            </a:r>
+          </a:p>
+          <a:p>
+            <a:pPr marL="0" algn="l" defTabSz="914400" rtl="0" eaLnBrk="1" latinLnBrk="0" hangingPunct="1">
+              <a:buFont typeface="+mj-lt"/>
+              <a:buNone/>
+            </a:pPr>
+            <a:r>
+              <a:rPr lang="en-US" sz="1200" b="0" i="1" kern="1200" dirty="0">
+                <a:solidFill>
+                  <a:schemeClr val="tx1"/>
+                </a:solidFill>
+                <a:effectLst/>
+                <a:latin typeface="__fkGroteskNeue_598ab8"/>
+                <a:ea typeface="+mn-ea"/>
+                <a:cs typeface="+mn-cs"/>
+              </a:rPr>
+              <a:t>Allows writing recursive algorithms that can handle arbitrarily large inputs without risk of stack overflow</a:t>
+            </a:r>
+          </a:p>
+          <a:p>
+            <a:pPr marL="0" algn="l" defTabSz="914400" rtl="0" eaLnBrk="1" latinLnBrk="0" hangingPunct="1">
+              <a:buFont typeface="+mj-lt"/>
+              <a:buNone/>
+            </a:pPr>
+            <a:r>
+              <a:rPr lang="en-US" sz="1200" b="0" i="1" kern="1200" dirty="0">
+                <a:solidFill>
+                  <a:schemeClr val="tx1"/>
+                </a:solidFill>
+                <a:effectLst/>
+                <a:latin typeface="__fkGroteskNeue_598ab8"/>
+                <a:ea typeface="+mn-ea"/>
+                <a:cs typeface="+mn-cs"/>
+              </a:rPr>
+              <a:t>Language support: Many functional programming languages like Scheme, ML, and Haskell guarantee tail call optimization. Some imperative languages like C and C++ may optionally support it.</a:t>
+            </a:r>
+          </a:p>
+          <a:p>
             <a:pPr algn="l">
               <a:buFont typeface="+mj-lt"/>
-              <a:buNone/>
+              <a:buAutoNum type="arabicPeriod"/>
             </a:pPr>
-            <a:r>
-              <a:rPr lang="en-US" b="0" i="0" dirty="0">
-                <a:effectLst/>
-                <a:latin typeface="__fkGroteskNeue_598ab8"/>
-              </a:rPr>
-              <a:t>This factorial implementation can be optimized into an iterative loop, using constant stack space regardless of input </a:t>
-            </a:r>
-            <a:r>
-              <a:rPr lang="en-US" b="0" i="0" dirty="0" err="1">
-                <a:effectLst/>
-                <a:latin typeface="__fkGroteskNeue_598ab8"/>
-              </a:rPr>
-              <a:t>size.Limitations</a:t>
-            </a:r>
-            <a:r>
-              <a:rPr lang="en-US" b="0" i="0" dirty="0">
-                <a:effectLst/>
-                <a:latin typeface="__fkGroteskNeue_598ab8"/>
-              </a:rPr>
-              <a:t>: Not all recursive functions can be optimized this way - only those where the recursive call is in tail position.</a:t>
-            </a:r>
-          </a:p>
-          <a:p>
-            <a:r>
-              <a:rPr lang="en-US" b="0" i="0" dirty="0">
-                <a:effectLst/>
-                <a:latin typeface="__fkGroteskNeue_598ab8"/>
-              </a:rPr>
-              <a:t>Tail recursion optimization allows functional languages to efficiently implement algorithms that would typically use loops in imperative languages, while maintaining a recursive and often more intuitive structure.</a:t>
-            </a:r>
+            <a:endParaRPr lang="en-US" b="0" i="0" dirty="0">
+              <a:effectLst/>
+              <a:latin typeface="__fkGroteskNeue_598ab8"/>
+            </a:endParaRPr>
           </a:p>
         </p:txBody>
       </p:sp>
@@ -6646,7 +7934,7 @@
           <a:p>
             <a:fld id="{00408CB8-53A8-44F3-9451-039450E51793}" type="slidenum">
               <a:rPr lang="en-AU" smtClean="0"/>
-              <a:t>11</a:t>
+              <a:t>10</a:t>
             </a:fld>
             <a:endParaRPr lang="en-AU"/>
           </a:p>
@@ -6655,7 +7943,7 @@
     </p:spTree>
     <p:extLst>
       <p:ext uri="{BB962C8B-B14F-4D97-AF65-F5344CB8AC3E}">
-        <p14:creationId xmlns:p14="http://schemas.microsoft.com/office/powerpoint/2010/main" val="759132133"/>
+        <p14:creationId xmlns:p14="http://schemas.microsoft.com/office/powerpoint/2010/main" val="969059008"/>
       </p:ext>
     </p:extLst>
   </p:cSld>
@@ -7000,7 +8288,7 @@
           <a:p>
             <a:fld id="{02ECD91C-7B61-480A-B2FA-61837277E686}" type="datetime1">
               <a:rPr lang="en-AU" smtClean="0"/>
-              <a:t>26/08/2024</a:t>
+              <a:t>28/08/2024</a:t>
             </a:fld>
             <a:endParaRPr lang="en-AU"/>
           </a:p>
@@ -8107,7 +9395,7 @@
           <a:p>
             <a:fld id="{12BBD615-C1DE-4905-8960-E870519A4810}" type="datetime1">
               <a:rPr lang="en-AU" smtClean="0"/>
-              <a:t>26/08/2024</a:t>
+              <a:t>28/08/2024</a:t>
             </a:fld>
             <a:endParaRPr lang="en-AU"/>
           </a:p>
@@ -9090,7 +10378,7 @@
           <a:p>
             <a:fld id="{7B234736-7774-4D83-9B10-B0AD6FA81E4D}" type="datetime1">
               <a:rPr lang="en-AU" smtClean="0"/>
-              <a:t>26/08/2024</a:t>
+              <a:t>28/08/2024</a:t>
             </a:fld>
             <a:endParaRPr lang="en-AU"/>
           </a:p>
@@ -10227,7 +11515,7 @@
           <a:p>
             <a:fld id="{B3F50445-FFE6-484A-A2E5-7A34B88C1F72}" type="datetime1">
               <a:rPr lang="en-AU" smtClean="0"/>
-              <a:t>26/08/2024</a:t>
+              <a:t>28/08/2024</a:t>
             </a:fld>
             <a:endParaRPr lang="en-AU"/>
           </a:p>
@@ -11263,7 +12551,7 @@
           <a:p>
             <a:fld id="{CE8B21BC-F1AA-40C7-BF05-5579E005BC46}" type="datetime1">
               <a:rPr lang="en-AU" smtClean="0"/>
-              <a:t>26/08/2024</a:t>
+              <a:t>28/08/2024</a:t>
             </a:fld>
             <a:endParaRPr lang="en-AU"/>
           </a:p>
@@ -11926,7 +13214,7 @@
           <a:p>
             <a:fld id="{24DE5366-FCC9-447B-8876-D16E66C7EEA8}" type="datetime1">
               <a:rPr lang="en-AU" smtClean="0"/>
-              <a:t>26/08/2024</a:t>
+              <a:t>28/08/2024</a:t>
             </a:fld>
             <a:endParaRPr lang="en-AU"/>
           </a:p>
@@ -12790,7 +14078,7 @@
           <a:p>
             <a:fld id="{D7F14051-CFDC-44C5-8F8B-F12C1EFF3929}" type="datetime1">
               <a:rPr lang="en-AU" smtClean="0"/>
-              <a:t>26/08/2024</a:t>
+              <a:t>28/08/2024</a:t>
             </a:fld>
             <a:endParaRPr lang="en-AU"/>
           </a:p>
@@ -12983,7 +14271,7 @@
           <a:p>
             <a:fld id="{C7F8AAFF-3A8B-4037-8309-8B5D5E0BD61D}" type="datetime1">
               <a:rPr lang="en-AU" smtClean="0"/>
-              <a:t>26/08/2024</a:t>
+              <a:t>28/08/2024</a:t>
             </a:fld>
             <a:endParaRPr lang="en-AU"/>
           </a:p>
@@ -13958,7 +15246,7 @@
           <a:p>
             <a:fld id="{3CB00719-91D9-48D6-B31B-00F9C9E5676A}" type="datetime1">
               <a:rPr lang="en-AU" smtClean="0"/>
-              <a:t>26/08/2024</a:t>
+              <a:t>28/08/2024</a:t>
             </a:fld>
             <a:endParaRPr lang="en-AU"/>
           </a:p>
@@ -14172,7 +15460,7 @@
           <a:p>
             <a:fld id="{92BC7EEB-1622-4DD5-9E4F-3D9B99C2348C}" type="datetime1">
               <a:rPr lang="en-AU" smtClean="0"/>
-              <a:t>26/08/2024</a:t>
+              <a:t>28/08/2024</a:t>
             </a:fld>
             <a:endParaRPr lang="en-AU"/>
           </a:p>
@@ -15209,7 +16497,7 @@
           <a:p>
             <a:fld id="{B365097D-573F-4F9D-A8F5-B0BFE713EE14}" type="datetime1">
               <a:rPr lang="en-AU" smtClean="0"/>
-              <a:t>26/08/2024</a:t>
+              <a:t>28/08/2024</a:t>
             </a:fld>
             <a:endParaRPr lang="en-AU"/>
           </a:p>
@@ -15484,7 +16772,7 @@
           <a:p>
             <a:fld id="{0046DFF8-4D30-469A-9F0E-AFFBBF4974CF}" type="datetime1">
               <a:rPr lang="en-AU" smtClean="0"/>
-              <a:t>26/08/2024</a:t>
+              <a:t>28/08/2024</a:t>
             </a:fld>
             <a:endParaRPr lang="en-AU"/>
           </a:p>
@@ -15897,7 +17185,7 @@
           <a:p>
             <a:fld id="{5E08E63B-4DEA-4A5E-910E-CCD4DF8591FF}" type="datetime1">
               <a:rPr lang="en-AU" smtClean="0"/>
-              <a:t>26/08/2024</a:t>
+              <a:t>28/08/2024</a:t>
             </a:fld>
             <a:endParaRPr lang="en-AU"/>
           </a:p>
@@ -16027,7 +17315,7 @@
           <a:p>
             <a:fld id="{2E364602-CB9C-4B43-9F73-2D1616EF3BF4}" type="datetime1">
               <a:rPr lang="en-AU" smtClean="0"/>
-              <a:t>26/08/2024</a:t>
+              <a:t>28/08/2024</a:t>
             </a:fld>
             <a:endParaRPr lang="en-AU"/>
           </a:p>
@@ -16125,7 +17413,7 @@
           <a:p>
             <a:fld id="{8DBD22B7-C302-40A7-B82B-36416EFD9212}" type="datetime1">
               <a:rPr lang="en-AU" smtClean="0"/>
-              <a:t>26/08/2024</a:t>
+              <a:t>28/08/2024</a:t>
             </a:fld>
             <a:endParaRPr lang="en-AU"/>
           </a:p>
@@ -17209,7 +18497,7 @@
           <a:p>
             <a:fld id="{88D58068-8062-4150-89F4-336452174015}" type="datetime1">
               <a:rPr lang="en-AU" smtClean="0"/>
-              <a:t>26/08/2024</a:t>
+              <a:t>28/08/2024</a:t>
             </a:fld>
             <a:endParaRPr lang="en-AU"/>
           </a:p>
@@ -18320,7 +19608,7 @@
           <a:p>
             <a:fld id="{23EBBE07-A3D5-455E-9F8E-BC3DD4C11AD7}" type="datetime1">
               <a:rPr lang="en-AU" smtClean="0"/>
-              <a:t>26/08/2024</a:t>
+              <a:t>28/08/2024</a:t>
             </a:fld>
             <a:endParaRPr lang="en-AU"/>
           </a:p>
@@ -19320,7 +20608,7 @@
           <a:p>
             <a:fld id="{02A78816-BE29-4378-B655-38F2346630FD}" type="datetime1">
               <a:rPr lang="en-AU" smtClean="0"/>
-              <a:t>26/08/2024</a:t>
+              <a:t>28/08/2024</a:t>
             </a:fld>
             <a:endParaRPr lang="en-AU"/>
           </a:p>
@@ -19979,7 +21267,7 @@
           <a:p>
             <a:fld id="{56E21B7A-3783-4D20-B21D-5C73B94F14AC}" type="datetime1">
               <a:rPr lang="en-AU" smtClean="0"/>
-              <a:t>26/08/2024</a:t>
+              <a:t>28/08/2024</a:t>
             </a:fld>
             <a:endParaRPr lang="en-AU"/>
           </a:p>
@@ -20144,7 +21432,7 @@
           <a:p>
             <a:fld id="{9C2AD764-6B38-4FF6-BA05-B49573D8B0A0}" type="datetime1">
               <a:rPr lang="en-AU" smtClean="0"/>
-              <a:t>26/08/2024</a:t>
+              <a:t>28/08/2024</a:t>
             </a:fld>
             <a:endParaRPr lang="en-AU"/>
           </a:p>
@@ -20654,7 +21942,7 @@
                   <a:spcPts val="600"/>
                 </a:spcAft>
               </a:pPr>
-              <a:t>26/08/2024</a:t>
+              <a:t>28/08/2024</a:t>
             </a:fld>
             <a:endParaRPr lang="en-AU">
               <a:solidFill>
@@ -20760,7 +22048,7 @@
           <a:p>
             <a:fld id="{9C2AD764-6B38-4FF6-BA05-B49573D8B0A0}" type="datetime1">
               <a:rPr lang="en-AU" smtClean="0"/>
-              <a:t>26/08/2024</a:t>
+              <a:t>28/08/2024</a:t>
             </a:fld>
             <a:endParaRPr lang="en-AU"/>
           </a:p>
@@ -20981,7 +22269,7 @@
               </a:lnSpc>
             </a:pPr>
             <a:r>
-              <a:rPr lang="en-AU" sz="4200">
+              <a:rPr lang="en-AU" sz="4200" dirty="0">
                 <a:solidFill>
                   <a:srgbClr val="EBEBEB"/>
                 </a:solidFill>
@@ -20989,7 +22277,7 @@
               <a:t>(g) </a:t>
             </a:r>
             <a:r>
-              <a:rPr lang="en-US" sz="4200">
+              <a:rPr lang="en-US" sz="4200" dirty="0">
                 <a:solidFill>
                   <a:srgbClr val="EBEBEB"/>
                 </a:solidFill>
@@ -20997,13 +22285,13 @@
               <a:t>Discuss the use of a lambda function.</a:t>
             </a:r>
             <a:br>
-              <a:rPr lang="en-US" sz="4200">
+              <a:rPr lang="en-US" sz="4200" dirty="0">
                 <a:solidFill>
                   <a:srgbClr val="EBEBEB"/>
                 </a:solidFill>
               </a:rPr>
             </a:br>
-            <a:endParaRPr lang="en-AU" sz="4200">
+            <a:endParaRPr lang="en-AU" sz="4200" dirty="0">
               <a:solidFill>
                 <a:srgbClr val="EBEBEB"/>
               </a:solidFill>
@@ -21252,7 +22540,7 @@
                   <a:spcPts val="600"/>
                 </a:spcAft>
               </a:pPr>
-              <a:t>26/08/2024</a:t>
+              <a:t>28/08/2024</a:t>
             </a:fld>
             <a:endParaRPr lang="en-AU">
               <a:solidFill>
@@ -21691,7 +22979,7 @@
                   <a:spcPts val="600"/>
                 </a:spcAft>
               </a:pPr>
-              <a:t>26/08/2024</a:t>
+              <a:t>28/08/2024</a:t>
             </a:fld>
             <a:endParaRPr lang="en-AU">
               <a:solidFill>
@@ -22131,7 +23419,7 @@
                   <a:spcPts val="600"/>
                 </a:spcAft>
               </a:pPr>
-              <a:t>26/08/2024</a:t>
+              <a:t>28/08/2024</a:t>
             </a:fld>
             <a:endParaRPr lang="en-AU">
               <a:solidFill>
@@ -22606,7 +23894,7 @@
                   <a:spcPts val="600"/>
                 </a:spcAft>
               </a:pPr>
-              <a:t>26/08/2024</a:t>
+              <a:t>28/08/2024</a:t>
             </a:fld>
             <a:endParaRPr lang="en-AU">
               <a:solidFill>
@@ -22912,7 +24200,7 @@
                   <a:spcPts val="600"/>
                 </a:spcAft>
               </a:pPr>
-              <a:t>26/08/2024</a:t>
+              <a:t>28/08/2024</a:t>
             </a:fld>
             <a:endParaRPr lang="en-AU">
               <a:solidFill>
@@ -23228,7 +24516,7 @@
                   <a:spcPts val="600"/>
                 </a:spcAft>
               </a:pPr>
-              <a:t>26/08/2024</a:t>
+              <a:t>28/08/2024</a:t>
             </a:fld>
             <a:endParaRPr lang="en-AU">
               <a:solidFill>
@@ -23663,7 +24951,7 @@
                   <a:spcPts val="600"/>
                 </a:spcAft>
               </a:pPr>
-              <a:t>26/08/2024</a:t>
+              <a:t>28/08/2024</a:t>
             </a:fld>
             <a:endParaRPr lang="en-AU">
               <a:solidFill>
@@ -23756,7 +25044,7 @@
           <a:p>
             <a:fld id="{BB9D06F6-D3E3-46B5-8919-75BE6A1C7B38}" type="datetime1">
               <a:rPr lang="en-AU" smtClean="0"/>
-              <a:t>26/08/2024</a:t>
+              <a:t>28/08/2024</a:t>
             </a:fld>
             <a:endParaRPr lang="en-AU"/>
           </a:p>
@@ -24115,7 +25403,7 @@
                   <a:spcPts val="600"/>
                 </a:spcAft>
               </a:pPr>
-              <a:t>26/08/2024</a:t>
+              <a:t>28/08/2024</a:t>
             </a:fld>
             <a:endParaRPr lang="en-AU">
               <a:solidFill>
@@ -25699,7 +26987,7 @@
                   <a:spcPts val="600"/>
                 </a:spcAft>
               </a:pPr>
-              <a:t>8/26/2024</a:t>
+              <a:t>8/28/2024</a:t>
             </a:fld>
             <a:endParaRPr lang="en-US" b="1">
               <a:solidFill>
@@ -28201,7 +29489,7 @@
                   <a:spcPts val="600"/>
                 </a:spcAft>
               </a:pPr>
-              <a:t>8/26/2024</a:t>
+              <a:t>8/28/2024</a:t>
             </a:fld>
             <a:endParaRPr lang="en-US" b="1">
               <a:solidFill>
@@ -28878,7 +30166,7 @@
                   <a:spcPts val="600"/>
                 </a:spcAft>
               </a:pPr>
-              <a:t>8/26/2024</a:t>
+              <a:t>8/28/2024</a:t>
             </a:fld>
             <a:endParaRPr lang="en-US" b="0"/>
           </a:p>
@@ -29056,7 +30344,7 @@
           <a:p>
             <a:fld id="{9C2AD764-6B38-4FF6-BA05-B49573D8B0A0}" type="datetime1">
               <a:rPr lang="en-AU" smtClean="0"/>
-              <a:t>26/08/2024</a:t>
+              <a:t>28/08/2024</a:t>
             </a:fld>
             <a:endParaRPr lang="en-AU"/>
           </a:p>
@@ -29213,7 +30501,7 @@
           <a:p>
             <a:fld id="{9C2AD764-6B38-4FF6-BA05-B49573D8B0A0}" type="datetime1">
               <a:rPr lang="en-AU" smtClean="0"/>
-              <a:t>26/08/2024</a:t>
+              <a:t>28/08/2024</a:t>
             </a:fld>
             <a:endParaRPr lang="en-AU"/>
           </a:p>
@@ -29564,7 +30852,7 @@
                   <a:spcPts val="600"/>
                 </a:spcAft>
               </a:pPr>
-              <a:t>26/08/2024</a:t>
+              <a:t>28/08/2024</a:t>
             </a:fld>
             <a:endParaRPr lang="en-AU">
               <a:solidFill>
@@ -29670,7 +30958,7 @@
           <a:p>
             <a:fld id="{9C2AD764-6B38-4FF6-BA05-B49573D8B0A0}" type="datetime1">
               <a:rPr lang="en-AU" smtClean="0"/>
-              <a:t>26/08/2024</a:t>
+              <a:t>28/08/2024</a:t>
             </a:fld>
             <a:endParaRPr lang="en-AU"/>
           </a:p>
@@ -29827,7 +31115,7 @@
           <a:p>
             <a:fld id="{9C2AD764-6B38-4FF6-BA05-B49573D8B0A0}" type="datetime1">
               <a:rPr lang="en-AU" smtClean="0"/>
-              <a:t>26/08/2024</a:t>
+              <a:t>28/08/2024</a:t>
             </a:fld>
             <a:endParaRPr lang="en-AU"/>
           </a:p>
@@ -30621,7 +31909,7 @@
                   <a:spcPts val="600"/>
                 </a:spcAft>
               </a:pPr>
-              <a:t>26/08/2024</a:t>
+              <a:t>28/08/2024</a:t>
             </a:fld>
             <a:endParaRPr lang="en-AU">
               <a:solidFill>
@@ -30817,7 +32105,7 @@
           <a:p>
             <a:fld id="{9C2AD764-6B38-4FF6-BA05-B49573D8B0A0}" type="datetime1">
               <a:rPr lang="en-AU" smtClean="0"/>
-              <a:t>26/08/2024</a:t>
+              <a:t>28/08/2024</a:t>
             </a:fld>
             <a:endParaRPr lang="en-AU"/>
           </a:p>
